--- a/20191105_CompNetBio_Slides.pptx
+++ b/20191105_CompNetBio_Slides.pptx
@@ -4,22 +4,26 @@
   <p:sldMasterIdLst>
     <p:sldMasterId id="2147483648" r:id="rId1"/>
   </p:sldMasterIdLst>
+  <p:notesMasterIdLst>
+    <p:notesMasterId r:id="rId10"/>
+  </p:notesMasterIdLst>
   <p:sldIdLst>
-    <p:sldId id="256" r:id="rId2"/>
-    <p:sldId id="257" r:id="rId3"/>
-    <p:sldId id="261" r:id="rId4"/>
-    <p:sldId id="262" r:id="rId5"/>
-    <p:sldId id="258" r:id="rId6"/>
-    <p:sldId id="259" r:id="rId7"/>
-    <p:sldId id="260" r:id="rId8"/>
+    <p:sldId id="257" r:id="rId2"/>
+    <p:sldId id="323" r:id="rId3"/>
+    <p:sldId id="384" r:id="rId4"/>
+    <p:sldId id="385" r:id="rId5"/>
+    <p:sldId id="383" r:id="rId6"/>
+    <p:sldId id="386" r:id="rId7"/>
+    <p:sldId id="387" r:id="rId8"/>
+    <p:sldId id="263" r:id="rId9"/>
   </p:sldIdLst>
-  <p:sldSz cx="12192000" cy="6858000"/>
+  <p:sldSz cx="9144000" cy="6858000" type="screen4x3"/>
   <p:notesSz cx="6858000" cy="9144000"/>
   <p:defaultTextStyle>
     <a:defPPr>
       <a:defRPr lang="en-US"/>
     </a:defPPr>
-    <a:lvl1pPr marL="0" algn="l" defTabSz="914400" rtl="0" eaLnBrk="1" latinLnBrk="0" hangingPunct="1">
+    <a:lvl1pPr marL="0" algn="l" defTabSz="457200" rtl="0" eaLnBrk="1" latinLnBrk="0" hangingPunct="1">
       <a:defRPr sz="1800" kern="1200">
         <a:solidFill>
           <a:schemeClr val="tx1"/>
@@ -29,7 +33,7 @@
         <a:cs typeface="+mn-cs"/>
       </a:defRPr>
     </a:lvl1pPr>
-    <a:lvl2pPr marL="457200" algn="l" defTabSz="914400" rtl="0" eaLnBrk="1" latinLnBrk="0" hangingPunct="1">
+    <a:lvl2pPr marL="457200" algn="l" defTabSz="457200" rtl="0" eaLnBrk="1" latinLnBrk="0" hangingPunct="1">
       <a:defRPr sz="1800" kern="1200">
         <a:solidFill>
           <a:schemeClr val="tx1"/>
@@ -39,7 +43,7 @@
         <a:cs typeface="+mn-cs"/>
       </a:defRPr>
     </a:lvl2pPr>
-    <a:lvl3pPr marL="914400" algn="l" defTabSz="914400" rtl="0" eaLnBrk="1" latinLnBrk="0" hangingPunct="1">
+    <a:lvl3pPr marL="914400" algn="l" defTabSz="457200" rtl="0" eaLnBrk="1" latinLnBrk="0" hangingPunct="1">
       <a:defRPr sz="1800" kern="1200">
         <a:solidFill>
           <a:schemeClr val="tx1"/>
@@ -49,7 +53,7 @@
         <a:cs typeface="+mn-cs"/>
       </a:defRPr>
     </a:lvl3pPr>
-    <a:lvl4pPr marL="1371600" algn="l" defTabSz="914400" rtl="0" eaLnBrk="1" latinLnBrk="0" hangingPunct="1">
+    <a:lvl4pPr marL="1371600" algn="l" defTabSz="457200" rtl="0" eaLnBrk="1" latinLnBrk="0" hangingPunct="1">
       <a:defRPr sz="1800" kern="1200">
         <a:solidFill>
           <a:schemeClr val="tx1"/>
@@ -59,7 +63,7 @@
         <a:cs typeface="+mn-cs"/>
       </a:defRPr>
     </a:lvl4pPr>
-    <a:lvl5pPr marL="1828800" algn="l" defTabSz="914400" rtl="0" eaLnBrk="1" latinLnBrk="0" hangingPunct="1">
+    <a:lvl5pPr marL="1828800" algn="l" defTabSz="457200" rtl="0" eaLnBrk="1" latinLnBrk="0" hangingPunct="1">
       <a:defRPr sz="1800" kern="1200">
         <a:solidFill>
           <a:schemeClr val="tx1"/>
@@ -69,7 +73,7 @@
         <a:cs typeface="+mn-cs"/>
       </a:defRPr>
     </a:lvl5pPr>
-    <a:lvl6pPr marL="2286000" algn="l" defTabSz="914400" rtl="0" eaLnBrk="1" latinLnBrk="0" hangingPunct="1">
+    <a:lvl6pPr marL="2286000" algn="l" defTabSz="457200" rtl="0" eaLnBrk="1" latinLnBrk="0" hangingPunct="1">
       <a:defRPr sz="1800" kern="1200">
         <a:solidFill>
           <a:schemeClr val="tx1"/>
@@ -79,7 +83,7 @@
         <a:cs typeface="+mn-cs"/>
       </a:defRPr>
     </a:lvl6pPr>
-    <a:lvl7pPr marL="2743200" algn="l" defTabSz="914400" rtl="0" eaLnBrk="1" latinLnBrk="0" hangingPunct="1">
+    <a:lvl7pPr marL="2743200" algn="l" defTabSz="457200" rtl="0" eaLnBrk="1" latinLnBrk="0" hangingPunct="1">
       <a:defRPr sz="1800" kern="1200">
         <a:solidFill>
           <a:schemeClr val="tx1"/>
@@ -89,7 +93,7 @@
         <a:cs typeface="+mn-cs"/>
       </a:defRPr>
     </a:lvl7pPr>
-    <a:lvl8pPr marL="3200400" algn="l" defTabSz="914400" rtl="0" eaLnBrk="1" latinLnBrk="0" hangingPunct="1">
+    <a:lvl8pPr marL="3200400" algn="l" defTabSz="457200" rtl="0" eaLnBrk="1" latinLnBrk="0" hangingPunct="1">
       <a:defRPr sz="1800" kern="1200">
         <a:solidFill>
           <a:schemeClr val="tx1"/>
@@ -99,7 +103,7 @@
         <a:cs typeface="+mn-cs"/>
       </a:defRPr>
     </a:lvl8pPr>
-    <a:lvl9pPr marL="3657600" algn="l" defTabSz="914400" rtl="0" eaLnBrk="1" latinLnBrk="0" hangingPunct="1">
+    <a:lvl9pPr marL="3657600" algn="l" defTabSz="457200" rtl="0" eaLnBrk="1" latinLnBrk="0" hangingPunct="1">
       <a:defRPr sz="1800" kern="1200">
         <a:solidFill>
           <a:schemeClr val="tx1"/>
@@ -110,7 +114,372 @@
       </a:defRPr>
     </a:lvl9pPr>
   </p:defaultTextStyle>
+  <p:extLst>
+    <p:ext uri="{EFAFB233-063F-42B5-8137-9DF3F51BA10A}">
+      <p15:sldGuideLst xmlns:p15="http://schemas.microsoft.com/office/powerpoint/2012/main">
+        <p15:guide id="1" orient="horz" pos="2160">
+          <p15:clr>
+            <a:srgbClr val="A4A3A4"/>
+          </p15:clr>
+        </p15:guide>
+        <p15:guide id="2" pos="2880">
+          <p15:clr>
+            <a:srgbClr val="A4A3A4"/>
+          </p15:clr>
+        </p15:guide>
+      </p15:sldGuideLst>
+    </p:ext>
+  </p:extLst>
 </p:presentation>
+</file>
+
+<file path=ppt/notesMasters/notesMaster1.xml><?xml version="1.0" encoding="utf-8"?>
+<p:notesMaster xmlns:a="http://schemas.openxmlformats.org/drawingml/2006/main" xmlns:r="http://schemas.openxmlformats.org/officeDocument/2006/relationships" xmlns:p="http://schemas.openxmlformats.org/presentationml/2006/main">
+  <p:cSld>
+    <p:bg>
+      <p:bgRef idx="1001">
+        <a:schemeClr val="bg1"/>
+      </p:bgRef>
+    </p:bg>
+    <p:spTree>
+      <p:nvGrpSpPr>
+        <p:cNvPr id="1" name=""/>
+        <p:cNvGrpSpPr/>
+        <p:nvPr/>
+      </p:nvGrpSpPr>
+      <p:grpSpPr>
+        <a:xfrm>
+          <a:off x="0" y="0"/>
+          <a:ext cx="0" cy="0"/>
+          <a:chOff x="0" y="0"/>
+          <a:chExt cx="0" cy="0"/>
+        </a:xfrm>
+      </p:grpSpPr>
+      <p:sp>
+        <p:nvSpPr>
+          <p:cNvPr id="2" name="Header Placeholder 1"/>
+          <p:cNvSpPr>
+            <a:spLocks noGrp="1"/>
+          </p:cNvSpPr>
+          <p:nvPr>
+            <p:ph type="hdr" sz="quarter"/>
+          </p:nvPr>
+        </p:nvSpPr>
+        <p:spPr>
+          <a:xfrm>
+            <a:off x="0" y="0"/>
+            <a:ext cx="2971800" cy="457200"/>
+          </a:xfrm>
+          <a:prstGeom prst="rect">
+            <a:avLst/>
+          </a:prstGeom>
+        </p:spPr>
+        <p:txBody>
+          <a:bodyPr vert="horz" lIns="91440" tIns="45720" rIns="91440" bIns="45720" rtlCol="0"/>
+          <a:lstStyle>
+            <a:lvl1pPr algn="l">
+              <a:defRPr sz="1200"/>
+            </a:lvl1pPr>
+          </a:lstStyle>
+          <a:p>
+            <a:endParaRPr lang="en-US"/>
+          </a:p>
+        </p:txBody>
+      </p:sp>
+      <p:sp>
+        <p:nvSpPr>
+          <p:cNvPr id="3" name="Date Placeholder 2"/>
+          <p:cNvSpPr>
+            <a:spLocks noGrp="1"/>
+          </p:cNvSpPr>
+          <p:nvPr>
+            <p:ph type="dt" idx="1"/>
+          </p:nvPr>
+        </p:nvSpPr>
+        <p:spPr>
+          <a:xfrm>
+            <a:off x="3884613" y="0"/>
+            <a:ext cx="2971800" cy="457200"/>
+          </a:xfrm>
+          <a:prstGeom prst="rect">
+            <a:avLst/>
+          </a:prstGeom>
+        </p:spPr>
+        <p:txBody>
+          <a:bodyPr vert="horz" lIns="91440" tIns="45720" rIns="91440" bIns="45720" rtlCol="0"/>
+          <a:lstStyle>
+            <a:lvl1pPr algn="r">
+              <a:defRPr sz="1200"/>
+            </a:lvl1pPr>
+          </a:lstStyle>
+          <a:p>
+            <a:fld id="{DCD45647-0DC1-3245-9BBB-58938104758A}" type="datetimeFigureOut">
+              <a:rPr lang="en-US" smtClean="0"/>
+              <a:t>10/29/19</a:t>
+            </a:fld>
+            <a:endParaRPr lang="en-US"/>
+          </a:p>
+        </p:txBody>
+      </p:sp>
+      <p:sp>
+        <p:nvSpPr>
+          <p:cNvPr id="4" name="Slide Image Placeholder 3"/>
+          <p:cNvSpPr>
+            <a:spLocks noGrp="1" noRot="1" noChangeAspect="1"/>
+          </p:cNvSpPr>
+          <p:nvPr>
+            <p:ph type="sldImg" idx="2"/>
+          </p:nvPr>
+        </p:nvSpPr>
+        <p:spPr>
+          <a:xfrm>
+            <a:off x="1143000" y="685800"/>
+            <a:ext cx="4572000" cy="3429000"/>
+          </a:xfrm>
+          <a:prstGeom prst="rect">
+            <a:avLst/>
+          </a:prstGeom>
+          <a:noFill/>
+          <a:ln w="12700">
+            <a:solidFill>
+              <a:prstClr val="black"/>
+            </a:solidFill>
+          </a:ln>
+        </p:spPr>
+        <p:txBody>
+          <a:bodyPr vert="horz" lIns="91440" tIns="45720" rIns="91440" bIns="45720" rtlCol="0" anchor="ctr"/>
+          <a:lstStyle/>
+          <a:p>
+            <a:endParaRPr lang="en-US"/>
+          </a:p>
+        </p:txBody>
+      </p:sp>
+      <p:sp>
+        <p:nvSpPr>
+          <p:cNvPr id="5" name="Notes Placeholder 4"/>
+          <p:cNvSpPr>
+            <a:spLocks noGrp="1"/>
+          </p:cNvSpPr>
+          <p:nvPr>
+            <p:ph type="body" sz="quarter" idx="3"/>
+          </p:nvPr>
+        </p:nvSpPr>
+        <p:spPr>
+          <a:xfrm>
+            <a:off x="685800" y="4343400"/>
+            <a:ext cx="5486400" cy="4114800"/>
+          </a:xfrm>
+          <a:prstGeom prst="rect">
+            <a:avLst/>
+          </a:prstGeom>
+        </p:spPr>
+        <p:txBody>
+          <a:bodyPr vert="horz" lIns="91440" tIns="45720" rIns="91440" bIns="45720" rtlCol="0"/>
+          <a:lstStyle/>
+          <a:p>
+            <a:pPr lvl="0"/>
+            <a:r>
+              <a:rPr lang="en-US"/>
+              <a:t>Click to edit Master text styles</a:t>
+            </a:r>
+          </a:p>
+          <a:p>
+            <a:pPr lvl="1"/>
+            <a:r>
+              <a:rPr lang="en-US"/>
+              <a:t>Second level</a:t>
+            </a:r>
+          </a:p>
+          <a:p>
+            <a:pPr lvl="2"/>
+            <a:r>
+              <a:rPr lang="en-US"/>
+              <a:t>Third level</a:t>
+            </a:r>
+          </a:p>
+          <a:p>
+            <a:pPr lvl="3"/>
+            <a:r>
+              <a:rPr lang="en-US"/>
+              <a:t>Fourth level</a:t>
+            </a:r>
+          </a:p>
+          <a:p>
+            <a:pPr lvl="4"/>
+            <a:r>
+              <a:rPr lang="en-US"/>
+              <a:t>Fifth level</a:t>
+            </a:r>
+          </a:p>
+        </p:txBody>
+      </p:sp>
+      <p:sp>
+        <p:nvSpPr>
+          <p:cNvPr id="6" name="Footer Placeholder 5"/>
+          <p:cNvSpPr>
+            <a:spLocks noGrp="1"/>
+          </p:cNvSpPr>
+          <p:nvPr>
+            <p:ph type="ftr" sz="quarter" idx="4"/>
+          </p:nvPr>
+        </p:nvSpPr>
+        <p:spPr>
+          <a:xfrm>
+            <a:off x="0" y="8685213"/>
+            <a:ext cx="2971800" cy="457200"/>
+          </a:xfrm>
+          <a:prstGeom prst="rect">
+            <a:avLst/>
+          </a:prstGeom>
+        </p:spPr>
+        <p:txBody>
+          <a:bodyPr vert="horz" lIns="91440" tIns="45720" rIns="91440" bIns="45720" rtlCol="0" anchor="b"/>
+          <a:lstStyle>
+            <a:lvl1pPr algn="l">
+              <a:defRPr sz="1200"/>
+            </a:lvl1pPr>
+          </a:lstStyle>
+          <a:p>
+            <a:endParaRPr lang="en-US"/>
+          </a:p>
+        </p:txBody>
+      </p:sp>
+      <p:sp>
+        <p:nvSpPr>
+          <p:cNvPr id="7" name="Slide Number Placeholder 6"/>
+          <p:cNvSpPr>
+            <a:spLocks noGrp="1"/>
+          </p:cNvSpPr>
+          <p:nvPr>
+            <p:ph type="sldNum" sz="quarter" idx="5"/>
+          </p:nvPr>
+        </p:nvSpPr>
+        <p:spPr>
+          <a:xfrm>
+            <a:off x="3884613" y="8685213"/>
+            <a:ext cx="2971800" cy="457200"/>
+          </a:xfrm>
+          <a:prstGeom prst="rect">
+            <a:avLst/>
+          </a:prstGeom>
+        </p:spPr>
+        <p:txBody>
+          <a:bodyPr vert="horz" lIns="91440" tIns="45720" rIns="91440" bIns="45720" rtlCol="0" anchor="b"/>
+          <a:lstStyle>
+            <a:lvl1pPr algn="r">
+              <a:defRPr sz="1200"/>
+            </a:lvl1pPr>
+          </a:lstStyle>
+          <a:p>
+            <a:fld id="{87200534-57F2-4641-9557-F38E84B82076}" type="slidenum">
+              <a:rPr lang="en-US" smtClean="0"/>
+              <a:t>‹#›</a:t>
+            </a:fld>
+            <a:endParaRPr lang="en-US"/>
+          </a:p>
+        </p:txBody>
+      </p:sp>
+    </p:spTree>
+    <p:extLst>
+      <p:ext uri="{BB962C8B-B14F-4D97-AF65-F5344CB8AC3E}">
+        <p14:creationId xmlns:p14="http://schemas.microsoft.com/office/powerpoint/2010/main" val="2814033772"/>
+      </p:ext>
+    </p:extLst>
+  </p:cSld>
+  <p:clrMap bg1="lt1" tx1="dk1" bg2="lt2" tx2="dk2" accent1="accent1" accent2="accent2" accent3="accent3" accent4="accent4" accent5="accent5" accent6="accent6" hlink="hlink" folHlink="folHlink"/>
+  <p:notesStyle>
+    <a:lvl1pPr marL="0" algn="l" defTabSz="457200" rtl="0" eaLnBrk="1" latinLnBrk="0" hangingPunct="1">
+      <a:defRPr sz="1200" kern="1200">
+        <a:solidFill>
+          <a:schemeClr val="tx1"/>
+        </a:solidFill>
+        <a:latin typeface="+mn-lt"/>
+        <a:ea typeface="+mn-ea"/>
+        <a:cs typeface="+mn-cs"/>
+      </a:defRPr>
+    </a:lvl1pPr>
+    <a:lvl2pPr marL="457200" algn="l" defTabSz="457200" rtl="0" eaLnBrk="1" latinLnBrk="0" hangingPunct="1">
+      <a:defRPr sz="1200" kern="1200">
+        <a:solidFill>
+          <a:schemeClr val="tx1"/>
+        </a:solidFill>
+        <a:latin typeface="+mn-lt"/>
+        <a:ea typeface="+mn-ea"/>
+        <a:cs typeface="+mn-cs"/>
+      </a:defRPr>
+    </a:lvl2pPr>
+    <a:lvl3pPr marL="914400" algn="l" defTabSz="457200" rtl="0" eaLnBrk="1" latinLnBrk="0" hangingPunct="1">
+      <a:defRPr sz="1200" kern="1200">
+        <a:solidFill>
+          <a:schemeClr val="tx1"/>
+        </a:solidFill>
+        <a:latin typeface="+mn-lt"/>
+        <a:ea typeface="+mn-ea"/>
+        <a:cs typeface="+mn-cs"/>
+      </a:defRPr>
+    </a:lvl3pPr>
+    <a:lvl4pPr marL="1371600" algn="l" defTabSz="457200" rtl="0" eaLnBrk="1" latinLnBrk="0" hangingPunct="1">
+      <a:defRPr sz="1200" kern="1200">
+        <a:solidFill>
+          <a:schemeClr val="tx1"/>
+        </a:solidFill>
+        <a:latin typeface="+mn-lt"/>
+        <a:ea typeface="+mn-ea"/>
+        <a:cs typeface="+mn-cs"/>
+      </a:defRPr>
+    </a:lvl4pPr>
+    <a:lvl5pPr marL="1828800" algn="l" defTabSz="457200" rtl="0" eaLnBrk="1" latinLnBrk="0" hangingPunct="1">
+      <a:defRPr sz="1200" kern="1200">
+        <a:solidFill>
+          <a:schemeClr val="tx1"/>
+        </a:solidFill>
+        <a:latin typeface="+mn-lt"/>
+        <a:ea typeface="+mn-ea"/>
+        <a:cs typeface="+mn-cs"/>
+      </a:defRPr>
+    </a:lvl5pPr>
+    <a:lvl6pPr marL="2286000" algn="l" defTabSz="457200" rtl="0" eaLnBrk="1" latinLnBrk="0" hangingPunct="1">
+      <a:defRPr sz="1200" kern="1200">
+        <a:solidFill>
+          <a:schemeClr val="tx1"/>
+        </a:solidFill>
+        <a:latin typeface="+mn-lt"/>
+        <a:ea typeface="+mn-ea"/>
+        <a:cs typeface="+mn-cs"/>
+      </a:defRPr>
+    </a:lvl6pPr>
+    <a:lvl7pPr marL="2743200" algn="l" defTabSz="457200" rtl="0" eaLnBrk="1" latinLnBrk="0" hangingPunct="1">
+      <a:defRPr sz="1200" kern="1200">
+        <a:solidFill>
+          <a:schemeClr val="tx1"/>
+        </a:solidFill>
+        <a:latin typeface="+mn-lt"/>
+        <a:ea typeface="+mn-ea"/>
+        <a:cs typeface="+mn-cs"/>
+      </a:defRPr>
+    </a:lvl7pPr>
+    <a:lvl8pPr marL="3200400" algn="l" defTabSz="457200" rtl="0" eaLnBrk="1" latinLnBrk="0" hangingPunct="1">
+      <a:defRPr sz="1200" kern="1200">
+        <a:solidFill>
+          <a:schemeClr val="tx1"/>
+        </a:solidFill>
+        <a:latin typeface="+mn-lt"/>
+        <a:ea typeface="+mn-ea"/>
+        <a:cs typeface="+mn-cs"/>
+      </a:defRPr>
+    </a:lvl8pPr>
+    <a:lvl9pPr marL="3657600" algn="l" defTabSz="457200" rtl="0" eaLnBrk="1" latinLnBrk="0" hangingPunct="1">
+      <a:defRPr sz="1200" kern="1200">
+        <a:solidFill>
+          <a:schemeClr val="tx1"/>
+        </a:solidFill>
+        <a:latin typeface="+mn-lt"/>
+        <a:ea typeface="+mn-ea"/>
+        <a:cs typeface="+mn-cs"/>
+      </a:defRPr>
+    </a:lvl9pPr>
+  </p:notesStyle>
+</p:notesMaster>
 </file>
 
 <file path=ppt/slideLayouts/slideLayout1.xml><?xml version="1.0" encoding="utf-8"?>
@@ -132,13 +501,7 @@
       </p:grpSpPr>
       <p:sp>
         <p:nvSpPr>
-          <p:cNvPr id="2" name="Title 1">
-            <a:extLst>
-              <a:ext uri="{FF2B5EF4-FFF2-40B4-BE49-F238E27FC236}">
-                <a16:creationId xmlns:a16="http://schemas.microsoft.com/office/drawing/2014/main" id="{B6F8B80A-22CD-2744-8C18-D6842E7B874F}"/>
-              </a:ext>
-            </a:extLst>
-          </p:cNvPr>
+          <p:cNvPr id="2" name="Title 1"/>
           <p:cNvSpPr>
             <a:spLocks noGrp="1"/>
           </p:cNvSpPr>
@@ -148,17 +511,13 @@
         </p:nvSpPr>
         <p:spPr>
           <a:xfrm>
-            <a:off x="1524000" y="1122363"/>
-            <a:ext cx="9144000" cy="2387600"/>
+            <a:off x="685800" y="2130425"/>
+            <a:ext cx="7772400" cy="1470025"/>
           </a:xfrm>
         </p:spPr>
         <p:txBody>
-          <a:bodyPr anchor="b"/>
-          <a:lstStyle>
-            <a:lvl1pPr algn="ctr">
-              <a:defRPr sz="6000"/>
-            </a:lvl1pPr>
-          </a:lstStyle>
+          <a:bodyPr/>
+          <a:lstStyle/>
           <a:p>
             <a:r>
               <a:rPr lang="en-US"/>
@@ -169,13 +528,7 @@
       </p:sp>
       <p:sp>
         <p:nvSpPr>
-          <p:cNvPr id="3" name="Subtitle 2">
-            <a:extLst>
-              <a:ext uri="{FF2B5EF4-FFF2-40B4-BE49-F238E27FC236}">
-                <a16:creationId xmlns:a16="http://schemas.microsoft.com/office/drawing/2014/main" id="{8E8253C8-156F-054E-8419-2BC4E271568B}"/>
-              </a:ext>
-            </a:extLst>
-          </p:cNvPr>
+          <p:cNvPr id="3" name="Subtitle 2"/>
           <p:cNvSpPr>
             <a:spLocks noGrp="1"/>
           </p:cNvSpPr>
@@ -185,8 +538,8 @@
         </p:nvSpPr>
         <p:spPr>
           <a:xfrm>
-            <a:off x="1524000" y="3602038"/>
-            <a:ext cx="9144000" cy="1655762"/>
+            <a:off x="1371600" y="3886200"/>
+            <a:ext cx="6400800" cy="1752600"/>
           </a:xfrm>
         </p:spPr>
         <p:txBody>
@@ -194,39 +547,93 @@
           <a:lstStyle>
             <a:lvl1pPr marL="0" indent="0" algn="ctr">
               <a:buNone/>
-              <a:defRPr sz="2400"/>
+              <a:defRPr>
+                <a:solidFill>
+                  <a:schemeClr val="tx1">
+                    <a:tint val="75000"/>
+                  </a:schemeClr>
+                </a:solidFill>
+              </a:defRPr>
             </a:lvl1pPr>
             <a:lvl2pPr marL="457200" indent="0" algn="ctr">
               <a:buNone/>
-              <a:defRPr sz="2000"/>
+              <a:defRPr>
+                <a:solidFill>
+                  <a:schemeClr val="tx1">
+                    <a:tint val="75000"/>
+                  </a:schemeClr>
+                </a:solidFill>
+              </a:defRPr>
             </a:lvl2pPr>
             <a:lvl3pPr marL="914400" indent="0" algn="ctr">
               <a:buNone/>
-              <a:defRPr sz="1800"/>
+              <a:defRPr>
+                <a:solidFill>
+                  <a:schemeClr val="tx1">
+                    <a:tint val="75000"/>
+                  </a:schemeClr>
+                </a:solidFill>
+              </a:defRPr>
             </a:lvl3pPr>
             <a:lvl4pPr marL="1371600" indent="0" algn="ctr">
               <a:buNone/>
-              <a:defRPr sz="1600"/>
+              <a:defRPr>
+                <a:solidFill>
+                  <a:schemeClr val="tx1">
+                    <a:tint val="75000"/>
+                  </a:schemeClr>
+                </a:solidFill>
+              </a:defRPr>
             </a:lvl4pPr>
             <a:lvl5pPr marL="1828800" indent="0" algn="ctr">
               <a:buNone/>
-              <a:defRPr sz="1600"/>
+              <a:defRPr>
+                <a:solidFill>
+                  <a:schemeClr val="tx1">
+                    <a:tint val="75000"/>
+                  </a:schemeClr>
+                </a:solidFill>
+              </a:defRPr>
             </a:lvl5pPr>
             <a:lvl6pPr marL="2286000" indent="0" algn="ctr">
               <a:buNone/>
-              <a:defRPr sz="1600"/>
+              <a:defRPr>
+                <a:solidFill>
+                  <a:schemeClr val="tx1">
+                    <a:tint val="75000"/>
+                  </a:schemeClr>
+                </a:solidFill>
+              </a:defRPr>
             </a:lvl6pPr>
             <a:lvl7pPr marL="2743200" indent="0" algn="ctr">
               <a:buNone/>
-              <a:defRPr sz="1600"/>
+              <a:defRPr>
+                <a:solidFill>
+                  <a:schemeClr val="tx1">
+                    <a:tint val="75000"/>
+                  </a:schemeClr>
+                </a:solidFill>
+              </a:defRPr>
             </a:lvl7pPr>
             <a:lvl8pPr marL="3200400" indent="0" algn="ctr">
               <a:buNone/>
-              <a:defRPr sz="1600"/>
+              <a:defRPr>
+                <a:solidFill>
+                  <a:schemeClr val="tx1">
+                    <a:tint val="75000"/>
+                  </a:schemeClr>
+                </a:solidFill>
+              </a:defRPr>
             </a:lvl8pPr>
             <a:lvl9pPr marL="3657600" indent="0" algn="ctr">
               <a:buNone/>
-              <a:defRPr sz="1600"/>
+              <a:defRPr>
+                <a:solidFill>
+                  <a:schemeClr val="tx1">
+                    <a:tint val="75000"/>
+                  </a:schemeClr>
+                </a:solidFill>
+              </a:defRPr>
             </a:lvl9pPr>
           </a:lstStyle>
           <a:p>
@@ -239,13 +646,7 @@
       </p:sp>
       <p:sp>
         <p:nvSpPr>
-          <p:cNvPr id="4" name="Date Placeholder 3">
-            <a:extLst>
-              <a:ext uri="{FF2B5EF4-FFF2-40B4-BE49-F238E27FC236}">
-                <a16:creationId xmlns:a16="http://schemas.microsoft.com/office/drawing/2014/main" id="{6997F1EE-AAD7-2449-A067-7EBE9FFDE99A}"/>
-              </a:ext>
-            </a:extLst>
-          </p:cNvPr>
+          <p:cNvPr id="4" name="Date Placeholder 3"/>
           <p:cNvSpPr>
             <a:spLocks noGrp="1"/>
           </p:cNvSpPr>
@@ -258,7 +659,7 @@
           <a:bodyPr/>
           <a:lstStyle/>
           <a:p>
-            <a:fld id="{495F56DA-F8C5-B146-BF84-62C5B9E1EEC1}" type="datetimeFigureOut">
+            <a:fld id="{221F168A-3B71-2E47-9461-8E8EEA77D02C}" type="datetimeFigureOut">
               <a:rPr lang="en-US" smtClean="0"/>
               <a:t>10/29/19</a:t>
             </a:fld>
@@ -268,13 +669,7 @@
       </p:sp>
       <p:sp>
         <p:nvSpPr>
-          <p:cNvPr id="5" name="Footer Placeholder 4">
-            <a:extLst>
-              <a:ext uri="{FF2B5EF4-FFF2-40B4-BE49-F238E27FC236}">
-                <a16:creationId xmlns:a16="http://schemas.microsoft.com/office/drawing/2014/main" id="{6EF4755B-F871-4241-BD27-789D4C20E4DB}"/>
-              </a:ext>
-            </a:extLst>
-          </p:cNvPr>
+          <p:cNvPr id="5" name="Footer Placeholder 4"/>
           <p:cNvSpPr>
             <a:spLocks noGrp="1"/>
           </p:cNvSpPr>
@@ -293,13 +688,7 @@
       </p:sp>
       <p:sp>
         <p:nvSpPr>
-          <p:cNvPr id="6" name="Slide Number Placeholder 5">
-            <a:extLst>
-              <a:ext uri="{FF2B5EF4-FFF2-40B4-BE49-F238E27FC236}">
-                <a16:creationId xmlns:a16="http://schemas.microsoft.com/office/drawing/2014/main" id="{A1E2B739-7F8D-BE43-8A74-35FB94E389B8}"/>
-              </a:ext>
-            </a:extLst>
-          </p:cNvPr>
+          <p:cNvPr id="6" name="Slide Number Placeholder 5"/>
           <p:cNvSpPr>
             <a:spLocks noGrp="1"/>
           </p:cNvSpPr>
@@ -312,7 +701,7 @@
           <a:bodyPr/>
           <a:lstStyle/>
           <a:p>
-            <a:fld id="{372F2227-CCC7-2E45-8BDC-3440C5144571}" type="slidenum">
+            <a:fld id="{304C6998-651A-4B4B-9CF8-928EFCEEC14A}" type="slidenum">
               <a:rPr lang="en-US" smtClean="0"/>
               <a:t>‹#›</a:t>
             </a:fld>
@@ -323,7 +712,7 @@
     </p:spTree>
     <p:extLst>
       <p:ext uri="{BB962C8B-B14F-4D97-AF65-F5344CB8AC3E}">
-        <p14:creationId xmlns:p14="http://schemas.microsoft.com/office/powerpoint/2010/main" val="1865697895"/>
+        <p14:creationId xmlns:p14="http://schemas.microsoft.com/office/powerpoint/2010/main" val="2617577027"/>
       </p:ext>
     </p:extLst>
   </p:cSld>
@@ -352,13 +741,7 @@
       </p:grpSpPr>
       <p:sp>
         <p:nvSpPr>
-          <p:cNvPr id="2" name="Title 1">
-            <a:extLst>
-              <a:ext uri="{FF2B5EF4-FFF2-40B4-BE49-F238E27FC236}">
-                <a16:creationId xmlns:a16="http://schemas.microsoft.com/office/drawing/2014/main" id="{093350B5-6DE8-1E49-A541-1FF03F6B60AF}"/>
-              </a:ext>
-            </a:extLst>
-          </p:cNvPr>
+          <p:cNvPr id="2" name="Title 1"/>
           <p:cNvSpPr>
             <a:spLocks noGrp="1"/>
           </p:cNvSpPr>
@@ -380,13 +763,7 @@
       </p:sp>
       <p:sp>
         <p:nvSpPr>
-          <p:cNvPr id="3" name="Vertical Text Placeholder 2">
-            <a:extLst>
-              <a:ext uri="{FF2B5EF4-FFF2-40B4-BE49-F238E27FC236}">
-                <a16:creationId xmlns:a16="http://schemas.microsoft.com/office/drawing/2014/main" id="{C6163938-EEA0-914F-A170-7D6842FB6D35}"/>
-              </a:ext>
-            </a:extLst>
-          </p:cNvPr>
+          <p:cNvPr id="3" name="Vertical Text Placeholder 2"/>
           <p:cNvSpPr>
             <a:spLocks noGrp="1"/>
           </p:cNvSpPr>
@@ -402,7 +779,7 @@
             <a:pPr lvl="0"/>
             <a:r>
               <a:rPr lang="en-US"/>
-              <a:t>Edit Master text styles</a:t>
+              <a:t>Click to edit Master text styles</a:t>
             </a:r>
           </a:p>
           <a:p>
@@ -437,13 +814,7 @@
       </p:sp>
       <p:sp>
         <p:nvSpPr>
-          <p:cNvPr id="4" name="Date Placeholder 3">
-            <a:extLst>
-              <a:ext uri="{FF2B5EF4-FFF2-40B4-BE49-F238E27FC236}">
-                <a16:creationId xmlns:a16="http://schemas.microsoft.com/office/drawing/2014/main" id="{3CC2DADC-8E11-F945-A137-26E54190EEBA}"/>
-              </a:ext>
-            </a:extLst>
-          </p:cNvPr>
+          <p:cNvPr id="4" name="Date Placeholder 3"/>
           <p:cNvSpPr>
             <a:spLocks noGrp="1"/>
           </p:cNvSpPr>
@@ -456,7 +827,7 @@
           <a:bodyPr/>
           <a:lstStyle/>
           <a:p>
-            <a:fld id="{495F56DA-F8C5-B146-BF84-62C5B9E1EEC1}" type="datetimeFigureOut">
+            <a:fld id="{221F168A-3B71-2E47-9461-8E8EEA77D02C}" type="datetimeFigureOut">
               <a:rPr lang="en-US" smtClean="0"/>
               <a:t>10/29/19</a:t>
             </a:fld>
@@ -466,13 +837,7 @@
       </p:sp>
       <p:sp>
         <p:nvSpPr>
-          <p:cNvPr id="5" name="Footer Placeholder 4">
-            <a:extLst>
-              <a:ext uri="{FF2B5EF4-FFF2-40B4-BE49-F238E27FC236}">
-                <a16:creationId xmlns:a16="http://schemas.microsoft.com/office/drawing/2014/main" id="{A48A9C64-F6A5-A142-BE2A-084077D5A18C}"/>
-              </a:ext>
-            </a:extLst>
-          </p:cNvPr>
+          <p:cNvPr id="5" name="Footer Placeholder 4"/>
           <p:cNvSpPr>
             <a:spLocks noGrp="1"/>
           </p:cNvSpPr>
@@ -491,13 +856,7 @@
       </p:sp>
       <p:sp>
         <p:nvSpPr>
-          <p:cNvPr id="6" name="Slide Number Placeholder 5">
-            <a:extLst>
-              <a:ext uri="{FF2B5EF4-FFF2-40B4-BE49-F238E27FC236}">
-                <a16:creationId xmlns:a16="http://schemas.microsoft.com/office/drawing/2014/main" id="{A173AEFB-2F08-4E42-AE65-86D5CE4C64D9}"/>
-              </a:ext>
-            </a:extLst>
-          </p:cNvPr>
+          <p:cNvPr id="6" name="Slide Number Placeholder 5"/>
           <p:cNvSpPr>
             <a:spLocks noGrp="1"/>
           </p:cNvSpPr>
@@ -510,7 +869,7 @@
           <a:bodyPr/>
           <a:lstStyle/>
           <a:p>
-            <a:fld id="{372F2227-CCC7-2E45-8BDC-3440C5144571}" type="slidenum">
+            <a:fld id="{304C6998-651A-4B4B-9CF8-928EFCEEC14A}" type="slidenum">
               <a:rPr lang="en-US" smtClean="0"/>
               <a:t>‹#›</a:t>
             </a:fld>
@@ -521,7 +880,7 @@
     </p:spTree>
     <p:extLst>
       <p:ext uri="{BB962C8B-B14F-4D97-AF65-F5344CB8AC3E}">
-        <p14:creationId xmlns:p14="http://schemas.microsoft.com/office/powerpoint/2010/main" val="3616693051"/>
+        <p14:creationId xmlns:p14="http://schemas.microsoft.com/office/powerpoint/2010/main" val="2378810265"/>
       </p:ext>
     </p:extLst>
   </p:cSld>
@@ -550,13 +909,7 @@
       </p:grpSpPr>
       <p:sp>
         <p:nvSpPr>
-          <p:cNvPr id="2" name="Vertical Title 1">
-            <a:extLst>
-              <a:ext uri="{FF2B5EF4-FFF2-40B4-BE49-F238E27FC236}">
-                <a16:creationId xmlns:a16="http://schemas.microsoft.com/office/drawing/2014/main" id="{DAA213EB-7C9E-034D-B57D-E074DA3D670D}"/>
-              </a:ext>
-            </a:extLst>
-          </p:cNvPr>
+          <p:cNvPr id="2" name="Vertical Title 1"/>
           <p:cNvSpPr>
             <a:spLocks noGrp="1"/>
           </p:cNvSpPr>
@@ -566,8 +919,8 @@
         </p:nvSpPr>
         <p:spPr>
           <a:xfrm>
-            <a:off x="8724900" y="365125"/>
-            <a:ext cx="2628900" cy="5811838"/>
+            <a:off x="6629400" y="274638"/>
+            <a:ext cx="2057400" cy="5851525"/>
           </a:xfrm>
         </p:spPr>
         <p:txBody>
@@ -583,13 +936,7 @@
       </p:sp>
       <p:sp>
         <p:nvSpPr>
-          <p:cNvPr id="3" name="Vertical Text Placeholder 2">
-            <a:extLst>
-              <a:ext uri="{FF2B5EF4-FFF2-40B4-BE49-F238E27FC236}">
-                <a16:creationId xmlns:a16="http://schemas.microsoft.com/office/drawing/2014/main" id="{1F46985E-C17C-DE48-83F5-91A0CC518378}"/>
-              </a:ext>
-            </a:extLst>
-          </p:cNvPr>
+          <p:cNvPr id="3" name="Vertical Text Placeholder 2"/>
           <p:cNvSpPr>
             <a:spLocks noGrp="1"/>
           </p:cNvSpPr>
@@ -599,8 +946,8 @@
         </p:nvSpPr>
         <p:spPr>
           <a:xfrm>
-            <a:off x="838200" y="365125"/>
-            <a:ext cx="7734300" cy="5811838"/>
+            <a:off x="457200" y="274638"/>
+            <a:ext cx="6019800" cy="5851525"/>
           </a:xfrm>
         </p:spPr>
         <p:txBody>
@@ -610,7 +957,7 @@
             <a:pPr lvl="0"/>
             <a:r>
               <a:rPr lang="en-US"/>
-              <a:t>Edit Master text styles</a:t>
+              <a:t>Click to edit Master text styles</a:t>
             </a:r>
           </a:p>
           <a:p>
@@ -645,13 +992,7 @@
       </p:sp>
       <p:sp>
         <p:nvSpPr>
-          <p:cNvPr id="4" name="Date Placeholder 3">
-            <a:extLst>
-              <a:ext uri="{FF2B5EF4-FFF2-40B4-BE49-F238E27FC236}">
-                <a16:creationId xmlns:a16="http://schemas.microsoft.com/office/drawing/2014/main" id="{B240EE40-996D-814D-A822-56A6636B3B14}"/>
-              </a:ext>
-            </a:extLst>
-          </p:cNvPr>
+          <p:cNvPr id="4" name="Date Placeholder 3"/>
           <p:cNvSpPr>
             <a:spLocks noGrp="1"/>
           </p:cNvSpPr>
@@ -664,7 +1005,7 @@
           <a:bodyPr/>
           <a:lstStyle/>
           <a:p>
-            <a:fld id="{495F56DA-F8C5-B146-BF84-62C5B9E1EEC1}" type="datetimeFigureOut">
+            <a:fld id="{221F168A-3B71-2E47-9461-8E8EEA77D02C}" type="datetimeFigureOut">
               <a:rPr lang="en-US" smtClean="0"/>
               <a:t>10/29/19</a:t>
             </a:fld>
@@ -674,13 +1015,7 @@
       </p:sp>
       <p:sp>
         <p:nvSpPr>
-          <p:cNvPr id="5" name="Footer Placeholder 4">
-            <a:extLst>
-              <a:ext uri="{FF2B5EF4-FFF2-40B4-BE49-F238E27FC236}">
-                <a16:creationId xmlns:a16="http://schemas.microsoft.com/office/drawing/2014/main" id="{8CE47F27-DF09-DE4D-BB5C-EA60901E65E3}"/>
-              </a:ext>
-            </a:extLst>
-          </p:cNvPr>
+          <p:cNvPr id="5" name="Footer Placeholder 4"/>
           <p:cNvSpPr>
             <a:spLocks noGrp="1"/>
           </p:cNvSpPr>
@@ -699,13 +1034,7 @@
       </p:sp>
       <p:sp>
         <p:nvSpPr>
-          <p:cNvPr id="6" name="Slide Number Placeholder 5">
-            <a:extLst>
-              <a:ext uri="{FF2B5EF4-FFF2-40B4-BE49-F238E27FC236}">
-                <a16:creationId xmlns:a16="http://schemas.microsoft.com/office/drawing/2014/main" id="{9BA141B2-495E-2B45-8CB6-D6CF0CEC6771}"/>
-              </a:ext>
-            </a:extLst>
-          </p:cNvPr>
+          <p:cNvPr id="6" name="Slide Number Placeholder 5"/>
           <p:cNvSpPr>
             <a:spLocks noGrp="1"/>
           </p:cNvSpPr>
@@ -718,7 +1047,7 @@
           <a:bodyPr/>
           <a:lstStyle/>
           <a:p>
-            <a:fld id="{372F2227-CCC7-2E45-8BDC-3440C5144571}" type="slidenum">
+            <a:fld id="{304C6998-651A-4B4B-9CF8-928EFCEEC14A}" type="slidenum">
               <a:rPr lang="en-US" smtClean="0"/>
               <a:t>‹#›</a:t>
             </a:fld>
@@ -729,7 +1058,7 @@
     </p:spTree>
     <p:extLst>
       <p:ext uri="{BB962C8B-B14F-4D97-AF65-F5344CB8AC3E}">
-        <p14:creationId xmlns:p14="http://schemas.microsoft.com/office/powerpoint/2010/main" val="2063537851"/>
+        <p14:creationId xmlns:p14="http://schemas.microsoft.com/office/powerpoint/2010/main" val="1626289091"/>
       </p:ext>
     </p:extLst>
   </p:cSld>
@@ -758,13 +1087,7 @@
       </p:grpSpPr>
       <p:sp>
         <p:nvSpPr>
-          <p:cNvPr id="2" name="Title 1">
-            <a:extLst>
-              <a:ext uri="{FF2B5EF4-FFF2-40B4-BE49-F238E27FC236}">
-                <a16:creationId xmlns:a16="http://schemas.microsoft.com/office/drawing/2014/main" id="{6D82A943-3246-BB41-BBAB-EC227F700001}"/>
-              </a:ext>
-            </a:extLst>
-          </p:cNvPr>
+          <p:cNvPr id="2" name="Title 1"/>
           <p:cNvSpPr>
             <a:spLocks noGrp="1"/>
           </p:cNvSpPr>
@@ -786,13 +1109,7 @@
       </p:sp>
       <p:sp>
         <p:nvSpPr>
-          <p:cNvPr id="3" name="Content Placeholder 2">
-            <a:extLst>
-              <a:ext uri="{FF2B5EF4-FFF2-40B4-BE49-F238E27FC236}">
-                <a16:creationId xmlns:a16="http://schemas.microsoft.com/office/drawing/2014/main" id="{4DBD61FD-F2E8-5D49-A04F-E91771876810}"/>
-              </a:ext>
-            </a:extLst>
-          </p:cNvPr>
+          <p:cNvPr id="3" name="Content Placeholder 2"/>
           <p:cNvSpPr>
             <a:spLocks noGrp="1"/>
           </p:cNvSpPr>
@@ -808,7 +1125,7 @@
             <a:pPr lvl="0"/>
             <a:r>
               <a:rPr lang="en-US"/>
-              <a:t>Edit Master text styles</a:t>
+              <a:t>Click to edit Master text styles</a:t>
             </a:r>
           </a:p>
           <a:p>
@@ -843,13 +1160,7 @@
       </p:sp>
       <p:sp>
         <p:nvSpPr>
-          <p:cNvPr id="4" name="Date Placeholder 3">
-            <a:extLst>
-              <a:ext uri="{FF2B5EF4-FFF2-40B4-BE49-F238E27FC236}">
-                <a16:creationId xmlns:a16="http://schemas.microsoft.com/office/drawing/2014/main" id="{AB2E58FB-68BC-2E42-BE83-3255FC00AE3C}"/>
-              </a:ext>
-            </a:extLst>
-          </p:cNvPr>
+          <p:cNvPr id="4" name="Date Placeholder 3"/>
           <p:cNvSpPr>
             <a:spLocks noGrp="1"/>
           </p:cNvSpPr>
@@ -862,7 +1173,7 @@
           <a:bodyPr/>
           <a:lstStyle/>
           <a:p>
-            <a:fld id="{495F56DA-F8C5-B146-BF84-62C5B9E1EEC1}" type="datetimeFigureOut">
+            <a:fld id="{221F168A-3B71-2E47-9461-8E8EEA77D02C}" type="datetimeFigureOut">
               <a:rPr lang="en-US" smtClean="0"/>
               <a:t>10/29/19</a:t>
             </a:fld>
@@ -872,13 +1183,7 @@
       </p:sp>
       <p:sp>
         <p:nvSpPr>
-          <p:cNvPr id="5" name="Footer Placeholder 4">
-            <a:extLst>
-              <a:ext uri="{FF2B5EF4-FFF2-40B4-BE49-F238E27FC236}">
-                <a16:creationId xmlns:a16="http://schemas.microsoft.com/office/drawing/2014/main" id="{218D8841-B8D6-8645-A53E-D827296BCAFE}"/>
-              </a:ext>
-            </a:extLst>
-          </p:cNvPr>
+          <p:cNvPr id="5" name="Footer Placeholder 4"/>
           <p:cNvSpPr>
             <a:spLocks noGrp="1"/>
           </p:cNvSpPr>
@@ -897,13 +1202,7 @@
       </p:sp>
       <p:sp>
         <p:nvSpPr>
-          <p:cNvPr id="6" name="Slide Number Placeholder 5">
-            <a:extLst>
-              <a:ext uri="{FF2B5EF4-FFF2-40B4-BE49-F238E27FC236}">
-                <a16:creationId xmlns:a16="http://schemas.microsoft.com/office/drawing/2014/main" id="{78DF98DE-5DD5-334F-A868-0C653C4278C2}"/>
-              </a:ext>
-            </a:extLst>
-          </p:cNvPr>
+          <p:cNvPr id="6" name="Slide Number Placeholder 5"/>
           <p:cNvSpPr>
             <a:spLocks noGrp="1"/>
           </p:cNvSpPr>
@@ -916,7 +1215,7 @@
           <a:bodyPr/>
           <a:lstStyle/>
           <a:p>
-            <a:fld id="{372F2227-CCC7-2E45-8BDC-3440C5144571}" type="slidenum">
+            <a:fld id="{304C6998-651A-4B4B-9CF8-928EFCEEC14A}" type="slidenum">
               <a:rPr lang="en-US" smtClean="0"/>
               <a:t>‹#›</a:t>
             </a:fld>
@@ -927,7 +1226,7 @@
     </p:spTree>
     <p:extLst>
       <p:ext uri="{BB962C8B-B14F-4D97-AF65-F5344CB8AC3E}">
-        <p14:creationId xmlns:p14="http://schemas.microsoft.com/office/powerpoint/2010/main" val="1279800448"/>
+        <p14:creationId xmlns:p14="http://schemas.microsoft.com/office/powerpoint/2010/main" val="258797777"/>
       </p:ext>
     </p:extLst>
   </p:cSld>
@@ -956,13 +1255,7 @@
       </p:grpSpPr>
       <p:sp>
         <p:nvSpPr>
-          <p:cNvPr id="2" name="Title 1">
-            <a:extLst>
-              <a:ext uri="{FF2B5EF4-FFF2-40B4-BE49-F238E27FC236}">
-                <a16:creationId xmlns:a16="http://schemas.microsoft.com/office/drawing/2014/main" id="{AE162A1C-92AD-D14F-BE83-559C0BD05EF2}"/>
-              </a:ext>
-            </a:extLst>
-          </p:cNvPr>
+          <p:cNvPr id="2" name="Title 1"/>
           <p:cNvSpPr>
             <a:spLocks noGrp="1"/>
           </p:cNvSpPr>
@@ -972,53 +1265,47 @@
         </p:nvSpPr>
         <p:spPr>
           <a:xfrm>
-            <a:off x="831850" y="1709738"/>
-            <a:ext cx="10515600" cy="2852737"/>
+            <a:off x="722313" y="4406900"/>
+            <a:ext cx="7772400" cy="1362075"/>
           </a:xfrm>
         </p:spPr>
         <p:txBody>
+          <a:bodyPr anchor="t"/>
+          <a:lstStyle>
+            <a:lvl1pPr algn="l">
+              <a:defRPr sz="4000" b="1" cap="all"/>
+            </a:lvl1pPr>
+          </a:lstStyle>
+          <a:p>
+            <a:r>
+              <a:rPr lang="en-US"/>
+              <a:t>Click to edit Master title style</a:t>
+            </a:r>
+          </a:p>
+        </p:txBody>
+      </p:sp>
+      <p:sp>
+        <p:nvSpPr>
+          <p:cNvPr id="3" name="Text Placeholder 2"/>
+          <p:cNvSpPr>
+            <a:spLocks noGrp="1"/>
+          </p:cNvSpPr>
+          <p:nvPr>
+            <p:ph type="body" idx="1"/>
+          </p:nvPr>
+        </p:nvSpPr>
+        <p:spPr>
+          <a:xfrm>
+            <a:off x="722313" y="2906713"/>
+            <a:ext cx="7772400" cy="1500187"/>
+          </a:xfrm>
+        </p:spPr>
+        <p:txBody>
           <a:bodyPr anchor="b"/>
           <a:lstStyle>
-            <a:lvl1pPr>
-              <a:defRPr sz="6000"/>
-            </a:lvl1pPr>
-          </a:lstStyle>
-          <a:p>
-            <a:r>
-              <a:rPr lang="en-US"/>
-              <a:t>Click to edit Master title style</a:t>
-            </a:r>
-          </a:p>
-        </p:txBody>
-      </p:sp>
-      <p:sp>
-        <p:nvSpPr>
-          <p:cNvPr id="3" name="Text Placeholder 2">
-            <a:extLst>
-              <a:ext uri="{FF2B5EF4-FFF2-40B4-BE49-F238E27FC236}">
-                <a16:creationId xmlns:a16="http://schemas.microsoft.com/office/drawing/2014/main" id="{31734680-075E-A447-B023-BCB91A4B0623}"/>
-              </a:ext>
-            </a:extLst>
-          </p:cNvPr>
-          <p:cNvSpPr>
-            <a:spLocks noGrp="1"/>
-          </p:cNvSpPr>
-          <p:nvPr>
-            <p:ph type="body" idx="1"/>
-          </p:nvPr>
-        </p:nvSpPr>
-        <p:spPr>
-          <a:xfrm>
-            <a:off x="831850" y="4589463"/>
-            <a:ext cx="10515600" cy="1500187"/>
-          </a:xfrm>
-        </p:spPr>
-        <p:txBody>
-          <a:bodyPr/>
-          <a:lstStyle>
             <a:lvl1pPr marL="0" indent="0">
               <a:buNone/>
-              <a:defRPr sz="2400">
+              <a:defRPr sz="2000">
                 <a:solidFill>
                   <a:schemeClr val="tx1">
                     <a:tint val="75000"/>
@@ -1028,7 +1315,7 @@
             </a:lvl1pPr>
             <a:lvl2pPr marL="457200" indent="0">
               <a:buNone/>
-              <a:defRPr sz="2000">
+              <a:defRPr sz="1800">
                 <a:solidFill>
                   <a:schemeClr val="tx1">
                     <a:tint val="75000"/>
@@ -1038,7 +1325,7 @@
             </a:lvl2pPr>
             <a:lvl3pPr marL="914400" indent="0">
               <a:buNone/>
-              <a:defRPr sz="1800">
+              <a:defRPr sz="1600">
                 <a:solidFill>
                   <a:schemeClr val="tx1">
                     <a:tint val="75000"/>
@@ -1048,7 +1335,7 @@
             </a:lvl3pPr>
             <a:lvl4pPr marL="1371600" indent="0">
               <a:buNone/>
-              <a:defRPr sz="1600">
+              <a:defRPr sz="1400">
                 <a:solidFill>
                   <a:schemeClr val="tx1">
                     <a:tint val="75000"/>
@@ -1058,7 +1345,7 @@
             </a:lvl4pPr>
             <a:lvl5pPr marL="1828800" indent="0">
               <a:buNone/>
-              <a:defRPr sz="1600">
+              <a:defRPr sz="1400">
                 <a:solidFill>
                   <a:schemeClr val="tx1">
                     <a:tint val="75000"/>
@@ -1068,7 +1355,7 @@
             </a:lvl5pPr>
             <a:lvl6pPr marL="2286000" indent="0">
               <a:buNone/>
-              <a:defRPr sz="1600">
+              <a:defRPr sz="1400">
                 <a:solidFill>
                   <a:schemeClr val="tx1">
                     <a:tint val="75000"/>
@@ -1078,7 +1365,7 @@
             </a:lvl6pPr>
             <a:lvl7pPr marL="2743200" indent="0">
               <a:buNone/>
-              <a:defRPr sz="1600">
+              <a:defRPr sz="1400">
                 <a:solidFill>
                   <a:schemeClr val="tx1">
                     <a:tint val="75000"/>
@@ -1088,7 +1375,7 @@
             </a:lvl7pPr>
             <a:lvl8pPr marL="3200400" indent="0">
               <a:buNone/>
-              <a:defRPr sz="1600">
+              <a:defRPr sz="1400">
                 <a:solidFill>
                   <a:schemeClr val="tx1">
                     <a:tint val="75000"/>
@@ -1098,7 +1385,7 @@
             </a:lvl8pPr>
             <a:lvl9pPr marL="3657600" indent="0">
               <a:buNone/>
-              <a:defRPr sz="1600">
+              <a:defRPr sz="1400">
                 <a:solidFill>
                   <a:schemeClr val="tx1">
                     <a:tint val="75000"/>
@@ -1111,20 +1398,14 @@
             <a:pPr lvl="0"/>
             <a:r>
               <a:rPr lang="en-US"/>
-              <a:t>Edit Master text styles</a:t>
-            </a:r>
-          </a:p>
-        </p:txBody>
-      </p:sp>
-      <p:sp>
-        <p:nvSpPr>
-          <p:cNvPr id="4" name="Date Placeholder 3">
-            <a:extLst>
-              <a:ext uri="{FF2B5EF4-FFF2-40B4-BE49-F238E27FC236}">
-                <a16:creationId xmlns:a16="http://schemas.microsoft.com/office/drawing/2014/main" id="{7FADCE92-54B9-CE4D-9398-E04ED3D5FBC8}"/>
-              </a:ext>
-            </a:extLst>
-          </p:cNvPr>
+              <a:t>Click to edit Master text styles</a:t>
+            </a:r>
+          </a:p>
+        </p:txBody>
+      </p:sp>
+      <p:sp>
+        <p:nvSpPr>
+          <p:cNvPr id="4" name="Date Placeholder 3"/>
           <p:cNvSpPr>
             <a:spLocks noGrp="1"/>
           </p:cNvSpPr>
@@ -1137,7 +1418,7 @@
           <a:bodyPr/>
           <a:lstStyle/>
           <a:p>
-            <a:fld id="{495F56DA-F8C5-B146-BF84-62C5B9E1EEC1}" type="datetimeFigureOut">
+            <a:fld id="{221F168A-3B71-2E47-9461-8E8EEA77D02C}" type="datetimeFigureOut">
               <a:rPr lang="en-US" smtClean="0"/>
               <a:t>10/29/19</a:t>
             </a:fld>
@@ -1147,13 +1428,7 @@
       </p:sp>
       <p:sp>
         <p:nvSpPr>
-          <p:cNvPr id="5" name="Footer Placeholder 4">
-            <a:extLst>
-              <a:ext uri="{FF2B5EF4-FFF2-40B4-BE49-F238E27FC236}">
-                <a16:creationId xmlns:a16="http://schemas.microsoft.com/office/drawing/2014/main" id="{3EF30DAA-3A9A-EA4D-846E-AB4BA4B45A48}"/>
-              </a:ext>
-            </a:extLst>
-          </p:cNvPr>
+          <p:cNvPr id="5" name="Footer Placeholder 4"/>
           <p:cNvSpPr>
             <a:spLocks noGrp="1"/>
           </p:cNvSpPr>
@@ -1172,13 +1447,7 @@
       </p:sp>
       <p:sp>
         <p:nvSpPr>
-          <p:cNvPr id="6" name="Slide Number Placeholder 5">
-            <a:extLst>
-              <a:ext uri="{FF2B5EF4-FFF2-40B4-BE49-F238E27FC236}">
-                <a16:creationId xmlns:a16="http://schemas.microsoft.com/office/drawing/2014/main" id="{B4B5B325-3476-C54B-82ED-FB2EA77F2FBC}"/>
-              </a:ext>
-            </a:extLst>
-          </p:cNvPr>
+          <p:cNvPr id="6" name="Slide Number Placeholder 5"/>
           <p:cNvSpPr>
             <a:spLocks noGrp="1"/>
           </p:cNvSpPr>
@@ -1191,7 +1460,7 @@
           <a:bodyPr/>
           <a:lstStyle/>
           <a:p>
-            <a:fld id="{372F2227-CCC7-2E45-8BDC-3440C5144571}" type="slidenum">
+            <a:fld id="{304C6998-651A-4B4B-9CF8-928EFCEEC14A}" type="slidenum">
               <a:rPr lang="en-US" smtClean="0"/>
               <a:t>‹#›</a:t>
             </a:fld>
@@ -1202,7 +1471,7 @@
     </p:spTree>
     <p:extLst>
       <p:ext uri="{BB962C8B-B14F-4D97-AF65-F5344CB8AC3E}">
-        <p14:creationId xmlns:p14="http://schemas.microsoft.com/office/powerpoint/2010/main" val="941655724"/>
+        <p14:creationId xmlns:p14="http://schemas.microsoft.com/office/powerpoint/2010/main" val="915261207"/>
       </p:ext>
     </p:extLst>
   </p:cSld>
@@ -1231,13 +1500,7 @@
       </p:grpSpPr>
       <p:sp>
         <p:nvSpPr>
-          <p:cNvPr id="2" name="Title 1">
-            <a:extLst>
-              <a:ext uri="{FF2B5EF4-FFF2-40B4-BE49-F238E27FC236}">
-                <a16:creationId xmlns:a16="http://schemas.microsoft.com/office/drawing/2014/main" id="{C31F1FB9-1943-F54F-8E15-B18E5AAA78A9}"/>
-              </a:ext>
-            </a:extLst>
-          </p:cNvPr>
+          <p:cNvPr id="2" name="Title 1"/>
           <p:cNvSpPr>
             <a:spLocks noGrp="1"/>
           </p:cNvSpPr>
@@ -1259,13 +1522,7 @@
       </p:sp>
       <p:sp>
         <p:nvSpPr>
-          <p:cNvPr id="3" name="Content Placeholder 2">
-            <a:extLst>
-              <a:ext uri="{FF2B5EF4-FFF2-40B4-BE49-F238E27FC236}">
-                <a16:creationId xmlns:a16="http://schemas.microsoft.com/office/drawing/2014/main" id="{9FB30E9A-D390-DC41-8FDB-12B96EFD6A8F}"/>
-              </a:ext>
-            </a:extLst>
-          </p:cNvPr>
+          <p:cNvPr id="3" name="Content Placeholder 2"/>
           <p:cNvSpPr>
             <a:spLocks noGrp="1"/>
           </p:cNvSpPr>
@@ -1275,18 +1532,46 @@
         </p:nvSpPr>
         <p:spPr>
           <a:xfrm>
-            <a:off x="838200" y="1825625"/>
-            <a:ext cx="5181600" cy="4351338"/>
+            <a:off x="457200" y="1600200"/>
+            <a:ext cx="4038600" cy="4525963"/>
           </a:xfrm>
         </p:spPr>
         <p:txBody>
           <a:bodyPr/>
-          <a:lstStyle/>
+          <a:lstStyle>
+            <a:lvl1pPr>
+              <a:defRPr sz="2800"/>
+            </a:lvl1pPr>
+            <a:lvl2pPr>
+              <a:defRPr sz="2400"/>
+            </a:lvl2pPr>
+            <a:lvl3pPr>
+              <a:defRPr sz="2000"/>
+            </a:lvl3pPr>
+            <a:lvl4pPr>
+              <a:defRPr sz="1800"/>
+            </a:lvl4pPr>
+            <a:lvl5pPr>
+              <a:defRPr sz="1800"/>
+            </a:lvl5pPr>
+            <a:lvl6pPr>
+              <a:defRPr sz="1800"/>
+            </a:lvl6pPr>
+            <a:lvl7pPr>
+              <a:defRPr sz="1800"/>
+            </a:lvl7pPr>
+            <a:lvl8pPr>
+              <a:defRPr sz="1800"/>
+            </a:lvl8pPr>
+            <a:lvl9pPr>
+              <a:defRPr sz="1800"/>
+            </a:lvl9pPr>
+          </a:lstStyle>
           <a:p>
             <a:pPr lvl="0"/>
             <a:r>
               <a:rPr lang="en-US"/>
-              <a:t>Edit Master text styles</a:t>
+              <a:t>Click to edit Master text styles</a:t>
             </a:r>
           </a:p>
           <a:p>
@@ -1321,13 +1606,7 @@
       </p:sp>
       <p:sp>
         <p:nvSpPr>
-          <p:cNvPr id="4" name="Content Placeholder 3">
-            <a:extLst>
-              <a:ext uri="{FF2B5EF4-FFF2-40B4-BE49-F238E27FC236}">
-                <a16:creationId xmlns:a16="http://schemas.microsoft.com/office/drawing/2014/main" id="{CE3D86DB-845E-E64B-B57D-E1827CB54E84}"/>
-              </a:ext>
-            </a:extLst>
-          </p:cNvPr>
+          <p:cNvPr id="4" name="Content Placeholder 3"/>
           <p:cNvSpPr>
             <a:spLocks noGrp="1"/>
           </p:cNvSpPr>
@@ -1337,18 +1616,46 @@
         </p:nvSpPr>
         <p:spPr>
           <a:xfrm>
-            <a:off x="6172200" y="1825625"/>
-            <a:ext cx="5181600" cy="4351338"/>
+            <a:off x="4648200" y="1600200"/>
+            <a:ext cx="4038600" cy="4525963"/>
           </a:xfrm>
         </p:spPr>
         <p:txBody>
           <a:bodyPr/>
-          <a:lstStyle/>
+          <a:lstStyle>
+            <a:lvl1pPr>
+              <a:defRPr sz="2800"/>
+            </a:lvl1pPr>
+            <a:lvl2pPr>
+              <a:defRPr sz="2400"/>
+            </a:lvl2pPr>
+            <a:lvl3pPr>
+              <a:defRPr sz="2000"/>
+            </a:lvl3pPr>
+            <a:lvl4pPr>
+              <a:defRPr sz="1800"/>
+            </a:lvl4pPr>
+            <a:lvl5pPr>
+              <a:defRPr sz="1800"/>
+            </a:lvl5pPr>
+            <a:lvl6pPr>
+              <a:defRPr sz="1800"/>
+            </a:lvl6pPr>
+            <a:lvl7pPr>
+              <a:defRPr sz="1800"/>
+            </a:lvl7pPr>
+            <a:lvl8pPr>
+              <a:defRPr sz="1800"/>
+            </a:lvl8pPr>
+            <a:lvl9pPr>
+              <a:defRPr sz="1800"/>
+            </a:lvl9pPr>
+          </a:lstStyle>
           <a:p>
             <a:pPr lvl="0"/>
             <a:r>
               <a:rPr lang="en-US"/>
-              <a:t>Edit Master text styles</a:t>
+              <a:t>Click to edit Master text styles</a:t>
             </a:r>
           </a:p>
           <a:p>
@@ -1383,13 +1690,7 @@
       </p:sp>
       <p:sp>
         <p:nvSpPr>
-          <p:cNvPr id="5" name="Date Placeholder 4">
-            <a:extLst>
-              <a:ext uri="{FF2B5EF4-FFF2-40B4-BE49-F238E27FC236}">
-                <a16:creationId xmlns:a16="http://schemas.microsoft.com/office/drawing/2014/main" id="{5A85452D-FACF-A449-B032-B25F8EA911B1}"/>
-              </a:ext>
-            </a:extLst>
-          </p:cNvPr>
+          <p:cNvPr id="5" name="Date Placeholder 4"/>
           <p:cNvSpPr>
             <a:spLocks noGrp="1"/>
           </p:cNvSpPr>
@@ -1402,7 +1703,7 @@
           <a:bodyPr/>
           <a:lstStyle/>
           <a:p>
-            <a:fld id="{495F56DA-F8C5-B146-BF84-62C5B9E1EEC1}" type="datetimeFigureOut">
+            <a:fld id="{221F168A-3B71-2E47-9461-8E8EEA77D02C}" type="datetimeFigureOut">
               <a:rPr lang="en-US" smtClean="0"/>
               <a:t>10/29/19</a:t>
             </a:fld>
@@ -1412,13 +1713,7 @@
       </p:sp>
       <p:sp>
         <p:nvSpPr>
-          <p:cNvPr id="6" name="Footer Placeholder 5">
-            <a:extLst>
-              <a:ext uri="{FF2B5EF4-FFF2-40B4-BE49-F238E27FC236}">
-                <a16:creationId xmlns:a16="http://schemas.microsoft.com/office/drawing/2014/main" id="{2B793AAC-C712-AF49-A967-A97ECC2B82DD}"/>
-              </a:ext>
-            </a:extLst>
-          </p:cNvPr>
+          <p:cNvPr id="6" name="Footer Placeholder 5"/>
           <p:cNvSpPr>
             <a:spLocks noGrp="1"/>
           </p:cNvSpPr>
@@ -1437,13 +1732,7 @@
       </p:sp>
       <p:sp>
         <p:nvSpPr>
-          <p:cNvPr id="7" name="Slide Number Placeholder 6">
-            <a:extLst>
-              <a:ext uri="{FF2B5EF4-FFF2-40B4-BE49-F238E27FC236}">
-                <a16:creationId xmlns:a16="http://schemas.microsoft.com/office/drawing/2014/main" id="{E99367E4-4A97-FB44-9449-EA0C35D36D20}"/>
-              </a:ext>
-            </a:extLst>
-          </p:cNvPr>
+          <p:cNvPr id="7" name="Slide Number Placeholder 6"/>
           <p:cNvSpPr>
             <a:spLocks noGrp="1"/>
           </p:cNvSpPr>
@@ -1456,7 +1745,7 @@
           <a:bodyPr/>
           <a:lstStyle/>
           <a:p>
-            <a:fld id="{372F2227-CCC7-2E45-8BDC-3440C5144571}" type="slidenum">
+            <a:fld id="{304C6998-651A-4B4B-9CF8-928EFCEEC14A}" type="slidenum">
               <a:rPr lang="en-US" smtClean="0"/>
               <a:t>‹#›</a:t>
             </a:fld>
@@ -1467,7 +1756,7 @@
     </p:spTree>
     <p:extLst>
       <p:ext uri="{BB962C8B-B14F-4D97-AF65-F5344CB8AC3E}">
-        <p14:creationId xmlns:p14="http://schemas.microsoft.com/office/powerpoint/2010/main" val="3548813147"/>
+        <p14:creationId xmlns:p14="http://schemas.microsoft.com/office/powerpoint/2010/main" val="3096458760"/>
       </p:ext>
     </p:extLst>
   </p:cSld>
@@ -1496,57 +1785,44 @@
       </p:grpSpPr>
       <p:sp>
         <p:nvSpPr>
-          <p:cNvPr id="2" name="Title 1">
-            <a:extLst>
-              <a:ext uri="{FF2B5EF4-FFF2-40B4-BE49-F238E27FC236}">
-                <a16:creationId xmlns:a16="http://schemas.microsoft.com/office/drawing/2014/main" id="{0C8FDFDE-0602-8A4F-8C63-26E814AE66D8}"/>
-              </a:ext>
-            </a:extLst>
-          </p:cNvPr>
+          <p:cNvPr id="2" name="Title 1"/>
           <p:cNvSpPr>
             <a:spLocks noGrp="1"/>
           </p:cNvSpPr>
           <p:nvPr>
             <p:ph type="title"/>
+          </p:nvPr>
+        </p:nvSpPr>
+        <p:spPr/>
+        <p:txBody>
+          <a:bodyPr/>
+          <a:lstStyle>
+            <a:lvl1pPr>
+              <a:defRPr/>
+            </a:lvl1pPr>
+          </a:lstStyle>
+          <a:p>
+            <a:r>
+              <a:rPr lang="en-US"/>
+              <a:t>Click to edit Master title style</a:t>
+            </a:r>
+          </a:p>
+        </p:txBody>
+      </p:sp>
+      <p:sp>
+        <p:nvSpPr>
+          <p:cNvPr id="3" name="Text Placeholder 2"/>
+          <p:cNvSpPr>
+            <a:spLocks noGrp="1"/>
+          </p:cNvSpPr>
+          <p:nvPr>
+            <p:ph type="body" idx="1"/>
           </p:nvPr>
         </p:nvSpPr>
         <p:spPr>
           <a:xfrm>
-            <a:off x="839788" y="365125"/>
-            <a:ext cx="10515600" cy="1325563"/>
-          </a:xfrm>
-        </p:spPr>
-        <p:txBody>
-          <a:bodyPr/>
-          <a:lstStyle/>
-          <a:p>
-            <a:r>
-              <a:rPr lang="en-US"/>
-              <a:t>Click to edit Master title style</a:t>
-            </a:r>
-          </a:p>
-        </p:txBody>
-      </p:sp>
-      <p:sp>
-        <p:nvSpPr>
-          <p:cNvPr id="3" name="Text Placeholder 2">
-            <a:extLst>
-              <a:ext uri="{FF2B5EF4-FFF2-40B4-BE49-F238E27FC236}">
-                <a16:creationId xmlns:a16="http://schemas.microsoft.com/office/drawing/2014/main" id="{CAE83DE9-32A1-754F-8F34-760AD4AFC827}"/>
-              </a:ext>
-            </a:extLst>
-          </p:cNvPr>
-          <p:cNvSpPr>
-            <a:spLocks noGrp="1"/>
-          </p:cNvSpPr>
-          <p:nvPr>
-            <p:ph type="body" idx="1"/>
-          </p:nvPr>
-        </p:nvSpPr>
-        <p:spPr>
-          <a:xfrm>
-            <a:off x="839788" y="1681163"/>
-            <a:ext cx="5157787" cy="823912"/>
+            <a:off x="457200" y="1535113"/>
+            <a:ext cx="4040188" cy="639762"/>
           </a:xfrm>
         </p:spPr>
         <p:txBody>
@@ -1593,20 +1869,14 @@
             <a:pPr lvl="0"/>
             <a:r>
               <a:rPr lang="en-US"/>
-              <a:t>Edit Master text styles</a:t>
-            </a:r>
-          </a:p>
-        </p:txBody>
-      </p:sp>
-      <p:sp>
-        <p:nvSpPr>
-          <p:cNvPr id="4" name="Content Placeholder 3">
-            <a:extLst>
-              <a:ext uri="{FF2B5EF4-FFF2-40B4-BE49-F238E27FC236}">
-                <a16:creationId xmlns:a16="http://schemas.microsoft.com/office/drawing/2014/main" id="{2A4251D4-F86B-5042-B6E9-64DB405C99C3}"/>
-              </a:ext>
-            </a:extLst>
-          </p:cNvPr>
+              <a:t>Click to edit Master text styles</a:t>
+            </a:r>
+          </a:p>
+        </p:txBody>
+      </p:sp>
+      <p:sp>
+        <p:nvSpPr>
+          <p:cNvPr id="4" name="Content Placeholder 3"/>
           <p:cNvSpPr>
             <a:spLocks noGrp="1"/>
           </p:cNvSpPr>
@@ -1616,18 +1886,46 @@
         </p:nvSpPr>
         <p:spPr>
           <a:xfrm>
-            <a:off x="839788" y="2505075"/>
-            <a:ext cx="5157787" cy="3684588"/>
+            <a:off x="457200" y="2174875"/>
+            <a:ext cx="4040188" cy="3951288"/>
           </a:xfrm>
         </p:spPr>
         <p:txBody>
           <a:bodyPr/>
-          <a:lstStyle/>
+          <a:lstStyle>
+            <a:lvl1pPr>
+              <a:defRPr sz="2400"/>
+            </a:lvl1pPr>
+            <a:lvl2pPr>
+              <a:defRPr sz="2000"/>
+            </a:lvl2pPr>
+            <a:lvl3pPr>
+              <a:defRPr sz="1800"/>
+            </a:lvl3pPr>
+            <a:lvl4pPr>
+              <a:defRPr sz="1600"/>
+            </a:lvl4pPr>
+            <a:lvl5pPr>
+              <a:defRPr sz="1600"/>
+            </a:lvl5pPr>
+            <a:lvl6pPr>
+              <a:defRPr sz="1600"/>
+            </a:lvl6pPr>
+            <a:lvl7pPr>
+              <a:defRPr sz="1600"/>
+            </a:lvl7pPr>
+            <a:lvl8pPr>
+              <a:defRPr sz="1600"/>
+            </a:lvl8pPr>
+            <a:lvl9pPr>
+              <a:defRPr sz="1600"/>
+            </a:lvl9pPr>
+          </a:lstStyle>
           <a:p>
             <a:pPr lvl="0"/>
             <a:r>
               <a:rPr lang="en-US"/>
-              <a:t>Edit Master text styles</a:t>
+              <a:t>Click to edit Master text styles</a:t>
             </a:r>
           </a:p>
           <a:p>
@@ -1662,13 +1960,7 @@
       </p:sp>
       <p:sp>
         <p:nvSpPr>
-          <p:cNvPr id="5" name="Text Placeholder 4">
-            <a:extLst>
-              <a:ext uri="{FF2B5EF4-FFF2-40B4-BE49-F238E27FC236}">
-                <a16:creationId xmlns:a16="http://schemas.microsoft.com/office/drawing/2014/main" id="{C3321CF1-E7A5-064A-8A68-045946169F34}"/>
-              </a:ext>
-            </a:extLst>
-          </p:cNvPr>
+          <p:cNvPr id="5" name="Text Placeholder 4"/>
           <p:cNvSpPr>
             <a:spLocks noGrp="1"/>
           </p:cNvSpPr>
@@ -1678,8 +1970,8 @@
         </p:nvSpPr>
         <p:spPr>
           <a:xfrm>
-            <a:off x="6172200" y="1681163"/>
-            <a:ext cx="5183188" cy="823912"/>
+            <a:off x="4645025" y="1535113"/>
+            <a:ext cx="4041775" cy="639762"/>
           </a:xfrm>
         </p:spPr>
         <p:txBody>
@@ -1726,20 +2018,14 @@
             <a:pPr lvl="0"/>
             <a:r>
               <a:rPr lang="en-US"/>
-              <a:t>Edit Master text styles</a:t>
-            </a:r>
-          </a:p>
-        </p:txBody>
-      </p:sp>
-      <p:sp>
-        <p:nvSpPr>
-          <p:cNvPr id="6" name="Content Placeholder 5">
-            <a:extLst>
-              <a:ext uri="{FF2B5EF4-FFF2-40B4-BE49-F238E27FC236}">
-                <a16:creationId xmlns:a16="http://schemas.microsoft.com/office/drawing/2014/main" id="{24E2F68F-9327-1443-93BF-2915DD5F72EB}"/>
-              </a:ext>
-            </a:extLst>
-          </p:cNvPr>
+              <a:t>Click to edit Master text styles</a:t>
+            </a:r>
+          </a:p>
+        </p:txBody>
+      </p:sp>
+      <p:sp>
+        <p:nvSpPr>
+          <p:cNvPr id="6" name="Content Placeholder 5"/>
           <p:cNvSpPr>
             <a:spLocks noGrp="1"/>
           </p:cNvSpPr>
@@ -1749,18 +2035,46 @@
         </p:nvSpPr>
         <p:spPr>
           <a:xfrm>
-            <a:off x="6172200" y="2505075"/>
-            <a:ext cx="5183188" cy="3684588"/>
+            <a:off x="4645025" y="2174875"/>
+            <a:ext cx="4041775" cy="3951288"/>
           </a:xfrm>
         </p:spPr>
         <p:txBody>
           <a:bodyPr/>
-          <a:lstStyle/>
+          <a:lstStyle>
+            <a:lvl1pPr>
+              <a:defRPr sz="2400"/>
+            </a:lvl1pPr>
+            <a:lvl2pPr>
+              <a:defRPr sz="2000"/>
+            </a:lvl2pPr>
+            <a:lvl3pPr>
+              <a:defRPr sz="1800"/>
+            </a:lvl3pPr>
+            <a:lvl4pPr>
+              <a:defRPr sz="1600"/>
+            </a:lvl4pPr>
+            <a:lvl5pPr>
+              <a:defRPr sz="1600"/>
+            </a:lvl5pPr>
+            <a:lvl6pPr>
+              <a:defRPr sz="1600"/>
+            </a:lvl6pPr>
+            <a:lvl7pPr>
+              <a:defRPr sz="1600"/>
+            </a:lvl7pPr>
+            <a:lvl8pPr>
+              <a:defRPr sz="1600"/>
+            </a:lvl8pPr>
+            <a:lvl9pPr>
+              <a:defRPr sz="1600"/>
+            </a:lvl9pPr>
+          </a:lstStyle>
           <a:p>
             <a:pPr lvl="0"/>
             <a:r>
               <a:rPr lang="en-US"/>
-              <a:t>Edit Master text styles</a:t>
+              <a:t>Click to edit Master text styles</a:t>
             </a:r>
           </a:p>
           <a:p>
@@ -1795,13 +2109,7 @@
       </p:sp>
       <p:sp>
         <p:nvSpPr>
-          <p:cNvPr id="7" name="Date Placeholder 6">
-            <a:extLst>
-              <a:ext uri="{FF2B5EF4-FFF2-40B4-BE49-F238E27FC236}">
-                <a16:creationId xmlns:a16="http://schemas.microsoft.com/office/drawing/2014/main" id="{23BE7086-AC1D-944E-8BBA-3BF6DDBDAAE8}"/>
-              </a:ext>
-            </a:extLst>
-          </p:cNvPr>
+          <p:cNvPr id="7" name="Date Placeholder 6"/>
           <p:cNvSpPr>
             <a:spLocks noGrp="1"/>
           </p:cNvSpPr>
@@ -1814,7 +2122,7 @@
           <a:bodyPr/>
           <a:lstStyle/>
           <a:p>
-            <a:fld id="{495F56DA-F8C5-B146-BF84-62C5B9E1EEC1}" type="datetimeFigureOut">
+            <a:fld id="{221F168A-3B71-2E47-9461-8E8EEA77D02C}" type="datetimeFigureOut">
               <a:rPr lang="en-US" smtClean="0"/>
               <a:t>10/29/19</a:t>
             </a:fld>
@@ -1824,13 +2132,7 @@
       </p:sp>
       <p:sp>
         <p:nvSpPr>
-          <p:cNvPr id="8" name="Footer Placeholder 7">
-            <a:extLst>
-              <a:ext uri="{FF2B5EF4-FFF2-40B4-BE49-F238E27FC236}">
-                <a16:creationId xmlns:a16="http://schemas.microsoft.com/office/drawing/2014/main" id="{C6EB0100-0BBD-AF4A-9074-CAB7C9A39471}"/>
-              </a:ext>
-            </a:extLst>
-          </p:cNvPr>
+          <p:cNvPr id="8" name="Footer Placeholder 7"/>
           <p:cNvSpPr>
             <a:spLocks noGrp="1"/>
           </p:cNvSpPr>
@@ -1849,13 +2151,7 @@
       </p:sp>
       <p:sp>
         <p:nvSpPr>
-          <p:cNvPr id="9" name="Slide Number Placeholder 8">
-            <a:extLst>
-              <a:ext uri="{FF2B5EF4-FFF2-40B4-BE49-F238E27FC236}">
-                <a16:creationId xmlns:a16="http://schemas.microsoft.com/office/drawing/2014/main" id="{253C3399-A3DE-684F-A595-09DC7619512C}"/>
-              </a:ext>
-            </a:extLst>
-          </p:cNvPr>
+          <p:cNvPr id="9" name="Slide Number Placeholder 8"/>
           <p:cNvSpPr>
             <a:spLocks noGrp="1"/>
           </p:cNvSpPr>
@@ -1868,7 +2164,7 @@
           <a:bodyPr/>
           <a:lstStyle/>
           <a:p>
-            <a:fld id="{372F2227-CCC7-2E45-8BDC-3440C5144571}" type="slidenum">
+            <a:fld id="{304C6998-651A-4B4B-9CF8-928EFCEEC14A}" type="slidenum">
               <a:rPr lang="en-US" smtClean="0"/>
               <a:t>‹#›</a:t>
             </a:fld>
@@ -1879,7 +2175,7 @@
     </p:spTree>
     <p:extLst>
       <p:ext uri="{BB962C8B-B14F-4D97-AF65-F5344CB8AC3E}">
-        <p14:creationId xmlns:p14="http://schemas.microsoft.com/office/powerpoint/2010/main" val="2251440360"/>
+        <p14:creationId xmlns:p14="http://schemas.microsoft.com/office/powerpoint/2010/main" val="1176588406"/>
       </p:ext>
     </p:extLst>
   </p:cSld>
@@ -1908,13 +2204,7 @@
       </p:grpSpPr>
       <p:sp>
         <p:nvSpPr>
-          <p:cNvPr id="2" name="Title 1">
-            <a:extLst>
-              <a:ext uri="{FF2B5EF4-FFF2-40B4-BE49-F238E27FC236}">
-                <a16:creationId xmlns:a16="http://schemas.microsoft.com/office/drawing/2014/main" id="{79B6A256-412D-534A-BF6D-778B27BC2C9C}"/>
-              </a:ext>
-            </a:extLst>
-          </p:cNvPr>
+          <p:cNvPr id="2" name="Title 1"/>
           <p:cNvSpPr>
             <a:spLocks noGrp="1"/>
           </p:cNvSpPr>
@@ -1936,13 +2226,7 @@
       </p:sp>
       <p:sp>
         <p:nvSpPr>
-          <p:cNvPr id="3" name="Date Placeholder 2">
-            <a:extLst>
-              <a:ext uri="{FF2B5EF4-FFF2-40B4-BE49-F238E27FC236}">
-                <a16:creationId xmlns:a16="http://schemas.microsoft.com/office/drawing/2014/main" id="{1CDEE33B-82AA-3C49-BB90-5900D8794098}"/>
-              </a:ext>
-            </a:extLst>
-          </p:cNvPr>
+          <p:cNvPr id="3" name="Date Placeholder 2"/>
           <p:cNvSpPr>
             <a:spLocks noGrp="1"/>
           </p:cNvSpPr>
@@ -1955,7 +2239,7 @@
           <a:bodyPr/>
           <a:lstStyle/>
           <a:p>
-            <a:fld id="{495F56DA-F8C5-B146-BF84-62C5B9E1EEC1}" type="datetimeFigureOut">
+            <a:fld id="{221F168A-3B71-2E47-9461-8E8EEA77D02C}" type="datetimeFigureOut">
               <a:rPr lang="en-US" smtClean="0"/>
               <a:t>10/29/19</a:t>
             </a:fld>
@@ -1965,13 +2249,7 @@
       </p:sp>
       <p:sp>
         <p:nvSpPr>
-          <p:cNvPr id="4" name="Footer Placeholder 3">
-            <a:extLst>
-              <a:ext uri="{FF2B5EF4-FFF2-40B4-BE49-F238E27FC236}">
-                <a16:creationId xmlns:a16="http://schemas.microsoft.com/office/drawing/2014/main" id="{1CBE2171-23A5-D44B-93EE-A0CC8312BB72}"/>
-              </a:ext>
-            </a:extLst>
-          </p:cNvPr>
+          <p:cNvPr id="4" name="Footer Placeholder 3"/>
           <p:cNvSpPr>
             <a:spLocks noGrp="1"/>
           </p:cNvSpPr>
@@ -1990,13 +2268,7 @@
       </p:sp>
       <p:sp>
         <p:nvSpPr>
-          <p:cNvPr id="5" name="Slide Number Placeholder 4">
-            <a:extLst>
-              <a:ext uri="{FF2B5EF4-FFF2-40B4-BE49-F238E27FC236}">
-                <a16:creationId xmlns:a16="http://schemas.microsoft.com/office/drawing/2014/main" id="{18C0C157-19CA-A240-AA82-E9F55E60E91E}"/>
-              </a:ext>
-            </a:extLst>
-          </p:cNvPr>
+          <p:cNvPr id="5" name="Slide Number Placeholder 4"/>
           <p:cNvSpPr>
             <a:spLocks noGrp="1"/>
           </p:cNvSpPr>
@@ -2009,7 +2281,7 @@
           <a:bodyPr/>
           <a:lstStyle/>
           <a:p>
-            <a:fld id="{372F2227-CCC7-2E45-8BDC-3440C5144571}" type="slidenum">
+            <a:fld id="{304C6998-651A-4B4B-9CF8-928EFCEEC14A}" type="slidenum">
               <a:rPr lang="en-US" smtClean="0"/>
               <a:t>‹#›</a:t>
             </a:fld>
@@ -2020,7 +2292,7 @@
     </p:spTree>
     <p:extLst>
       <p:ext uri="{BB962C8B-B14F-4D97-AF65-F5344CB8AC3E}">
-        <p14:creationId xmlns:p14="http://schemas.microsoft.com/office/powerpoint/2010/main" val="2928741714"/>
+        <p14:creationId xmlns:p14="http://schemas.microsoft.com/office/powerpoint/2010/main" val="1748216646"/>
       </p:ext>
     </p:extLst>
   </p:cSld>
@@ -2049,13 +2321,7 @@
       </p:grpSpPr>
       <p:sp>
         <p:nvSpPr>
-          <p:cNvPr id="2" name="Date Placeholder 1">
-            <a:extLst>
-              <a:ext uri="{FF2B5EF4-FFF2-40B4-BE49-F238E27FC236}">
-                <a16:creationId xmlns:a16="http://schemas.microsoft.com/office/drawing/2014/main" id="{040E3584-22CB-AF49-A6C4-13418145E71E}"/>
-              </a:ext>
-            </a:extLst>
-          </p:cNvPr>
+          <p:cNvPr id="2" name="Date Placeholder 1"/>
           <p:cNvSpPr>
             <a:spLocks noGrp="1"/>
           </p:cNvSpPr>
@@ -2068,7 +2334,7 @@
           <a:bodyPr/>
           <a:lstStyle/>
           <a:p>
-            <a:fld id="{495F56DA-F8C5-B146-BF84-62C5B9E1EEC1}" type="datetimeFigureOut">
+            <a:fld id="{221F168A-3B71-2E47-9461-8E8EEA77D02C}" type="datetimeFigureOut">
               <a:rPr lang="en-US" smtClean="0"/>
               <a:t>10/29/19</a:t>
             </a:fld>
@@ -2078,13 +2344,7 @@
       </p:sp>
       <p:sp>
         <p:nvSpPr>
-          <p:cNvPr id="3" name="Footer Placeholder 2">
-            <a:extLst>
-              <a:ext uri="{FF2B5EF4-FFF2-40B4-BE49-F238E27FC236}">
-                <a16:creationId xmlns:a16="http://schemas.microsoft.com/office/drawing/2014/main" id="{B029C026-F74E-B24D-A7B3-4E0C5A0A2A94}"/>
-              </a:ext>
-            </a:extLst>
-          </p:cNvPr>
+          <p:cNvPr id="3" name="Footer Placeholder 2"/>
           <p:cNvSpPr>
             <a:spLocks noGrp="1"/>
           </p:cNvSpPr>
@@ -2103,13 +2363,7 @@
       </p:sp>
       <p:sp>
         <p:nvSpPr>
-          <p:cNvPr id="4" name="Slide Number Placeholder 3">
-            <a:extLst>
-              <a:ext uri="{FF2B5EF4-FFF2-40B4-BE49-F238E27FC236}">
-                <a16:creationId xmlns:a16="http://schemas.microsoft.com/office/drawing/2014/main" id="{7C6BAA11-773C-C84A-A74F-7BF10CA88192}"/>
-              </a:ext>
-            </a:extLst>
-          </p:cNvPr>
+          <p:cNvPr id="4" name="Slide Number Placeholder 3"/>
           <p:cNvSpPr>
             <a:spLocks noGrp="1"/>
           </p:cNvSpPr>
@@ -2122,7 +2376,7 @@
           <a:bodyPr/>
           <a:lstStyle/>
           <a:p>
-            <a:fld id="{372F2227-CCC7-2E45-8BDC-3440C5144571}" type="slidenum">
+            <a:fld id="{304C6998-651A-4B4B-9CF8-928EFCEEC14A}" type="slidenum">
               <a:rPr lang="en-US" smtClean="0"/>
               <a:t>‹#›</a:t>
             </a:fld>
@@ -2133,7 +2387,7 @@
     </p:spTree>
     <p:extLst>
       <p:ext uri="{BB962C8B-B14F-4D97-AF65-F5344CB8AC3E}">
-        <p14:creationId xmlns:p14="http://schemas.microsoft.com/office/powerpoint/2010/main" val="3628072796"/>
+        <p14:creationId xmlns:p14="http://schemas.microsoft.com/office/powerpoint/2010/main" val="2071180629"/>
       </p:ext>
     </p:extLst>
   </p:cSld>
@@ -2162,13 +2416,7 @@
       </p:grpSpPr>
       <p:sp>
         <p:nvSpPr>
-          <p:cNvPr id="2" name="Title 1">
-            <a:extLst>
-              <a:ext uri="{FF2B5EF4-FFF2-40B4-BE49-F238E27FC236}">
-                <a16:creationId xmlns:a16="http://schemas.microsoft.com/office/drawing/2014/main" id="{AD323C21-4AF9-8F4D-B4A0-70CB42B98242}"/>
-              </a:ext>
-            </a:extLst>
-          </p:cNvPr>
+          <p:cNvPr id="2" name="Title 1"/>
           <p:cNvSpPr>
             <a:spLocks noGrp="1"/>
           </p:cNvSpPr>
@@ -2178,15 +2426,15 @@
         </p:nvSpPr>
         <p:spPr>
           <a:xfrm>
-            <a:off x="839788" y="457200"/>
-            <a:ext cx="3932237" cy="1600200"/>
+            <a:off x="457200" y="273050"/>
+            <a:ext cx="3008313" cy="1162050"/>
           </a:xfrm>
         </p:spPr>
         <p:txBody>
           <a:bodyPr anchor="b"/>
           <a:lstStyle>
-            <a:lvl1pPr>
-              <a:defRPr sz="3200"/>
+            <a:lvl1pPr algn="l">
+              <a:defRPr sz="2000" b="1"/>
             </a:lvl1pPr>
           </a:lstStyle>
           <a:p>
@@ -2199,13 +2447,7 @@
       </p:sp>
       <p:sp>
         <p:nvSpPr>
-          <p:cNvPr id="3" name="Content Placeholder 2">
-            <a:extLst>
-              <a:ext uri="{FF2B5EF4-FFF2-40B4-BE49-F238E27FC236}">
-                <a16:creationId xmlns:a16="http://schemas.microsoft.com/office/drawing/2014/main" id="{6AA3B3FA-53B0-CA4F-BE33-086E52402E48}"/>
-              </a:ext>
-            </a:extLst>
-          </p:cNvPr>
+          <p:cNvPr id="3" name="Content Placeholder 2"/>
           <p:cNvSpPr>
             <a:spLocks noGrp="1"/>
           </p:cNvSpPr>
@@ -2215,8 +2457,8 @@
         </p:nvSpPr>
         <p:spPr>
           <a:xfrm>
-            <a:off x="5183188" y="987425"/>
-            <a:ext cx="6172200" cy="4873625"/>
+            <a:off x="3575050" y="273050"/>
+            <a:ext cx="5111750" cy="5853113"/>
           </a:xfrm>
         </p:spPr>
         <p:txBody>
@@ -2254,7 +2496,7 @@
             <a:pPr lvl="0"/>
             <a:r>
               <a:rPr lang="en-US"/>
-              <a:t>Edit Master text styles</a:t>
+              <a:t>Click to edit Master text styles</a:t>
             </a:r>
           </a:p>
           <a:p>
@@ -2289,13 +2531,7 @@
       </p:sp>
       <p:sp>
         <p:nvSpPr>
-          <p:cNvPr id="4" name="Text Placeholder 3">
-            <a:extLst>
-              <a:ext uri="{FF2B5EF4-FFF2-40B4-BE49-F238E27FC236}">
-                <a16:creationId xmlns:a16="http://schemas.microsoft.com/office/drawing/2014/main" id="{C2D018DF-5390-5E41-8787-130EA9342B6B}"/>
-              </a:ext>
-            </a:extLst>
-          </p:cNvPr>
+          <p:cNvPr id="4" name="Text Placeholder 3"/>
           <p:cNvSpPr>
             <a:spLocks noGrp="1"/>
           </p:cNvSpPr>
@@ -2305,8 +2541,8 @@
         </p:nvSpPr>
         <p:spPr>
           <a:xfrm>
-            <a:off x="839788" y="2057400"/>
-            <a:ext cx="3932237" cy="3811588"/>
+            <a:off x="457200" y="1435100"/>
+            <a:ext cx="3008313" cy="4691063"/>
           </a:xfrm>
         </p:spPr>
         <p:txBody>
@@ -2314,59 +2550,53 @@
           <a:lstStyle>
             <a:lvl1pPr marL="0" indent="0">
               <a:buNone/>
-              <a:defRPr sz="1600"/>
+              <a:defRPr sz="1400"/>
             </a:lvl1pPr>
             <a:lvl2pPr marL="457200" indent="0">
               <a:buNone/>
-              <a:defRPr sz="1400"/>
+              <a:defRPr sz="1200"/>
             </a:lvl2pPr>
             <a:lvl3pPr marL="914400" indent="0">
               <a:buNone/>
-              <a:defRPr sz="1200"/>
+              <a:defRPr sz="1000"/>
             </a:lvl3pPr>
             <a:lvl4pPr marL="1371600" indent="0">
               <a:buNone/>
-              <a:defRPr sz="1000"/>
+              <a:defRPr sz="900"/>
             </a:lvl4pPr>
             <a:lvl5pPr marL="1828800" indent="0">
               <a:buNone/>
-              <a:defRPr sz="1000"/>
+              <a:defRPr sz="900"/>
             </a:lvl5pPr>
             <a:lvl6pPr marL="2286000" indent="0">
               <a:buNone/>
-              <a:defRPr sz="1000"/>
+              <a:defRPr sz="900"/>
             </a:lvl6pPr>
             <a:lvl7pPr marL="2743200" indent="0">
               <a:buNone/>
-              <a:defRPr sz="1000"/>
+              <a:defRPr sz="900"/>
             </a:lvl7pPr>
             <a:lvl8pPr marL="3200400" indent="0">
               <a:buNone/>
-              <a:defRPr sz="1000"/>
+              <a:defRPr sz="900"/>
             </a:lvl8pPr>
             <a:lvl9pPr marL="3657600" indent="0">
               <a:buNone/>
-              <a:defRPr sz="1000"/>
+              <a:defRPr sz="900"/>
             </a:lvl9pPr>
           </a:lstStyle>
           <a:p>
             <a:pPr lvl="0"/>
             <a:r>
               <a:rPr lang="en-US"/>
-              <a:t>Edit Master text styles</a:t>
-            </a:r>
-          </a:p>
-        </p:txBody>
-      </p:sp>
-      <p:sp>
-        <p:nvSpPr>
-          <p:cNvPr id="5" name="Date Placeholder 4">
-            <a:extLst>
-              <a:ext uri="{FF2B5EF4-FFF2-40B4-BE49-F238E27FC236}">
-                <a16:creationId xmlns:a16="http://schemas.microsoft.com/office/drawing/2014/main" id="{126260A2-B715-3444-9730-76389CF55B05}"/>
-              </a:ext>
-            </a:extLst>
-          </p:cNvPr>
+              <a:t>Click to edit Master text styles</a:t>
+            </a:r>
+          </a:p>
+        </p:txBody>
+      </p:sp>
+      <p:sp>
+        <p:nvSpPr>
+          <p:cNvPr id="5" name="Date Placeholder 4"/>
           <p:cNvSpPr>
             <a:spLocks noGrp="1"/>
           </p:cNvSpPr>
@@ -2379,7 +2609,7 @@
           <a:bodyPr/>
           <a:lstStyle/>
           <a:p>
-            <a:fld id="{495F56DA-F8C5-B146-BF84-62C5B9E1EEC1}" type="datetimeFigureOut">
+            <a:fld id="{221F168A-3B71-2E47-9461-8E8EEA77D02C}" type="datetimeFigureOut">
               <a:rPr lang="en-US" smtClean="0"/>
               <a:t>10/29/19</a:t>
             </a:fld>
@@ -2389,13 +2619,7 @@
       </p:sp>
       <p:sp>
         <p:nvSpPr>
-          <p:cNvPr id="6" name="Footer Placeholder 5">
-            <a:extLst>
-              <a:ext uri="{FF2B5EF4-FFF2-40B4-BE49-F238E27FC236}">
-                <a16:creationId xmlns:a16="http://schemas.microsoft.com/office/drawing/2014/main" id="{DBEFF362-5067-0E4D-9D2C-14CC309DF740}"/>
-              </a:ext>
-            </a:extLst>
-          </p:cNvPr>
+          <p:cNvPr id="6" name="Footer Placeholder 5"/>
           <p:cNvSpPr>
             <a:spLocks noGrp="1"/>
           </p:cNvSpPr>
@@ -2414,13 +2638,7 @@
       </p:sp>
       <p:sp>
         <p:nvSpPr>
-          <p:cNvPr id="7" name="Slide Number Placeholder 6">
-            <a:extLst>
-              <a:ext uri="{FF2B5EF4-FFF2-40B4-BE49-F238E27FC236}">
-                <a16:creationId xmlns:a16="http://schemas.microsoft.com/office/drawing/2014/main" id="{89769DF8-A499-F644-9F7F-841FD050179C}"/>
-              </a:ext>
-            </a:extLst>
-          </p:cNvPr>
+          <p:cNvPr id="7" name="Slide Number Placeholder 6"/>
           <p:cNvSpPr>
             <a:spLocks noGrp="1"/>
           </p:cNvSpPr>
@@ -2433,7 +2651,7 @@
           <a:bodyPr/>
           <a:lstStyle/>
           <a:p>
-            <a:fld id="{372F2227-CCC7-2E45-8BDC-3440C5144571}" type="slidenum">
+            <a:fld id="{304C6998-651A-4B4B-9CF8-928EFCEEC14A}" type="slidenum">
               <a:rPr lang="en-US" smtClean="0"/>
               <a:t>‹#›</a:t>
             </a:fld>
@@ -2444,7 +2662,7 @@
     </p:spTree>
     <p:extLst>
       <p:ext uri="{BB962C8B-B14F-4D97-AF65-F5344CB8AC3E}">
-        <p14:creationId xmlns:p14="http://schemas.microsoft.com/office/powerpoint/2010/main" val="2475553816"/>
+        <p14:creationId xmlns:p14="http://schemas.microsoft.com/office/powerpoint/2010/main" val="2202241830"/>
       </p:ext>
     </p:extLst>
   </p:cSld>
@@ -2473,13 +2691,7 @@
       </p:grpSpPr>
       <p:sp>
         <p:nvSpPr>
-          <p:cNvPr id="2" name="Title 1">
-            <a:extLst>
-              <a:ext uri="{FF2B5EF4-FFF2-40B4-BE49-F238E27FC236}">
-                <a16:creationId xmlns:a16="http://schemas.microsoft.com/office/drawing/2014/main" id="{83A34354-D1C4-7145-B338-747978A220BA}"/>
-              </a:ext>
-            </a:extLst>
-          </p:cNvPr>
+          <p:cNvPr id="2" name="Title 1"/>
           <p:cNvSpPr>
             <a:spLocks noGrp="1"/>
           </p:cNvSpPr>
@@ -2489,15 +2701,15 @@
         </p:nvSpPr>
         <p:spPr>
           <a:xfrm>
-            <a:off x="839788" y="457200"/>
-            <a:ext cx="3932237" cy="1600200"/>
+            <a:off x="1792288" y="4800600"/>
+            <a:ext cx="5486400" cy="566738"/>
           </a:xfrm>
         </p:spPr>
         <p:txBody>
           <a:bodyPr anchor="b"/>
           <a:lstStyle>
-            <a:lvl1pPr>
-              <a:defRPr sz="3200"/>
+            <a:lvl1pPr algn="l">
+              <a:defRPr sz="2000" b="1"/>
             </a:lvl1pPr>
           </a:lstStyle>
           <a:p>
@@ -2510,13 +2722,7 @@
       </p:sp>
       <p:sp>
         <p:nvSpPr>
-          <p:cNvPr id="3" name="Picture Placeholder 2">
-            <a:extLst>
-              <a:ext uri="{FF2B5EF4-FFF2-40B4-BE49-F238E27FC236}">
-                <a16:creationId xmlns:a16="http://schemas.microsoft.com/office/drawing/2014/main" id="{2A825E23-B30E-B748-911B-69AEB8D671CC}"/>
-              </a:ext>
-            </a:extLst>
-          </p:cNvPr>
+          <p:cNvPr id="3" name="Picture Placeholder 2"/>
           <p:cNvSpPr>
             <a:spLocks noGrp="1"/>
           </p:cNvSpPr>
@@ -2526,8 +2732,8 @@
         </p:nvSpPr>
         <p:spPr>
           <a:xfrm>
-            <a:off x="5183188" y="987425"/>
-            <a:ext cx="6172200" cy="4873625"/>
+            <a:off x="1792288" y="612775"/>
+            <a:ext cx="5486400" cy="4114800"/>
           </a:xfrm>
         </p:spPr>
         <p:txBody>
@@ -2577,13 +2783,7 @@
       </p:sp>
       <p:sp>
         <p:nvSpPr>
-          <p:cNvPr id="4" name="Text Placeholder 3">
-            <a:extLst>
-              <a:ext uri="{FF2B5EF4-FFF2-40B4-BE49-F238E27FC236}">
-                <a16:creationId xmlns:a16="http://schemas.microsoft.com/office/drawing/2014/main" id="{14A384FF-97A5-3F4A-BC4B-8667D398B9FD}"/>
-              </a:ext>
-            </a:extLst>
-          </p:cNvPr>
+          <p:cNvPr id="4" name="Text Placeholder 3"/>
           <p:cNvSpPr>
             <a:spLocks noGrp="1"/>
           </p:cNvSpPr>
@@ -2593,8 +2793,8 @@
         </p:nvSpPr>
         <p:spPr>
           <a:xfrm>
-            <a:off x="839788" y="2057400"/>
-            <a:ext cx="3932237" cy="3811588"/>
+            <a:off x="1792288" y="5367338"/>
+            <a:ext cx="5486400" cy="804862"/>
           </a:xfrm>
         </p:spPr>
         <p:txBody>
@@ -2602,59 +2802,53 @@
           <a:lstStyle>
             <a:lvl1pPr marL="0" indent="0">
               <a:buNone/>
-              <a:defRPr sz="1600"/>
+              <a:defRPr sz="1400"/>
             </a:lvl1pPr>
             <a:lvl2pPr marL="457200" indent="0">
               <a:buNone/>
-              <a:defRPr sz="1400"/>
+              <a:defRPr sz="1200"/>
             </a:lvl2pPr>
             <a:lvl3pPr marL="914400" indent="0">
               <a:buNone/>
-              <a:defRPr sz="1200"/>
+              <a:defRPr sz="1000"/>
             </a:lvl3pPr>
             <a:lvl4pPr marL="1371600" indent="0">
               <a:buNone/>
-              <a:defRPr sz="1000"/>
+              <a:defRPr sz="900"/>
             </a:lvl4pPr>
             <a:lvl5pPr marL="1828800" indent="0">
               <a:buNone/>
-              <a:defRPr sz="1000"/>
+              <a:defRPr sz="900"/>
             </a:lvl5pPr>
             <a:lvl6pPr marL="2286000" indent="0">
               <a:buNone/>
-              <a:defRPr sz="1000"/>
+              <a:defRPr sz="900"/>
             </a:lvl6pPr>
             <a:lvl7pPr marL="2743200" indent="0">
               <a:buNone/>
-              <a:defRPr sz="1000"/>
+              <a:defRPr sz="900"/>
             </a:lvl7pPr>
             <a:lvl8pPr marL="3200400" indent="0">
               <a:buNone/>
-              <a:defRPr sz="1000"/>
+              <a:defRPr sz="900"/>
             </a:lvl8pPr>
             <a:lvl9pPr marL="3657600" indent="0">
               <a:buNone/>
-              <a:defRPr sz="1000"/>
+              <a:defRPr sz="900"/>
             </a:lvl9pPr>
           </a:lstStyle>
           <a:p>
             <a:pPr lvl="0"/>
             <a:r>
               <a:rPr lang="en-US"/>
-              <a:t>Edit Master text styles</a:t>
-            </a:r>
-          </a:p>
-        </p:txBody>
-      </p:sp>
-      <p:sp>
-        <p:nvSpPr>
-          <p:cNvPr id="5" name="Date Placeholder 4">
-            <a:extLst>
-              <a:ext uri="{FF2B5EF4-FFF2-40B4-BE49-F238E27FC236}">
-                <a16:creationId xmlns:a16="http://schemas.microsoft.com/office/drawing/2014/main" id="{1B3A3E49-D155-A545-9224-2C0D28E2C874}"/>
-              </a:ext>
-            </a:extLst>
-          </p:cNvPr>
+              <a:t>Click to edit Master text styles</a:t>
+            </a:r>
+          </a:p>
+        </p:txBody>
+      </p:sp>
+      <p:sp>
+        <p:nvSpPr>
+          <p:cNvPr id="5" name="Date Placeholder 4"/>
           <p:cNvSpPr>
             <a:spLocks noGrp="1"/>
           </p:cNvSpPr>
@@ -2667,7 +2861,7 @@
           <a:bodyPr/>
           <a:lstStyle/>
           <a:p>
-            <a:fld id="{495F56DA-F8C5-B146-BF84-62C5B9E1EEC1}" type="datetimeFigureOut">
+            <a:fld id="{221F168A-3B71-2E47-9461-8E8EEA77D02C}" type="datetimeFigureOut">
               <a:rPr lang="en-US" smtClean="0"/>
               <a:t>10/29/19</a:t>
             </a:fld>
@@ -2677,13 +2871,7 @@
       </p:sp>
       <p:sp>
         <p:nvSpPr>
-          <p:cNvPr id="6" name="Footer Placeholder 5">
-            <a:extLst>
-              <a:ext uri="{FF2B5EF4-FFF2-40B4-BE49-F238E27FC236}">
-                <a16:creationId xmlns:a16="http://schemas.microsoft.com/office/drawing/2014/main" id="{6808D2CB-5D47-774D-BFA9-36C522A2ABAD}"/>
-              </a:ext>
-            </a:extLst>
-          </p:cNvPr>
+          <p:cNvPr id="6" name="Footer Placeholder 5"/>
           <p:cNvSpPr>
             <a:spLocks noGrp="1"/>
           </p:cNvSpPr>
@@ -2702,13 +2890,7 @@
       </p:sp>
       <p:sp>
         <p:nvSpPr>
-          <p:cNvPr id="7" name="Slide Number Placeholder 6">
-            <a:extLst>
-              <a:ext uri="{FF2B5EF4-FFF2-40B4-BE49-F238E27FC236}">
-                <a16:creationId xmlns:a16="http://schemas.microsoft.com/office/drawing/2014/main" id="{6AD5C63B-37D1-9644-9EF9-B341F8BB804A}"/>
-              </a:ext>
-            </a:extLst>
-          </p:cNvPr>
+          <p:cNvPr id="7" name="Slide Number Placeholder 6"/>
           <p:cNvSpPr>
             <a:spLocks noGrp="1"/>
           </p:cNvSpPr>
@@ -2721,7 +2903,7 @@
           <a:bodyPr/>
           <a:lstStyle/>
           <a:p>
-            <a:fld id="{372F2227-CCC7-2E45-8BDC-3440C5144571}" type="slidenum">
+            <a:fld id="{304C6998-651A-4B4B-9CF8-928EFCEEC14A}" type="slidenum">
               <a:rPr lang="en-US" smtClean="0"/>
               <a:t>‹#›</a:t>
             </a:fld>
@@ -2732,7 +2914,7 @@
     </p:spTree>
     <p:extLst>
       <p:ext uri="{BB962C8B-B14F-4D97-AF65-F5344CB8AC3E}">
-        <p14:creationId xmlns:p14="http://schemas.microsoft.com/office/powerpoint/2010/main" val="3417951891"/>
+        <p14:creationId xmlns:p14="http://schemas.microsoft.com/office/powerpoint/2010/main" val="1853663081"/>
       </p:ext>
     </p:extLst>
   </p:cSld>
@@ -2766,13 +2948,7 @@
       </p:grpSpPr>
       <p:sp>
         <p:nvSpPr>
-          <p:cNvPr id="2" name="Title Placeholder 1">
-            <a:extLst>
-              <a:ext uri="{FF2B5EF4-FFF2-40B4-BE49-F238E27FC236}">
-                <a16:creationId xmlns:a16="http://schemas.microsoft.com/office/drawing/2014/main" id="{17D04AFE-5D51-374D-A1AA-1D24843F2B91}"/>
-              </a:ext>
-            </a:extLst>
-          </p:cNvPr>
+          <p:cNvPr id="2" name="Title Placeholder 1"/>
           <p:cNvSpPr>
             <a:spLocks noGrp="1"/>
           </p:cNvSpPr>
@@ -2782,8 +2958,8 @@
         </p:nvSpPr>
         <p:spPr>
           <a:xfrm>
-            <a:off x="838200" y="365125"/>
-            <a:ext cx="10515600" cy="1325563"/>
+            <a:off x="457200" y="274638"/>
+            <a:ext cx="8229600" cy="1143000"/>
           </a:xfrm>
           <a:prstGeom prst="rect">
             <a:avLst/>
@@ -2796,7 +2972,7 @@
           <a:lstStyle/>
           <a:p>
             <a:r>
-              <a:rPr lang="en-US"/>
+              <a:rPr lang="en-US" dirty="0"/>
               <a:t>Click to edit Master title style</a:t>
             </a:r>
           </a:p>
@@ -2804,13 +2980,7 @@
       </p:sp>
       <p:sp>
         <p:nvSpPr>
-          <p:cNvPr id="3" name="Text Placeholder 2">
-            <a:extLst>
-              <a:ext uri="{FF2B5EF4-FFF2-40B4-BE49-F238E27FC236}">
-                <a16:creationId xmlns:a16="http://schemas.microsoft.com/office/drawing/2014/main" id="{75DADEAE-C38D-C84D-9E48-4C04B796E209}"/>
-              </a:ext>
-            </a:extLst>
-          </p:cNvPr>
+          <p:cNvPr id="3" name="Text Placeholder 2"/>
           <p:cNvSpPr>
             <a:spLocks noGrp="1"/>
           </p:cNvSpPr>
@@ -2820,8 +2990,8 @@
         </p:nvSpPr>
         <p:spPr>
           <a:xfrm>
-            <a:off x="838200" y="1825625"/>
-            <a:ext cx="10515600" cy="4351338"/>
+            <a:off x="457200" y="1600200"/>
+            <a:ext cx="8229600" cy="4525963"/>
           </a:xfrm>
           <a:prstGeom prst="rect">
             <a:avLst/>
@@ -2835,35 +3005,35 @@
           <a:p>
             <a:pPr lvl="0"/>
             <a:r>
-              <a:rPr lang="en-US"/>
-              <a:t>Edit Master text styles</a:t>
+              <a:rPr lang="en-US" dirty="0"/>
+              <a:t>Click to edit Master text styles</a:t>
             </a:r>
           </a:p>
           <a:p>
             <a:pPr lvl="1"/>
             <a:r>
-              <a:rPr lang="en-US"/>
+              <a:rPr lang="en-US" dirty="0"/>
               <a:t>Second level</a:t>
             </a:r>
           </a:p>
           <a:p>
             <a:pPr lvl="2"/>
             <a:r>
-              <a:rPr lang="en-US"/>
+              <a:rPr lang="en-US" dirty="0"/>
               <a:t>Third level</a:t>
             </a:r>
           </a:p>
           <a:p>
             <a:pPr lvl="3"/>
             <a:r>
-              <a:rPr lang="en-US"/>
+              <a:rPr lang="en-US" dirty="0"/>
               <a:t>Fourth level</a:t>
             </a:r>
           </a:p>
           <a:p>
             <a:pPr lvl="4"/>
             <a:r>
-              <a:rPr lang="en-US"/>
+              <a:rPr lang="en-US" dirty="0"/>
               <a:t>Fifth level</a:t>
             </a:r>
           </a:p>
@@ -2871,13 +3041,7 @@
       </p:sp>
       <p:sp>
         <p:nvSpPr>
-          <p:cNvPr id="4" name="Date Placeholder 3">
-            <a:extLst>
-              <a:ext uri="{FF2B5EF4-FFF2-40B4-BE49-F238E27FC236}">
-                <a16:creationId xmlns:a16="http://schemas.microsoft.com/office/drawing/2014/main" id="{23C68FE6-F311-AF4E-929D-934B431C4312}"/>
-              </a:ext>
-            </a:extLst>
-          </p:cNvPr>
+          <p:cNvPr id="4" name="Date Placeholder 3"/>
           <p:cNvSpPr>
             <a:spLocks noGrp="1"/>
           </p:cNvSpPr>
@@ -2887,8 +3051,8 @@
         </p:nvSpPr>
         <p:spPr>
           <a:xfrm>
-            <a:off x="838200" y="6356350"/>
-            <a:ext cx="2743200" cy="365125"/>
+            <a:off x="457200" y="6356350"/>
+            <a:ext cx="2133600" cy="365125"/>
           </a:xfrm>
           <a:prstGeom prst="rect">
             <a:avLst/>
@@ -2908,7 +3072,7 @@
             </a:lvl1pPr>
           </a:lstStyle>
           <a:p>
-            <a:fld id="{495F56DA-F8C5-B146-BF84-62C5B9E1EEC1}" type="datetimeFigureOut">
+            <a:fld id="{221F168A-3B71-2E47-9461-8E8EEA77D02C}" type="datetimeFigureOut">
               <a:rPr lang="en-US" smtClean="0"/>
               <a:t>10/29/19</a:t>
             </a:fld>
@@ -2918,13 +3082,7 @@
       </p:sp>
       <p:sp>
         <p:nvSpPr>
-          <p:cNvPr id="5" name="Footer Placeholder 4">
-            <a:extLst>
-              <a:ext uri="{FF2B5EF4-FFF2-40B4-BE49-F238E27FC236}">
-                <a16:creationId xmlns:a16="http://schemas.microsoft.com/office/drawing/2014/main" id="{C1D4030A-044B-9D4C-8F1C-3447E3736275}"/>
-              </a:ext>
-            </a:extLst>
-          </p:cNvPr>
+          <p:cNvPr id="5" name="Footer Placeholder 4"/>
           <p:cNvSpPr>
             <a:spLocks noGrp="1"/>
           </p:cNvSpPr>
@@ -2934,8 +3092,8 @@
         </p:nvSpPr>
         <p:spPr>
           <a:xfrm>
-            <a:off x="4038600" y="6356350"/>
-            <a:ext cx="4114800" cy="365125"/>
+            <a:off x="3124200" y="6356350"/>
+            <a:ext cx="2895600" cy="365125"/>
           </a:xfrm>
           <a:prstGeom prst="rect">
             <a:avLst/>
@@ -2961,13 +3119,7 @@
       </p:sp>
       <p:sp>
         <p:nvSpPr>
-          <p:cNvPr id="6" name="Slide Number Placeholder 5">
-            <a:extLst>
-              <a:ext uri="{FF2B5EF4-FFF2-40B4-BE49-F238E27FC236}">
-                <a16:creationId xmlns:a16="http://schemas.microsoft.com/office/drawing/2014/main" id="{0521A44D-6DAF-204A-9701-E0A1F66F5025}"/>
-              </a:ext>
-            </a:extLst>
-          </p:cNvPr>
+          <p:cNvPr id="6" name="Slide Number Placeholder 5"/>
           <p:cNvSpPr>
             <a:spLocks noGrp="1"/>
           </p:cNvSpPr>
@@ -2977,8 +3129,8 @@
         </p:nvSpPr>
         <p:spPr>
           <a:xfrm>
-            <a:off x="8610600" y="6356350"/>
-            <a:ext cx="2743200" cy="365125"/>
+            <a:off x="6553200" y="6356350"/>
+            <a:ext cx="2133600" cy="365125"/>
           </a:xfrm>
           <a:prstGeom prst="rect">
             <a:avLst/>
@@ -2998,7 +3150,7 @@
             </a:lvl1pPr>
           </a:lstStyle>
           <a:p>
-            <a:fld id="{372F2227-CCC7-2E45-8BDC-3440C5144571}" type="slidenum">
+            <a:fld id="{304C6998-651A-4B4B-9CF8-928EFCEEC14A}" type="slidenum">
               <a:rPr lang="en-US" smtClean="0"/>
               <a:t>‹#›</a:t>
             </a:fld>
@@ -3009,7 +3161,7 @@
     </p:spTree>
     <p:extLst>
       <p:ext uri="{BB962C8B-B14F-4D97-AF65-F5344CB8AC3E}">
-        <p14:creationId xmlns:p14="http://schemas.microsoft.com/office/powerpoint/2010/main" val="2072955760"/>
+        <p14:creationId xmlns:p14="http://schemas.microsoft.com/office/powerpoint/2010/main" val="3136726680"/>
       </p:ext>
     </p:extLst>
   </p:cSld>
@@ -3029,15 +3181,12 @@
   </p:sldLayoutIdLst>
   <p:txStyles>
     <p:titleStyle>
-      <a:lvl1pPr algn="l" defTabSz="914400" rtl="0" eaLnBrk="1" latinLnBrk="0" hangingPunct="1">
-        <a:lnSpc>
-          <a:spcPct val="90000"/>
-        </a:lnSpc>
+      <a:lvl1pPr algn="ctr" defTabSz="457200" rtl="0" eaLnBrk="1" latinLnBrk="0" hangingPunct="1">
         <a:spcBef>
           <a:spcPct val="0"/>
         </a:spcBef>
         <a:buNone/>
-        <a:defRPr sz="4400" kern="1200">
+        <a:defRPr sz="4000" b="1" kern="1200">
           <a:solidFill>
             <a:schemeClr val="tx1"/>
           </a:solidFill>
@@ -3048,32 +3197,11 @@
       </a:lvl1pPr>
     </p:titleStyle>
     <p:bodyStyle>
-      <a:lvl1pPr marL="228600" indent="-228600" algn="l" defTabSz="914400" rtl="0" eaLnBrk="1" latinLnBrk="0" hangingPunct="1">
-        <a:lnSpc>
-          <a:spcPct val="90000"/>
-        </a:lnSpc>
+      <a:lvl1pPr marL="342900" indent="-342900" algn="l" defTabSz="457200" rtl="0" eaLnBrk="1" latinLnBrk="0" hangingPunct="1">
         <a:spcBef>
-          <a:spcPts val="1000"/>
+          <a:spcPct val="20000"/>
         </a:spcBef>
-        <a:buFont typeface="Arial" panose="020B0604020202020204" pitchFamily="34" charset="0"/>
-        <a:buChar char="•"/>
-        <a:defRPr sz="2800" kern="1200">
-          <a:solidFill>
-            <a:schemeClr val="tx1"/>
-          </a:solidFill>
-          <a:latin typeface="+mn-lt"/>
-          <a:ea typeface="+mn-ea"/>
-          <a:cs typeface="+mn-cs"/>
-        </a:defRPr>
-      </a:lvl1pPr>
-      <a:lvl2pPr marL="685800" indent="-228600" algn="l" defTabSz="914400" rtl="0" eaLnBrk="1" latinLnBrk="0" hangingPunct="1">
-        <a:lnSpc>
-          <a:spcPct val="90000"/>
-        </a:lnSpc>
-        <a:spcBef>
-          <a:spcPts val="500"/>
-        </a:spcBef>
-        <a:buFont typeface="Arial" panose="020B0604020202020204" pitchFamily="34" charset="0"/>
+        <a:buFont typeface="Arial"/>
         <a:buChar char="•"/>
         <a:defRPr sz="2400" kern="1200">
           <a:solidFill>
@@ -3083,15 +3211,72 @@
           <a:ea typeface="+mn-ea"/>
           <a:cs typeface="+mn-cs"/>
         </a:defRPr>
+      </a:lvl1pPr>
+      <a:lvl2pPr marL="742950" indent="-285750" algn="l" defTabSz="457200" rtl="0" eaLnBrk="1" latinLnBrk="0" hangingPunct="1">
+        <a:spcBef>
+          <a:spcPct val="20000"/>
+        </a:spcBef>
+        <a:buFont typeface="Arial"/>
+        <a:buChar char="–"/>
+        <a:defRPr sz="2400" kern="1200">
+          <a:solidFill>
+            <a:schemeClr val="tx1"/>
+          </a:solidFill>
+          <a:latin typeface="+mn-lt"/>
+          <a:ea typeface="+mn-ea"/>
+          <a:cs typeface="+mn-cs"/>
+        </a:defRPr>
       </a:lvl2pPr>
-      <a:lvl3pPr marL="1143000" indent="-228600" algn="l" defTabSz="914400" rtl="0" eaLnBrk="1" latinLnBrk="0" hangingPunct="1">
-        <a:lnSpc>
-          <a:spcPct val="90000"/>
-        </a:lnSpc>
+      <a:lvl3pPr marL="1143000" indent="-228600" algn="l" defTabSz="457200" rtl="0" eaLnBrk="1" latinLnBrk="0" hangingPunct="1">
         <a:spcBef>
-          <a:spcPts val="500"/>
+          <a:spcPct val="20000"/>
         </a:spcBef>
-        <a:buFont typeface="Arial" panose="020B0604020202020204" pitchFamily="34" charset="0"/>
+        <a:buFont typeface="Arial"/>
+        <a:buChar char="•"/>
+        <a:defRPr sz="2400" kern="1200">
+          <a:solidFill>
+            <a:schemeClr val="tx1"/>
+          </a:solidFill>
+          <a:latin typeface="+mn-lt"/>
+          <a:ea typeface="+mn-ea"/>
+          <a:cs typeface="+mn-cs"/>
+        </a:defRPr>
+      </a:lvl3pPr>
+      <a:lvl4pPr marL="1600200" indent="-228600" algn="l" defTabSz="457200" rtl="0" eaLnBrk="1" latinLnBrk="0" hangingPunct="1">
+        <a:spcBef>
+          <a:spcPct val="20000"/>
+        </a:spcBef>
+        <a:buFont typeface="Arial"/>
+        <a:buChar char="–"/>
+        <a:defRPr sz="2400" kern="1200">
+          <a:solidFill>
+            <a:schemeClr val="tx1"/>
+          </a:solidFill>
+          <a:latin typeface="+mn-lt"/>
+          <a:ea typeface="+mn-ea"/>
+          <a:cs typeface="+mn-cs"/>
+        </a:defRPr>
+      </a:lvl4pPr>
+      <a:lvl5pPr marL="2057400" indent="-228600" algn="l" defTabSz="457200" rtl="0" eaLnBrk="1" latinLnBrk="0" hangingPunct="1">
+        <a:spcBef>
+          <a:spcPct val="20000"/>
+        </a:spcBef>
+        <a:buFont typeface="Arial"/>
+        <a:buChar char="»"/>
+        <a:defRPr sz="2400" kern="1200">
+          <a:solidFill>
+            <a:schemeClr val="tx1"/>
+          </a:solidFill>
+          <a:latin typeface="+mn-lt"/>
+          <a:ea typeface="+mn-ea"/>
+          <a:cs typeface="+mn-cs"/>
+        </a:defRPr>
+      </a:lvl5pPr>
+      <a:lvl6pPr marL="2514600" indent="-228600" algn="l" defTabSz="457200" rtl="0" eaLnBrk="1" latinLnBrk="0" hangingPunct="1">
+        <a:spcBef>
+          <a:spcPct val="20000"/>
+        </a:spcBef>
+        <a:buFont typeface="Arial"/>
         <a:buChar char="•"/>
         <a:defRPr sz="2000" kern="1200">
           <a:solidFill>
@@ -3101,71 +3286,14 @@
           <a:ea typeface="+mn-ea"/>
           <a:cs typeface="+mn-cs"/>
         </a:defRPr>
-      </a:lvl3pPr>
-      <a:lvl4pPr marL="1600200" indent="-228600" algn="l" defTabSz="914400" rtl="0" eaLnBrk="1" latinLnBrk="0" hangingPunct="1">
-        <a:lnSpc>
-          <a:spcPct val="90000"/>
-        </a:lnSpc>
+      </a:lvl6pPr>
+      <a:lvl7pPr marL="2971800" indent="-228600" algn="l" defTabSz="457200" rtl="0" eaLnBrk="1" latinLnBrk="0" hangingPunct="1">
         <a:spcBef>
-          <a:spcPts val="500"/>
+          <a:spcPct val="20000"/>
         </a:spcBef>
-        <a:buFont typeface="Arial" panose="020B0604020202020204" pitchFamily="34" charset="0"/>
+        <a:buFont typeface="Arial"/>
         <a:buChar char="•"/>
-        <a:defRPr sz="1800" kern="1200">
-          <a:solidFill>
-            <a:schemeClr val="tx1"/>
-          </a:solidFill>
-          <a:latin typeface="+mn-lt"/>
-          <a:ea typeface="+mn-ea"/>
-          <a:cs typeface="+mn-cs"/>
-        </a:defRPr>
-      </a:lvl4pPr>
-      <a:lvl5pPr marL="2057400" indent="-228600" algn="l" defTabSz="914400" rtl="0" eaLnBrk="1" latinLnBrk="0" hangingPunct="1">
-        <a:lnSpc>
-          <a:spcPct val="90000"/>
-        </a:lnSpc>
-        <a:spcBef>
-          <a:spcPts val="500"/>
-        </a:spcBef>
-        <a:buFont typeface="Arial" panose="020B0604020202020204" pitchFamily="34" charset="0"/>
-        <a:buChar char="•"/>
-        <a:defRPr sz="1800" kern="1200">
-          <a:solidFill>
-            <a:schemeClr val="tx1"/>
-          </a:solidFill>
-          <a:latin typeface="+mn-lt"/>
-          <a:ea typeface="+mn-ea"/>
-          <a:cs typeface="+mn-cs"/>
-        </a:defRPr>
-      </a:lvl5pPr>
-      <a:lvl6pPr marL="2514600" indent="-228600" algn="l" defTabSz="914400" rtl="0" eaLnBrk="1" latinLnBrk="0" hangingPunct="1">
-        <a:lnSpc>
-          <a:spcPct val="90000"/>
-        </a:lnSpc>
-        <a:spcBef>
-          <a:spcPts val="500"/>
-        </a:spcBef>
-        <a:buFont typeface="Arial" panose="020B0604020202020204" pitchFamily="34" charset="0"/>
-        <a:buChar char="•"/>
-        <a:defRPr sz="1800" kern="1200">
-          <a:solidFill>
-            <a:schemeClr val="tx1"/>
-          </a:solidFill>
-          <a:latin typeface="+mn-lt"/>
-          <a:ea typeface="+mn-ea"/>
-          <a:cs typeface="+mn-cs"/>
-        </a:defRPr>
-      </a:lvl6pPr>
-      <a:lvl7pPr marL="2971800" indent="-228600" algn="l" defTabSz="914400" rtl="0" eaLnBrk="1" latinLnBrk="0" hangingPunct="1">
-        <a:lnSpc>
-          <a:spcPct val="90000"/>
-        </a:lnSpc>
-        <a:spcBef>
-          <a:spcPts val="500"/>
-        </a:spcBef>
-        <a:buFont typeface="Arial" panose="020B0604020202020204" pitchFamily="34" charset="0"/>
-        <a:buChar char="•"/>
-        <a:defRPr sz="1800" kern="1200">
+        <a:defRPr sz="2000" kern="1200">
           <a:solidFill>
             <a:schemeClr val="tx1"/>
           </a:solidFill>
@@ -3174,16 +3302,13 @@
           <a:cs typeface="+mn-cs"/>
         </a:defRPr>
       </a:lvl7pPr>
-      <a:lvl8pPr marL="3429000" indent="-228600" algn="l" defTabSz="914400" rtl="0" eaLnBrk="1" latinLnBrk="0" hangingPunct="1">
-        <a:lnSpc>
-          <a:spcPct val="90000"/>
-        </a:lnSpc>
+      <a:lvl8pPr marL="3429000" indent="-228600" algn="l" defTabSz="457200" rtl="0" eaLnBrk="1" latinLnBrk="0" hangingPunct="1">
         <a:spcBef>
-          <a:spcPts val="500"/>
+          <a:spcPct val="20000"/>
         </a:spcBef>
-        <a:buFont typeface="Arial" panose="020B0604020202020204" pitchFamily="34" charset="0"/>
+        <a:buFont typeface="Arial"/>
         <a:buChar char="•"/>
-        <a:defRPr sz="1800" kern="1200">
+        <a:defRPr sz="2000" kern="1200">
           <a:solidFill>
             <a:schemeClr val="tx1"/>
           </a:solidFill>
@@ -3192,16 +3317,13 @@
           <a:cs typeface="+mn-cs"/>
         </a:defRPr>
       </a:lvl8pPr>
-      <a:lvl9pPr marL="3886200" indent="-228600" algn="l" defTabSz="914400" rtl="0" eaLnBrk="1" latinLnBrk="0" hangingPunct="1">
-        <a:lnSpc>
-          <a:spcPct val="90000"/>
-        </a:lnSpc>
+      <a:lvl9pPr marL="3886200" indent="-228600" algn="l" defTabSz="457200" rtl="0" eaLnBrk="1" latinLnBrk="0" hangingPunct="1">
         <a:spcBef>
-          <a:spcPts val="500"/>
+          <a:spcPct val="20000"/>
         </a:spcBef>
-        <a:buFont typeface="Arial" panose="020B0604020202020204" pitchFamily="34" charset="0"/>
+        <a:buFont typeface="Arial"/>
         <a:buChar char="•"/>
-        <a:defRPr sz="1800" kern="1200">
+        <a:defRPr sz="2000" kern="1200">
           <a:solidFill>
             <a:schemeClr val="tx1"/>
           </a:solidFill>
@@ -3215,7 +3337,7 @@
       <a:defPPr>
         <a:defRPr lang="en-US"/>
       </a:defPPr>
-      <a:lvl1pPr marL="0" algn="l" defTabSz="914400" rtl="0" eaLnBrk="1" latinLnBrk="0" hangingPunct="1">
+      <a:lvl1pPr marL="0" algn="l" defTabSz="457200" rtl="0" eaLnBrk="1" latinLnBrk="0" hangingPunct="1">
         <a:defRPr sz="1800" kern="1200">
           <a:solidFill>
             <a:schemeClr val="tx1"/>
@@ -3225,7 +3347,7 @@
           <a:cs typeface="+mn-cs"/>
         </a:defRPr>
       </a:lvl1pPr>
-      <a:lvl2pPr marL="457200" algn="l" defTabSz="914400" rtl="0" eaLnBrk="1" latinLnBrk="0" hangingPunct="1">
+      <a:lvl2pPr marL="457200" algn="l" defTabSz="457200" rtl="0" eaLnBrk="1" latinLnBrk="0" hangingPunct="1">
         <a:defRPr sz="1800" kern="1200">
           <a:solidFill>
             <a:schemeClr val="tx1"/>
@@ -3235,7 +3357,7 @@
           <a:cs typeface="+mn-cs"/>
         </a:defRPr>
       </a:lvl2pPr>
-      <a:lvl3pPr marL="914400" algn="l" defTabSz="914400" rtl="0" eaLnBrk="1" latinLnBrk="0" hangingPunct="1">
+      <a:lvl3pPr marL="914400" algn="l" defTabSz="457200" rtl="0" eaLnBrk="1" latinLnBrk="0" hangingPunct="1">
         <a:defRPr sz="1800" kern="1200">
           <a:solidFill>
             <a:schemeClr val="tx1"/>
@@ -3245,7 +3367,7 @@
           <a:cs typeface="+mn-cs"/>
         </a:defRPr>
       </a:lvl3pPr>
-      <a:lvl4pPr marL="1371600" algn="l" defTabSz="914400" rtl="0" eaLnBrk="1" latinLnBrk="0" hangingPunct="1">
+      <a:lvl4pPr marL="1371600" algn="l" defTabSz="457200" rtl="0" eaLnBrk="1" latinLnBrk="0" hangingPunct="1">
         <a:defRPr sz="1800" kern="1200">
           <a:solidFill>
             <a:schemeClr val="tx1"/>
@@ -3255,7 +3377,7 @@
           <a:cs typeface="+mn-cs"/>
         </a:defRPr>
       </a:lvl4pPr>
-      <a:lvl5pPr marL="1828800" algn="l" defTabSz="914400" rtl="0" eaLnBrk="1" latinLnBrk="0" hangingPunct="1">
+      <a:lvl5pPr marL="1828800" algn="l" defTabSz="457200" rtl="0" eaLnBrk="1" latinLnBrk="0" hangingPunct="1">
         <a:defRPr sz="1800" kern="1200">
           <a:solidFill>
             <a:schemeClr val="tx1"/>
@@ -3265,7 +3387,7 @@
           <a:cs typeface="+mn-cs"/>
         </a:defRPr>
       </a:lvl5pPr>
-      <a:lvl6pPr marL="2286000" algn="l" defTabSz="914400" rtl="0" eaLnBrk="1" latinLnBrk="0" hangingPunct="1">
+      <a:lvl6pPr marL="2286000" algn="l" defTabSz="457200" rtl="0" eaLnBrk="1" latinLnBrk="0" hangingPunct="1">
         <a:defRPr sz="1800" kern="1200">
           <a:solidFill>
             <a:schemeClr val="tx1"/>
@@ -3275,7 +3397,7 @@
           <a:cs typeface="+mn-cs"/>
         </a:defRPr>
       </a:lvl6pPr>
-      <a:lvl7pPr marL="2743200" algn="l" defTabSz="914400" rtl="0" eaLnBrk="1" latinLnBrk="0" hangingPunct="1">
+      <a:lvl7pPr marL="2743200" algn="l" defTabSz="457200" rtl="0" eaLnBrk="1" latinLnBrk="0" hangingPunct="1">
         <a:defRPr sz="1800" kern="1200">
           <a:solidFill>
             <a:schemeClr val="tx1"/>
@@ -3285,7 +3407,7 @@
           <a:cs typeface="+mn-cs"/>
         </a:defRPr>
       </a:lvl7pPr>
-      <a:lvl8pPr marL="3200400" algn="l" defTabSz="914400" rtl="0" eaLnBrk="1" latinLnBrk="0" hangingPunct="1">
+      <a:lvl8pPr marL="3200400" algn="l" defTabSz="457200" rtl="0" eaLnBrk="1" latinLnBrk="0" hangingPunct="1">
         <a:defRPr sz="1800" kern="1200">
           <a:solidFill>
             <a:schemeClr val="tx1"/>
@@ -3295,7 +3417,7 @@
           <a:cs typeface="+mn-cs"/>
         </a:defRPr>
       </a:lvl8pPr>
-      <a:lvl9pPr marL="3657600" algn="l" defTabSz="914400" rtl="0" eaLnBrk="1" latinLnBrk="0" hangingPunct="1">
+      <a:lvl9pPr marL="3657600" algn="l" defTabSz="457200" rtl="0" eaLnBrk="1" latinLnBrk="0" hangingPunct="1">
         <a:defRPr sz="1800" kern="1200">
           <a:solidFill>
             <a:schemeClr val="tx1"/>
@@ -3329,78 +3451,145 @@
       </p:grpSpPr>
       <p:sp>
         <p:nvSpPr>
-          <p:cNvPr id="2" name="Title 1">
+          <p:cNvPr id="2" name="Title 1"/>
+          <p:cNvSpPr>
+            <a:spLocks noGrp="1"/>
+          </p:cNvSpPr>
+          <p:nvPr>
+            <p:ph type="ctrTitle"/>
+          </p:nvPr>
+        </p:nvSpPr>
+        <p:spPr>
+          <a:xfrm>
+            <a:off x="675752" y="1096716"/>
+            <a:ext cx="7772400" cy="1470025"/>
+          </a:xfrm>
+        </p:spPr>
+        <p:txBody>
+          <a:bodyPr>
+            <a:normAutofit/>
+          </a:bodyPr>
+          <a:lstStyle/>
+          <a:p>
+            <a:r>
+              <a:rPr lang="en-US" dirty="0"/>
+              <a:t>Integrating single cell gene expression datasets</a:t>
+            </a:r>
+            <a:endParaRPr lang="en-US" b="1" dirty="0"/>
+          </a:p>
+        </p:txBody>
+      </p:sp>
+      <p:sp>
+        <p:nvSpPr>
+          <p:cNvPr id="5" name="TextBox 4">
             <a:extLst>
               <a:ext uri="{FF2B5EF4-FFF2-40B4-BE49-F238E27FC236}">
-                <a16:creationId xmlns:a16="http://schemas.microsoft.com/office/drawing/2014/main" id="{82DBE373-8BB1-314B-ACDD-150BEFDFA3BE}"/>
+                <a16:creationId xmlns:a16="http://schemas.microsoft.com/office/drawing/2014/main" id="{35460C32-182E-0846-A876-F0EC626E366A}"/>
               </a:ext>
             </a:extLst>
           </p:cNvPr>
-          <p:cNvSpPr>
-            <a:spLocks noGrp="1"/>
-          </p:cNvSpPr>
-          <p:nvPr>
-            <p:ph type="ctrTitle"/>
-          </p:nvPr>
-        </p:nvSpPr>
-        <p:spPr/>
-        <p:txBody>
-          <a:bodyPr>
-            <a:normAutofit/>
+          <p:cNvSpPr txBox="1"/>
+          <p:nvPr/>
+        </p:nvSpPr>
+        <p:spPr>
+          <a:xfrm>
+            <a:off x="3736726" y="4754736"/>
+            <a:ext cx="1650452" cy="461665"/>
+          </a:xfrm>
+          <a:prstGeom prst="rect">
+            <a:avLst/>
+          </a:prstGeom>
+          <a:noFill/>
+        </p:spPr>
+        <p:txBody>
+          <a:bodyPr wrap="none" rtlCol="0">
+            <a:spAutoFit/>
           </a:bodyPr>
           <a:lstStyle/>
           <a:p>
-            <a:r>
-              <a:rPr lang="en-US" dirty="0"/>
-              <a:t>Integrating single cell gene expression datasets</a:t>
-            </a:r>
-          </a:p>
-        </p:txBody>
-      </p:sp>
-      <p:sp>
-        <p:nvSpPr>
-          <p:cNvPr id="3" name="Subtitle 2">
+            <a:pPr algn="ctr"/>
+            <a:r>
+              <a:rPr lang="en-US" sz="2400" dirty="0"/>
+              <a:t>Nov. 5 2019</a:t>
+            </a:r>
+          </a:p>
+        </p:txBody>
+      </p:sp>
+      <p:sp>
+        <p:nvSpPr>
+          <p:cNvPr id="7" name="Rectangle 6">
             <a:extLst>
               <a:ext uri="{FF2B5EF4-FFF2-40B4-BE49-F238E27FC236}">
-                <a16:creationId xmlns:a16="http://schemas.microsoft.com/office/drawing/2014/main" id="{EA4C32B5-B931-C146-96B4-FD87691C052F}"/>
+                <a16:creationId xmlns:a16="http://schemas.microsoft.com/office/drawing/2014/main" id="{4E5F7462-ABBC-F14B-8DB9-14F44974B22B}"/>
               </a:ext>
             </a:extLst>
           </p:cNvPr>
           <p:cNvSpPr>
-            <a:spLocks noGrp="1"/>
-          </p:cNvSpPr>
-          <p:nvPr>
-            <p:ph type="subTitle" idx="1"/>
-          </p:nvPr>
-        </p:nvSpPr>
-        <p:spPr/>
-        <p:txBody>
-          <a:bodyPr/>
-          <a:lstStyle/>
-          <a:p>
-            <a:r>
-              <a:rPr lang="en-US" dirty="0"/>
-              <a:t>Special Topics in Computational Network Biology</a:t>
-            </a:r>
-          </a:p>
-          <a:p>
-            <a:r>
-              <a:rPr lang="en-US" dirty="0"/>
-              <a:t>Nov. 5 2019</a:t>
-            </a:r>
-          </a:p>
-          <a:p>
-            <a:r>
-              <a:rPr lang="en-US" dirty="0"/>
-              <a:t>Erika Lee</a:t>
-            </a:r>
+            <a:spLocks noChangeArrowheads="1"/>
+          </p:cNvSpPr>
+          <p:nvPr/>
+        </p:nvSpPr>
+        <p:spPr bwMode="auto">
+          <a:xfrm>
+            <a:off x="268732" y="2899855"/>
+            <a:ext cx="8586440" cy="1752600"/>
+          </a:xfrm>
+          <a:prstGeom prst="rect">
+            <a:avLst/>
+          </a:prstGeom>
+          <a:noFill/>
+          <a:ln w="9525">
+            <a:noFill/>
+            <a:miter lim="800000"/>
+            <a:headEnd/>
+            <a:tailEnd/>
+          </a:ln>
+          <a:effectLst/>
+        </p:spPr>
+        <p:txBody>
+          <a:bodyPr>
+            <a:prstTxWarp prst="textNoShape">
+              <a:avLst/>
+            </a:prstTxWarp>
+          </a:bodyPr>
+          <a:lstStyle/>
+          <a:p>
+            <a:pPr algn="ctr"/>
+            <a:r>
+              <a:rPr lang="en-US" sz="2400" dirty="0"/>
+              <a:t>BMI 826-23/CS 838 Computational Network Biology</a:t>
+            </a:r>
+            <a:br>
+              <a:rPr lang="en-US" sz="2400" dirty="0"/>
+            </a:br>
+            <a:r>
+              <a:rPr lang="en-US" sz="2400" dirty="0"/>
+              <a:t>Fall 2019</a:t>
+            </a:r>
+          </a:p>
+          <a:p>
+            <a:pPr algn="ctr"/>
+            <a:r>
+              <a:rPr lang="en-US" sz="2400" dirty="0"/>
+              <a:t>Erika Da-Inn Lee</a:t>
+            </a:r>
+          </a:p>
+          <a:p>
+            <a:pPr algn="ctr"/>
+            <a:r>
+              <a:rPr lang="en-US" sz="2400" dirty="0">
+                <a:hlinkClick r:id="rId2"/>
+              </a:rPr>
+              <a:t>https://compnetbiocourse.discovery.wisc.edu</a:t>
+            </a:r>
+            <a:endParaRPr lang="en-US" sz="2400" dirty="0"/>
           </a:p>
         </p:txBody>
       </p:sp>
     </p:spTree>
     <p:extLst>
       <p:ext uri="{BB962C8B-B14F-4D97-AF65-F5344CB8AC3E}">
-        <p14:creationId xmlns:p14="http://schemas.microsoft.com/office/powerpoint/2010/main" val="1530901874"/>
+        <p14:creationId xmlns:p14="http://schemas.microsoft.com/office/powerpoint/2010/main" val="3778063402"/>
       </p:ext>
     </p:extLst>
   </p:cSld>
@@ -3429,13 +3618,7 @@
       </p:grpSpPr>
       <p:sp>
         <p:nvSpPr>
-          <p:cNvPr id="2" name="Title 1">
-            <a:extLst>
-              <a:ext uri="{FF2B5EF4-FFF2-40B4-BE49-F238E27FC236}">
-                <a16:creationId xmlns:a16="http://schemas.microsoft.com/office/drawing/2014/main" id="{69D26D8D-5F70-0744-AEC8-5CA4D13624B6}"/>
-              </a:ext>
-            </a:extLst>
-          </p:cNvPr>
+          <p:cNvPr id="2" name="Title 1"/>
           <p:cNvSpPr>
             <a:spLocks noGrp="1"/>
           </p:cNvSpPr>
@@ -3450,20 +3633,14 @@
           <a:p>
             <a:r>
               <a:rPr lang="en-US" dirty="0"/>
-              <a:t>Goals</a:t>
-            </a:r>
-          </a:p>
-        </p:txBody>
-      </p:sp>
-      <p:sp>
-        <p:nvSpPr>
-          <p:cNvPr id="3" name="Content Placeholder 2">
-            <a:extLst>
-              <a:ext uri="{FF2B5EF4-FFF2-40B4-BE49-F238E27FC236}">
-                <a16:creationId xmlns:a16="http://schemas.microsoft.com/office/drawing/2014/main" id="{F5B1319F-AA6F-FE44-81BE-885AF27A78F5}"/>
-              </a:ext>
-            </a:extLst>
-          </p:cNvPr>
+              <a:t>Goals for today</a:t>
+            </a:r>
+          </a:p>
+        </p:txBody>
+      </p:sp>
+      <p:sp>
+        <p:nvSpPr>
+          <p:cNvPr id="3" name="Content Placeholder 2"/>
           <p:cNvSpPr>
             <a:spLocks noGrp="1"/>
           </p:cNvSpPr>
@@ -3473,18 +3650,16 @@
         </p:nvSpPr>
         <p:spPr>
           <a:xfrm>
-            <a:off x="838200" y="1825625"/>
-            <a:ext cx="10155865" cy="4351338"/>
+            <a:off x="457200" y="1690635"/>
+            <a:ext cx="8229600" cy="4525963"/>
           </a:xfrm>
         </p:spPr>
         <p:txBody>
-          <a:bodyPr>
-            <a:normAutofit/>
-          </a:bodyPr>
-          <a:lstStyle/>
-          <a:p>
-            <a:r>
-              <a:rPr lang="en-US" sz="2400" dirty="0"/>
+          <a:bodyPr/>
+          <a:lstStyle/>
+          <a:p>
+            <a:r>
+              <a:rPr lang="en-US" dirty="0"/>
               <a:t>Biological aim: </a:t>
             </a:r>
           </a:p>
@@ -3498,11 +3673,11 @@
             </a:r>
           </a:p>
           <a:p>
-            <a:endParaRPr lang="en-US" sz="2400" dirty="0"/>
-          </a:p>
-          <a:p>
-            <a:r>
-              <a:rPr lang="en-US" sz="2400" dirty="0"/>
+            <a:endParaRPr lang="en-US" dirty="0"/>
+          </a:p>
+          <a:p>
+            <a:r>
+              <a:rPr lang="en-US" dirty="0"/>
               <a:t>Computational aim: </a:t>
             </a:r>
           </a:p>
@@ -3512,15 +3687,21 @@
             </a:pPr>
             <a:r>
               <a:rPr lang="en-US" dirty="0"/>
-              <a:t>Understand strategies for integrating single cell gene expression datasets from different experiments/timepoints/contexts</a:t>
-            </a:r>
+              <a:t>Understand strategies for integrating single cell gene expression datasets from different experiments/timepoints/ contexts</a:t>
+            </a:r>
+          </a:p>
+          <a:p>
+            <a:pPr marL="0" indent="0">
+              <a:buNone/>
+            </a:pPr>
+            <a:endParaRPr lang="en-US" dirty="0"/>
           </a:p>
         </p:txBody>
       </p:sp>
     </p:spTree>
     <p:extLst>
       <p:ext uri="{BB962C8B-B14F-4D97-AF65-F5344CB8AC3E}">
-        <p14:creationId xmlns:p14="http://schemas.microsoft.com/office/powerpoint/2010/main" val="1947180426"/>
+        <p14:creationId xmlns:p14="http://schemas.microsoft.com/office/powerpoint/2010/main" val="281363908"/>
       </p:ext>
     </p:extLst>
   </p:cSld>
@@ -3549,40 +3730,41 @@
       </p:grpSpPr>
       <p:sp>
         <p:nvSpPr>
-          <p:cNvPr id="2" name="Title 1">
+          <p:cNvPr id="2" name="Title 1"/>
+          <p:cNvSpPr>
+            <a:spLocks noGrp="1"/>
+          </p:cNvSpPr>
+          <p:nvPr>
+            <p:ph type="title"/>
+          </p:nvPr>
+        </p:nvSpPr>
+        <p:spPr/>
+        <p:txBody>
+          <a:bodyPr>
+            <a:normAutofit fontScale="90000"/>
+          </a:bodyPr>
+          <a:lstStyle/>
+          <a:p>
+            <a:r>
+              <a:rPr lang="en-US" dirty="0"/>
+              <a:t>Biological background: </a:t>
+            </a:r>
+            <a:br>
+              <a:rPr lang="en-US" dirty="0"/>
+            </a:br>
+            <a:r>
+              <a:rPr lang="en-US" dirty="0"/>
+              <a:t>pluripotency &amp; reprogramming</a:t>
+            </a:r>
+          </a:p>
+        </p:txBody>
+      </p:sp>
+      <p:pic>
+        <p:nvPicPr>
+          <p:cNvPr id="6" name="Picture 5">
             <a:extLst>
               <a:ext uri="{FF2B5EF4-FFF2-40B4-BE49-F238E27FC236}">
-                <a16:creationId xmlns:a16="http://schemas.microsoft.com/office/drawing/2014/main" id="{E0CE1957-F8B1-DB48-9B0B-43B1582D8DF0}"/>
-              </a:ext>
-            </a:extLst>
-          </p:cNvPr>
-          <p:cNvSpPr>
-            <a:spLocks noGrp="1"/>
-          </p:cNvSpPr>
-          <p:nvPr>
-            <p:ph type="title"/>
-          </p:nvPr>
-        </p:nvSpPr>
-        <p:spPr/>
-        <p:txBody>
-          <a:bodyPr>
-            <a:normAutofit/>
-          </a:bodyPr>
-          <a:lstStyle/>
-          <a:p>
-            <a:r>
-              <a:rPr lang="en-US" sz="4000" dirty="0"/>
-              <a:t>Biological background: pluripotency reprogramming</a:t>
-            </a:r>
-          </a:p>
-        </p:txBody>
-      </p:sp>
-      <p:pic>
-        <p:nvPicPr>
-          <p:cNvPr id="9" name="Picture 8">
-            <a:extLst>
-              <a:ext uri="{FF2B5EF4-FFF2-40B4-BE49-F238E27FC236}">
-                <a16:creationId xmlns:a16="http://schemas.microsoft.com/office/drawing/2014/main" id="{AD2C99B2-54C4-6643-B2F6-30483324E476}"/>
+                <a16:creationId xmlns:a16="http://schemas.microsoft.com/office/drawing/2014/main" id="{0F6BE3C7-AEC3-3C44-9DC3-6B589E4942EB}"/>
               </a:ext>
             </a:extLst>
           </p:cNvPr>
@@ -3599,8 +3781,8 @@
         </p:blipFill>
         <p:spPr>
           <a:xfrm>
-            <a:off x="2000100" y="1908609"/>
-            <a:ext cx="7558567" cy="3838335"/>
+            <a:off x="1276806" y="2099527"/>
+            <a:ext cx="6590383" cy="3346679"/>
           </a:xfrm>
           <a:prstGeom prst="rect">
             <a:avLst/>
@@ -3609,10 +3791,10 @@
       </p:pic>
       <p:sp>
         <p:nvSpPr>
-          <p:cNvPr id="10" name="TextBox 9">
+          <p:cNvPr id="7" name="TextBox 6">
             <a:extLst>
               <a:ext uri="{FF2B5EF4-FFF2-40B4-BE49-F238E27FC236}">
-                <a16:creationId xmlns:a16="http://schemas.microsoft.com/office/drawing/2014/main" id="{4313AB40-4A96-364C-A43D-EB3053B6C0B4}"/>
+                <a16:creationId xmlns:a16="http://schemas.microsoft.com/office/drawing/2014/main" id="{67705480-A369-9D4E-A9BC-F23B31A6C39A}"/>
               </a:ext>
             </a:extLst>
           </p:cNvPr>
@@ -3621,7 +3803,7 @@
         </p:nvSpPr>
         <p:spPr>
           <a:xfrm>
-            <a:off x="3648096" y="5964865"/>
+            <a:off x="2440710" y="5859247"/>
             <a:ext cx="4262577" cy="369332"/>
           </a:xfrm>
           <a:prstGeom prst="rect">
@@ -3645,7 +3827,7 @@
     </p:spTree>
     <p:extLst>
       <p:ext uri="{BB962C8B-B14F-4D97-AF65-F5344CB8AC3E}">
-        <p14:creationId xmlns:p14="http://schemas.microsoft.com/office/powerpoint/2010/main" val="3912133331"/>
+        <p14:creationId xmlns:p14="http://schemas.microsoft.com/office/powerpoint/2010/main" val="1967869932"/>
       </p:ext>
     </p:extLst>
   </p:cSld>
@@ -3674,38 +3856,34 @@
       </p:grpSpPr>
       <p:sp>
         <p:nvSpPr>
-          <p:cNvPr id="2" name="Title 1">
+          <p:cNvPr id="2" name="Title 1"/>
+          <p:cNvSpPr>
+            <a:spLocks noGrp="1"/>
+          </p:cNvSpPr>
+          <p:nvPr>
+            <p:ph type="title"/>
+          </p:nvPr>
+        </p:nvSpPr>
+        <p:spPr/>
+        <p:txBody>
+          <a:bodyPr>
+            <a:normAutofit/>
+          </a:bodyPr>
+          <a:lstStyle/>
+          <a:p>
+            <a:r>
+              <a:rPr lang="en-US" dirty="0"/>
+              <a:t>More efficient path to pluripotency?</a:t>
+            </a:r>
+          </a:p>
+        </p:txBody>
+      </p:sp>
+      <p:pic>
+        <p:nvPicPr>
+          <p:cNvPr id="5" name="Picture 4">
             <a:extLst>
               <a:ext uri="{FF2B5EF4-FFF2-40B4-BE49-F238E27FC236}">
-                <a16:creationId xmlns:a16="http://schemas.microsoft.com/office/drawing/2014/main" id="{E0CE1957-F8B1-DB48-9B0B-43B1582D8DF0}"/>
-              </a:ext>
-            </a:extLst>
-          </p:cNvPr>
-          <p:cNvSpPr>
-            <a:spLocks noGrp="1"/>
-          </p:cNvSpPr>
-          <p:nvPr>
-            <p:ph type="title"/>
-          </p:nvPr>
-        </p:nvSpPr>
-        <p:spPr/>
-        <p:txBody>
-          <a:bodyPr/>
-          <a:lstStyle/>
-          <a:p>
-            <a:r>
-              <a:rPr lang="en-US" dirty="0"/>
-              <a:t>More efficient path to pluripotency?</a:t>
-            </a:r>
-          </a:p>
-        </p:txBody>
-      </p:sp>
-      <p:pic>
-        <p:nvPicPr>
-          <p:cNvPr id="7" name="Picture 6">
-            <a:extLst>
-              <a:ext uri="{FF2B5EF4-FFF2-40B4-BE49-F238E27FC236}">
-                <a16:creationId xmlns:a16="http://schemas.microsoft.com/office/drawing/2014/main" id="{B1F281E2-E2A0-FA47-B712-13C8C74EDE1B}"/>
+                <a16:creationId xmlns:a16="http://schemas.microsoft.com/office/drawing/2014/main" id="{5F21C0F7-AF13-8C4D-867F-6CFF86D4E9EA}"/>
               </a:ext>
             </a:extLst>
           </p:cNvPr>
@@ -3722,8 +3900,8 @@
         </p:blipFill>
         <p:spPr>
           <a:xfrm>
-            <a:off x="2038256" y="2001282"/>
-            <a:ext cx="8115487" cy="2923962"/>
+            <a:off x="1157350" y="2342926"/>
+            <a:ext cx="6680366" cy="2406896"/>
           </a:xfrm>
           <a:prstGeom prst="rect">
             <a:avLst/>
@@ -3732,10 +3910,10 @@
       </p:pic>
       <p:sp>
         <p:nvSpPr>
-          <p:cNvPr id="5" name="TextBox 4">
+          <p:cNvPr id="8" name="TextBox 7">
             <a:extLst>
               <a:ext uri="{FF2B5EF4-FFF2-40B4-BE49-F238E27FC236}">
-                <a16:creationId xmlns:a16="http://schemas.microsoft.com/office/drawing/2014/main" id="{14177BD8-4E8A-AB47-A4CB-F5520100938E}"/>
+                <a16:creationId xmlns:a16="http://schemas.microsoft.com/office/drawing/2014/main" id="{E446DA22-862F-124E-A6D6-1CA47E84A599}"/>
               </a:ext>
             </a:extLst>
           </p:cNvPr>
@@ -3744,7 +3922,7 @@
         </p:nvSpPr>
         <p:spPr>
           <a:xfrm>
-            <a:off x="4456170" y="5838342"/>
+            <a:off x="3113232" y="5818246"/>
             <a:ext cx="2917530" cy="369332"/>
           </a:xfrm>
           <a:prstGeom prst="rect">
@@ -3768,7 +3946,7 @@
     </p:spTree>
     <p:extLst>
       <p:ext uri="{BB962C8B-B14F-4D97-AF65-F5344CB8AC3E}">
-        <p14:creationId xmlns:p14="http://schemas.microsoft.com/office/powerpoint/2010/main" val="1168622486"/>
+        <p14:creationId xmlns:p14="http://schemas.microsoft.com/office/powerpoint/2010/main" val="1950177221"/>
       </p:ext>
     </p:extLst>
   </p:cSld>
@@ -3800,7 +3978,7 @@
           <p:cNvPr id="2" name="Title 1">
             <a:extLst>
               <a:ext uri="{FF2B5EF4-FFF2-40B4-BE49-F238E27FC236}">
-                <a16:creationId xmlns:a16="http://schemas.microsoft.com/office/drawing/2014/main" id="{72715B7E-FCD0-4340-BC61-04D5AFC7D958}"/>
+                <a16:creationId xmlns:a16="http://schemas.microsoft.com/office/drawing/2014/main" id="{7537878D-A28F-4F45-8488-0341AE0631E3}"/>
               </a:ext>
             </a:extLst>
           </p:cNvPr>
@@ -3811,16 +3989,28 @@
             <p:ph type="title"/>
           </p:nvPr>
         </p:nvSpPr>
-        <p:spPr/>
+        <p:spPr>
+          <a:xfrm>
+            <a:off x="457200" y="334928"/>
+            <a:ext cx="8229600" cy="1143000"/>
+          </a:xfrm>
+        </p:spPr>
         <p:txBody>
           <a:bodyPr>
-            <a:normAutofit/>
+            <a:normAutofit fontScale="90000"/>
           </a:bodyPr>
           <a:lstStyle/>
           <a:p>
             <a:r>
-              <a:rPr lang="en-US" sz="4000" dirty="0"/>
-              <a:t>Integrating single cell gene expression datasets</a:t>
+              <a:rPr lang="en-US" dirty="0"/>
+              <a:t>Integrating single cell </a:t>
+            </a:r>
+            <a:br>
+              <a:rPr lang="en-US" dirty="0"/>
+            </a:br>
+            <a:r>
+              <a:rPr lang="en-US" dirty="0"/>
+              <a:t>gene expression datasets</a:t>
             </a:r>
           </a:p>
         </p:txBody>
@@ -3830,7 +4020,7 @@
           <p:cNvPr id="3" name="Content Placeholder 2">
             <a:extLst>
               <a:ext uri="{FF2B5EF4-FFF2-40B4-BE49-F238E27FC236}">
-                <a16:creationId xmlns:a16="http://schemas.microsoft.com/office/drawing/2014/main" id="{F4975948-1345-F645-A55A-A2E5D0707EBF}"/>
+                <a16:creationId xmlns:a16="http://schemas.microsoft.com/office/drawing/2014/main" id="{BBE393EF-58A9-144A-A15C-28F41D0912C2}"/>
               </a:ext>
             </a:extLst>
           </p:cNvPr>
@@ -3841,10 +4031,24 @@
             <p:ph idx="1"/>
           </p:nvPr>
         </p:nvSpPr>
-        <p:spPr/>
+        <p:spPr>
+          <a:xfrm>
+            <a:off x="849086" y="1841360"/>
+            <a:ext cx="7621675" cy="4525963"/>
+          </a:xfrm>
+        </p:spPr>
         <p:txBody>
           <a:bodyPr/>
           <a:lstStyle/>
+          <a:p>
+            <a:pPr marL="0" indent="0">
+              <a:buNone/>
+            </a:pPr>
+            <a:r>
+              <a:rPr lang="en-US" dirty="0"/>
+              <a:t>Given: single-cell gene expression datasets from different experiments/timepoints/ contexts</a:t>
+            </a:r>
+          </a:p>
           <a:p>
             <a:pPr marL="514350" indent="-514350">
               <a:buFont typeface="+mj-lt"/>
@@ -3852,7 +4056,7 @@
             </a:pPr>
             <a:r>
               <a:rPr lang="en-US" dirty="0"/>
-              <a:t>Project all cells from different experiments/timepoints/contexts into a common space</a:t>
+              <a:t>Project all cells into a common space</a:t>
             </a:r>
           </a:p>
           <a:p>
@@ -3872,42 +4076,45 @@
             </a:pPr>
             <a:r>
               <a:rPr lang="en-US" dirty="0"/>
-              <a:t>Downstream analysis:</a:t>
-            </a:r>
-          </a:p>
-          <a:p>
-            <a:pPr lvl="1"/>
+              <a:t>Downstream analyses:</a:t>
+            </a:r>
+          </a:p>
+          <a:p>
+            <a:pPr lvl="1">
+              <a:buFont typeface="Arial" panose="020B0604020202020204" pitchFamily="34" charset="0"/>
+              <a:buChar char="•"/>
+            </a:pPr>
             <a:r>
               <a:rPr lang="en-US" dirty="0"/>
               <a:t>Cluster cells using their relationship/connections in the graph</a:t>
             </a:r>
           </a:p>
           <a:p>
-            <a:pPr lvl="1"/>
+            <a:pPr lvl="1">
+              <a:buFont typeface="Arial" panose="020B0604020202020204" pitchFamily="34" charset="0"/>
+              <a:buChar char="•"/>
+            </a:pPr>
             <a:r>
               <a:rPr lang="en-US" dirty="0"/>
               <a:t>Developmental trajectory analysis</a:t>
             </a:r>
           </a:p>
           <a:p>
-            <a:pPr lvl="1"/>
+            <a:pPr lvl="1">
+              <a:buFont typeface="Arial" panose="020B0604020202020204" pitchFamily="34" charset="0"/>
+              <a:buChar char="•"/>
+            </a:pPr>
             <a:r>
               <a:rPr lang="en-US" dirty="0"/>
               <a:t>Context-specific gene regulatory network construction</a:t>
             </a:r>
-          </a:p>
-          <a:p>
-            <a:pPr marL="457200" lvl="1" indent="0">
-              <a:buNone/>
-            </a:pPr>
-            <a:endParaRPr lang="en-US" dirty="0"/>
           </a:p>
         </p:txBody>
       </p:sp>
     </p:spTree>
     <p:extLst>
       <p:ext uri="{BB962C8B-B14F-4D97-AF65-F5344CB8AC3E}">
-        <p14:creationId xmlns:p14="http://schemas.microsoft.com/office/powerpoint/2010/main" val="2766976255"/>
+        <p14:creationId xmlns:p14="http://schemas.microsoft.com/office/powerpoint/2010/main" val="65454365"/>
       </p:ext>
     </p:extLst>
   </p:cSld>
@@ -3939,7 +4146,7 @@
           <p:cNvPr id="2" name="Title 1">
             <a:extLst>
               <a:ext uri="{FF2B5EF4-FFF2-40B4-BE49-F238E27FC236}">
-                <a16:creationId xmlns:a16="http://schemas.microsoft.com/office/drawing/2014/main" id="{EF2E8855-A5A4-C341-BE17-17E9973DC768}"/>
+                <a16:creationId xmlns:a16="http://schemas.microsoft.com/office/drawing/2014/main" id="{7537878D-A28F-4F45-8488-0341AE0631E3}"/>
               </a:ext>
             </a:extLst>
           </p:cNvPr>
@@ -3950,9 +4157,16 @@
             <p:ph type="title"/>
           </p:nvPr>
         </p:nvSpPr>
-        <p:spPr/>
-        <p:txBody>
-          <a:bodyPr/>
+        <p:spPr>
+          <a:xfrm>
+            <a:off x="457200" y="334928"/>
+            <a:ext cx="8229600" cy="1143000"/>
+          </a:xfrm>
+        </p:spPr>
+        <p:txBody>
+          <a:bodyPr>
+            <a:normAutofit/>
+          </a:bodyPr>
           <a:lstStyle/>
           <a:p>
             <a:r>
@@ -3961,17 +4175,17 @@
             </a:r>
             <a:r>
               <a:rPr lang="en-US" dirty="0"/>
-              <a:t> and LIGER</a:t>
+              <a:t> vs. LIGER</a:t>
             </a:r>
           </a:p>
         </p:txBody>
       </p:sp>
       <p:graphicFrame>
         <p:nvGraphicFramePr>
-          <p:cNvPr id="4" name="Content Placeholder 3">
+          <p:cNvPr id="8" name="Content Placeholder 3">
             <a:extLst>
               <a:ext uri="{FF2B5EF4-FFF2-40B4-BE49-F238E27FC236}">
-                <a16:creationId xmlns:a16="http://schemas.microsoft.com/office/drawing/2014/main" id="{43B81078-994E-E94B-8C33-B7C3929B32E4}"/>
+                <a16:creationId xmlns:a16="http://schemas.microsoft.com/office/drawing/2014/main" id="{8EDE6B22-5D79-DC4F-BAE9-75780AB92395}"/>
               </a:ext>
             </a:extLst>
           </p:cNvPr>
@@ -3982,14 +4196,14 @@
             <p:ph idx="1"/>
             <p:extLst>
               <p:ext uri="{D42A27DB-BD31-4B8C-83A1-F6EECF244321}">
-                <p14:modId xmlns:p14="http://schemas.microsoft.com/office/powerpoint/2010/main" val="57839276"/>
+                <p14:modId xmlns:p14="http://schemas.microsoft.com/office/powerpoint/2010/main" val="4004901388"/>
               </p:ext>
             </p:extLst>
           </p:nvPr>
         </p:nvGraphicFramePr>
         <p:xfrm>
-          <a:off x="956930" y="1825625"/>
-          <a:ext cx="10396869" cy="4341260"/>
+          <a:off x="754794" y="1735189"/>
+          <a:ext cx="7634412" cy="4341260"/>
         </p:xfrm>
         <a:graphic>
           <a:graphicData uri="http://schemas.openxmlformats.org/drawingml/2006/table">
@@ -3998,21 +4212,21 @@
                 <a:tableStyleId>{5940675A-B579-460E-94D1-54222C63F5DA}</a:tableStyleId>
               </a:tblPr>
               <a:tblGrid>
-                <a:gridCol w="3465623">
+                <a:gridCol w="2544804">
                   <a:extLst>
                     <a:ext uri="{9D8B030D-6E8A-4147-A177-3AD203B41FA5}">
                       <a16:colId xmlns:a16="http://schemas.microsoft.com/office/drawing/2014/main" val="973896269"/>
                     </a:ext>
                   </a:extLst>
                 </a:gridCol>
-                <a:gridCol w="3465623">
+                <a:gridCol w="2544804">
                   <a:extLst>
                     <a:ext uri="{9D8B030D-6E8A-4147-A177-3AD203B41FA5}">
                       <a16:colId xmlns:a16="http://schemas.microsoft.com/office/drawing/2014/main" val="184046507"/>
                     </a:ext>
                   </a:extLst>
                 </a:gridCol>
-                <a:gridCol w="3465623">
+                <a:gridCol w="2544804">
                   <a:extLst>
                     <a:ext uri="{9D8B030D-6E8A-4147-A177-3AD203B41FA5}">
                       <a16:colId xmlns:a16="http://schemas.microsoft.com/office/drawing/2014/main" val="112127200"/>
@@ -4103,7 +4317,7 @@
                       </a:pPr>
                       <a:r>
                         <a:rPr lang="en-US" dirty="0"/>
-                        <a:t>1. Project all cells from different experiments/timepoints/contexts into a common space</a:t>
+                        <a:t>1. Project all cells from different experiments/ timepoints/contexts into a common space</a:t>
                       </a:r>
                     </a:p>
                   </a:txBody>
@@ -4229,7 +4443,7 @@
     </p:spTree>
     <p:extLst>
       <p:ext uri="{BB962C8B-B14F-4D97-AF65-F5344CB8AC3E}">
-        <p14:creationId xmlns:p14="http://schemas.microsoft.com/office/powerpoint/2010/main" val="3600333119"/>
+        <p14:creationId xmlns:p14="http://schemas.microsoft.com/office/powerpoint/2010/main" val="362832051"/>
       </p:ext>
     </p:extLst>
   </p:cSld>
@@ -4261,7 +4475,7 @@
           <p:cNvPr id="2" name="Title 1">
             <a:extLst>
               <a:ext uri="{FF2B5EF4-FFF2-40B4-BE49-F238E27FC236}">
-                <a16:creationId xmlns:a16="http://schemas.microsoft.com/office/drawing/2014/main" id="{1736AF25-9AB0-EA48-A5E9-7BED49D2380C}"/>
+                <a16:creationId xmlns:a16="http://schemas.microsoft.com/office/drawing/2014/main" id="{7537878D-A28F-4F45-8488-0341AE0631E3}"/>
               </a:ext>
             </a:extLst>
           </p:cNvPr>
@@ -4272,38 +4486,49 @@
             <p:ph type="title"/>
           </p:nvPr>
         </p:nvSpPr>
-        <p:spPr/>
-        <p:txBody>
-          <a:bodyPr/>
+        <p:spPr>
+          <a:xfrm>
+            <a:off x="457200" y="334928"/>
+            <a:ext cx="8229600" cy="1143000"/>
+          </a:xfrm>
+        </p:spPr>
+        <p:txBody>
+          <a:bodyPr>
+            <a:normAutofit/>
+          </a:bodyPr>
           <a:lstStyle/>
           <a:p>
             <a:r>
               <a:rPr lang="en-US" dirty="0"/>
-              <a:t>Let’s get started</a:t>
-            </a:r>
-          </a:p>
-        </p:txBody>
-      </p:sp>
-      <p:sp>
-        <p:nvSpPr>
-          <p:cNvPr id="3" name="Content Placeholder 2">
+              <a:t>Let’s get started…</a:t>
+            </a:r>
+          </a:p>
+        </p:txBody>
+      </p:sp>
+      <p:sp>
+        <p:nvSpPr>
+          <p:cNvPr id="5" name="Rectangle 4">
             <a:extLst>
               <a:ext uri="{FF2B5EF4-FFF2-40B4-BE49-F238E27FC236}">
-                <a16:creationId xmlns:a16="http://schemas.microsoft.com/office/drawing/2014/main" id="{5B0EA0D7-9EC2-E548-A74C-86A0F462412A}"/>
+                <a16:creationId xmlns:a16="http://schemas.microsoft.com/office/drawing/2014/main" id="{B7AA35B0-4216-D14C-9B10-96D45BDE1655}"/>
               </a:ext>
             </a:extLst>
           </p:cNvPr>
-          <p:cNvSpPr>
-            <a:spLocks noGrp="1"/>
-          </p:cNvSpPr>
-          <p:nvPr>
-            <p:ph idx="1"/>
-          </p:nvPr>
-        </p:nvSpPr>
-        <p:spPr/>
-        <p:txBody>
-          <a:bodyPr>
-            <a:normAutofit/>
+          <p:cNvSpPr/>
+          <p:nvPr/>
+        </p:nvSpPr>
+        <p:spPr>
+          <a:xfrm>
+            <a:off x="688313" y="1789427"/>
+            <a:ext cx="7551336" cy="3170099"/>
+          </a:xfrm>
+          <a:prstGeom prst="rect">
+            <a:avLst/>
+          </a:prstGeom>
+        </p:spPr>
+        <p:txBody>
+          <a:bodyPr wrap="square">
+            <a:spAutoFit/>
           </a:bodyPr>
           <a:lstStyle/>
           <a:p>
@@ -4326,6 +4551,12 @@
             <a:pPr marL="514350" indent="-514350">
               <a:buAutoNum type="arabicPeriod"/>
             </a:pPr>
+            <a:endParaRPr lang="en-US" sz="2000" dirty="0"/>
+          </a:p>
+          <a:p>
+            <a:pPr marL="514350" indent="-514350">
+              <a:buAutoNum type="arabicPeriod"/>
+            </a:pPr>
             <a:r>
               <a:rPr lang="en-US" sz="2000" dirty="0"/>
               <a:t>ON THE BIOSTAT SERVER</a:t>
@@ -4360,22 +4591,19 @@
             </a:r>
           </a:p>
           <a:p>
-            <a:pPr marL="514350" indent="-514350">
-              <a:buAutoNum type="arabicPeriod"/>
-            </a:pPr>
-            <a:r>
-              <a:rPr lang="en-US" sz="2000" dirty="0"/>
-              <a:t>BACK ON YOUR COMPUTER</a:t>
-            </a:r>
-          </a:p>
-          <a:p>
             <a:pPr marL="971550" lvl="1" indent="-514350">
               <a:buFont typeface="+mj-lt"/>
               <a:buAutoNum type="arabicParenR"/>
             </a:pPr>
+            <a:endParaRPr lang="en-US" sz="2000" dirty="0"/>
+          </a:p>
+          <a:p>
+            <a:pPr marL="514350" indent="-514350">
+              <a:buAutoNum type="arabicPeriod"/>
+            </a:pPr>
             <a:r>
               <a:rPr lang="en-US" sz="2000" dirty="0"/>
-              <a:t>Open command line/terminal, claim the port:</a:t>
+              <a:t>BACK ON YOUR COMPUTER</a:t>
             </a:r>
           </a:p>
           <a:p>
@@ -4385,6 +4613,16 @@
             </a:pPr>
             <a:r>
               <a:rPr lang="en-US" sz="2000" dirty="0"/>
+              <a:t>Open command line/terminal, claim the port:</a:t>
+            </a:r>
+          </a:p>
+          <a:p>
+            <a:pPr marL="971550" lvl="1" indent="-514350">
+              <a:buFont typeface="+mj-lt"/>
+              <a:buAutoNum type="arabicParenR"/>
+            </a:pPr>
+            <a:r>
+              <a:rPr lang="en-US" sz="2000" dirty="0"/>
               <a:t>Copy and paste the </a:t>
             </a:r>
             <a:r>
@@ -4401,7 +4639,139 @@
     </p:spTree>
     <p:extLst>
       <p:ext uri="{BB962C8B-B14F-4D97-AF65-F5344CB8AC3E}">
-        <p14:creationId xmlns:p14="http://schemas.microsoft.com/office/powerpoint/2010/main" val="314864661"/>
+        <p14:creationId xmlns:p14="http://schemas.microsoft.com/office/powerpoint/2010/main" val="152285534"/>
+      </p:ext>
+    </p:extLst>
+  </p:cSld>
+  <p:clrMapOvr>
+    <a:masterClrMapping/>
+  </p:clrMapOvr>
+</p:sld>
+</file>
+
+<file path=ppt/slides/slide8.xml><?xml version="1.0" encoding="utf-8"?>
+<p:sld xmlns:a="http://schemas.openxmlformats.org/drawingml/2006/main" xmlns:r="http://schemas.openxmlformats.org/officeDocument/2006/relationships" xmlns:p="http://schemas.openxmlformats.org/presentationml/2006/main">
+  <p:cSld>
+    <p:spTree>
+      <p:nvGrpSpPr>
+        <p:cNvPr id="1" name=""/>
+        <p:cNvGrpSpPr/>
+        <p:nvPr/>
+      </p:nvGrpSpPr>
+      <p:grpSpPr>
+        <a:xfrm>
+          <a:off x="0" y="0"/>
+          <a:ext cx="0" cy="0"/>
+          <a:chOff x="0" y="0"/>
+          <a:chExt cx="0" cy="0"/>
+        </a:xfrm>
+      </p:grpSpPr>
+      <p:sp>
+        <p:nvSpPr>
+          <p:cNvPr id="2" name="Title 1"/>
+          <p:cNvSpPr>
+            <a:spLocks noGrp="1"/>
+          </p:cNvSpPr>
+          <p:nvPr>
+            <p:ph type="title"/>
+          </p:nvPr>
+        </p:nvSpPr>
+        <p:spPr/>
+        <p:txBody>
+          <a:bodyPr/>
+          <a:lstStyle/>
+          <a:p>
+            <a:r>
+              <a:rPr lang="en-US" dirty="0"/>
+              <a:t>Takeaway points</a:t>
+            </a:r>
+          </a:p>
+        </p:txBody>
+      </p:sp>
+      <p:sp>
+        <p:nvSpPr>
+          <p:cNvPr id="3" name="Content Placeholder 2"/>
+          <p:cNvSpPr>
+            <a:spLocks noGrp="1"/>
+          </p:cNvSpPr>
+          <p:nvPr>
+            <p:ph idx="1"/>
+          </p:nvPr>
+        </p:nvSpPr>
+        <p:spPr/>
+        <p:txBody>
+          <a:bodyPr>
+            <a:normAutofit/>
+          </a:bodyPr>
+          <a:lstStyle/>
+          <a:p>
+            <a:r>
+              <a:rPr lang="en-US" sz="2000" dirty="0"/>
+              <a:t>As more and more single-cell datasets are generated, integrating them across multiple sources remains an important task for understanding dynamic changes underscoring the heterogeneity of cells.</a:t>
+            </a:r>
+          </a:p>
+          <a:p>
+            <a:r>
+              <a:rPr lang="en-US" sz="2000" dirty="0"/>
+              <a:t>We looked at two different pipelines:</a:t>
+            </a:r>
+          </a:p>
+          <a:p>
+            <a:pPr lvl="1"/>
+            <a:r>
+              <a:rPr lang="en-US" sz="2000" dirty="0" err="1"/>
+              <a:t>Conos</a:t>
+            </a:r>
+            <a:r>
+              <a:rPr lang="en-US" sz="2000" dirty="0"/>
+              <a:t>: joint NMF to project cells to same space, correlation-based nearest neighbor graph to connect cells in common space</a:t>
+            </a:r>
+          </a:p>
+          <a:p>
+            <a:pPr lvl="1"/>
+            <a:r>
+              <a:rPr lang="en-US" sz="2000" dirty="0"/>
+              <a:t>LIGER: </a:t>
+            </a:r>
+            <a:r>
+              <a:rPr lang="en-US" sz="2000" dirty="0" err="1"/>
+              <a:t>intergrative</a:t>
+            </a:r>
+            <a:r>
+              <a:rPr lang="en-US" sz="2000" dirty="0"/>
+              <a:t> NMF to project cells to same space, nearest-neighbor-votes graph to connect cells in common space</a:t>
+            </a:r>
+          </a:p>
+          <a:p>
+            <a:r>
+              <a:rPr lang="en-US" sz="2000" dirty="0"/>
+              <a:t>More challenges/active areas of research:</a:t>
+            </a:r>
+          </a:p>
+          <a:p>
+            <a:pPr lvl="1"/>
+            <a:r>
+              <a:rPr lang="en-US" sz="2000" dirty="0"/>
+              <a:t>How to identify differential gene expression and/or relationships in different groups of cell populations?</a:t>
+            </a:r>
+          </a:p>
+          <a:p>
+            <a:pPr lvl="1"/>
+            <a:r>
+              <a:rPr lang="en-US" sz="2000" dirty="0"/>
+              <a:t>How to integrate known cell type/label information to classify unknown, new cell types?</a:t>
+            </a:r>
+          </a:p>
+          <a:p>
+            <a:pPr lvl="1"/>
+            <a:endParaRPr lang="en-US" sz="2000" dirty="0"/>
+          </a:p>
+        </p:txBody>
+      </p:sp>
+    </p:spTree>
+    <p:extLst>
+      <p:ext uri="{BB962C8B-B14F-4D97-AF65-F5344CB8AC3E}">
+        <p14:creationId xmlns:p14="http://schemas.microsoft.com/office/powerpoint/2010/main" val="2626791125"/>
       </p:ext>
     </p:extLst>
   </p:cSld>
@@ -4422,44 +4792,44 @@
         <a:sysClr val="window" lastClr="FFFFFF"/>
       </a:lt1>
       <a:dk2>
-        <a:srgbClr val="44546A"/>
+        <a:srgbClr val="1F497D"/>
       </a:dk2>
       <a:lt2>
-        <a:srgbClr val="E7E6E6"/>
+        <a:srgbClr val="EEECE1"/>
       </a:lt2>
       <a:accent1>
-        <a:srgbClr val="4472C4"/>
+        <a:srgbClr val="4F81BD"/>
       </a:accent1>
       <a:accent2>
-        <a:srgbClr val="ED7D31"/>
+        <a:srgbClr val="C0504D"/>
       </a:accent2>
       <a:accent3>
-        <a:srgbClr val="A5A5A5"/>
+        <a:srgbClr val="9BBB59"/>
       </a:accent3>
       <a:accent4>
-        <a:srgbClr val="FFC000"/>
+        <a:srgbClr val="8064A2"/>
       </a:accent4>
       <a:accent5>
-        <a:srgbClr val="5B9BD5"/>
+        <a:srgbClr val="4BACC6"/>
       </a:accent5>
       <a:accent6>
-        <a:srgbClr val="70AD47"/>
+        <a:srgbClr val="F79646"/>
       </a:accent6>
       <a:hlink>
-        <a:srgbClr val="0563C1"/>
+        <a:srgbClr val="0000FF"/>
       </a:hlink>
       <a:folHlink>
-        <a:srgbClr val="954F72"/>
+        <a:srgbClr val="800080"/>
       </a:folHlink>
     </a:clrScheme>
     <a:fontScheme name="Office">
       <a:majorFont>
-        <a:latin typeface="Calibri Light" panose="020F0302020204030204"/>
+        <a:latin typeface="Calibri"/>
         <a:ea typeface=""/>
         <a:cs typeface=""/>
-        <a:font script="Jpan" typeface="游ゴシック Light"/>
+        <a:font script="Jpan" typeface="ＭＳ Ｐゴシック"/>
         <a:font script="Hang" typeface="맑은 고딕"/>
-        <a:font script="Hans" typeface="等线 Light"/>
+        <a:font script="Hans" typeface="宋体"/>
         <a:font script="Hant" typeface="新細明體"/>
         <a:font script="Arab" typeface="Times New Roman"/>
         <a:font script="Hebr" typeface="Times New Roman"/>
@@ -4487,31 +4857,14 @@
         <a:font script="Viet" typeface="Times New Roman"/>
         <a:font script="Uigh" typeface="Microsoft Uighur"/>
         <a:font script="Geor" typeface="Sylfaen"/>
-        <a:font script="Armn" typeface="Arial"/>
-        <a:font script="Bugi" typeface="Leelawadee UI"/>
-        <a:font script="Bopo" typeface="Microsoft JhengHei"/>
-        <a:font script="Java" typeface="Javanese Text"/>
-        <a:font script="Lisu" typeface="Segoe UI"/>
-        <a:font script="Mymr" typeface="Myanmar Text"/>
-        <a:font script="Nkoo" typeface="Ebrima"/>
-        <a:font script="Olck" typeface="Nirmala UI"/>
-        <a:font script="Osma" typeface="Ebrima"/>
-        <a:font script="Phag" typeface="Phagspa"/>
-        <a:font script="Syrn" typeface="Estrangelo Edessa"/>
-        <a:font script="Syrj" typeface="Estrangelo Edessa"/>
-        <a:font script="Syre" typeface="Estrangelo Edessa"/>
-        <a:font script="Sora" typeface="Nirmala UI"/>
-        <a:font script="Tale" typeface="Microsoft Tai Le"/>
-        <a:font script="Talu" typeface="Microsoft New Tai Lue"/>
-        <a:font script="Tfng" typeface="Ebrima"/>
       </a:majorFont>
       <a:minorFont>
-        <a:latin typeface="Calibri" panose="020F0502020204030204"/>
+        <a:latin typeface="Calibri"/>
         <a:ea typeface=""/>
         <a:cs typeface=""/>
-        <a:font script="Jpan" typeface="游ゴシック"/>
+        <a:font script="Jpan" typeface="ＭＳ Ｐゴシック"/>
         <a:font script="Hang" typeface="맑은 고딕"/>
-        <a:font script="Hans" typeface="等线"/>
+        <a:font script="Hans" typeface="宋体"/>
         <a:font script="Hant" typeface="新細明體"/>
         <a:font script="Arab" typeface="Arial"/>
         <a:font script="Hebr" typeface="Arial"/>
@@ -4539,23 +4892,6 @@
         <a:font script="Viet" typeface="Arial"/>
         <a:font script="Uigh" typeface="Microsoft Uighur"/>
         <a:font script="Geor" typeface="Sylfaen"/>
-        <a:font script="Armn" typeface="Arial"/>
-        <a:font script="Bugi" typeface="Leelawadee UI"/>
-        <a:font script="Bopo" typeface="Microsoft JhengHei"/>
-        <a:font script="Java" typeface="Javanese Text"/>
-        <a:font script="Lisu" typeface="Segoe UI"/>
-        <a:font script="Mymr" typeface="Myanmar Text"/>
-        <a:font script="Nkoo" typeface="Ebrima"/>
-        <a:font script="Olck" typeface="Nirmala UI"/>
-        <a:font script="Osma" typeface="Ebrima"/>
-        <a:font script="Phag" typeface="Phagspa"/>
-        <a:font script="Syrn" typeface="Estrangelo Edessa"/>
-        <a:font script="Syrj" typeface="Estrangelo Edessa"/>
-        <a:font script="Syre" typeface="Estrangelo Edessa"/>
-        <a:font script="Sora" typeface="Nirmala UI"/>
-        <a:font script="Tale" typeface="Microsoft Tai Le"/>
-        <a:font script="Talu" typeface="Microsoft New Tai Lue"/>
-        <a:font script="Tfng" typeface="Ebrima"/>
       </a:minorFont>
     </a:fontScheme>
     <a:fmtScheme name="Office">
@@ -4567,141 +4903,520 @@
           <a:gsLst>
             <a:gs pos="0">
               <a:schemeClr val="phClr">
-                <a:lumMod val="110000"/>
-                <a:satMod val="105000"/>
-                <a:tint val="67000"/>
+                <a:tint val="50000"/>
+                <a:satMod val="300000"/>
               </a:schemeClr>
             </a:gs>
-            <a:gs pos="50000">
+            <a:gs pos="35000">
               <a:schemeClr val="phClr">
-                <a:lumMod val="105000"/>
-                <a:satMod val="103000"/>
-                <a:tint val="73000"/>
+                <a:tint val="37000"/>
+                <a:satMod val="300000"/>
               </a:schemeClr>
             </a:gs>
             <a:gs pos="100000">
               <a:schemeClr val="phClr">
-                <a:lumMod val="105000"/>
-                <a:satMod val="109000"/>
-                <a:tint val="81000"/>
+                <a:tint val="15000"/>
+                <a:satMod val="350000"/>
               </a:schemeClr>
             </a:gs>
           </a:gsLst>
-          <a:lin ang="5400000" scaled="0"/>
+          <a:lin ang="16200000" scaled="1"/>
         </a:gradFill>
         <a:gradFill rotWithShape="1">
           <a:gsLst>
             <a:gs pos="0">
               <a:schemeClr val="phClr">
-                <a:satMod val="103000"/>
-                <a:lumMod val="102000"/>
-                <a:tint val="94000"/>
-              </a:schemeClr>
-            </a:gs>
-            <a:gs pos="50000">
-              <a:schemeClr val="phClr">
-                <a:satMod val="110000"/>
-                <a:lumMod val="100000"/>
+                <a:tint val="100000"/>
                 <a:shade val="100000"/>
+                <a:satMod val="130000"/>
               </a:schemeClr>
             </a:gs>
             <a:gs pos="100000">
               <a:schemeClr val="phClr">
-                <a:lumMod val="99000"/>
-                <a:satMod val="120000"/>
-                <a:shade val="78000"/>
+                <a:tint val="50000"/>
+                <a:shade val="100000"/>
+                <a:satMod val="350000"/>
               </a:schemeClr>
             </a:gs>
           </a:gsLst>
-          <a:lin ang="5400000" scaled="0"/>
+          <a:lin ang="16200000" scaled="0"/>
         </a:gradFill>
       </a:fillStyleLst>
       <a:lnStyleLst>
-        <a:ln w="6350" cap="flat" cmpd="sng" algn="ctr">
+        <a:ln w="9525" cap="flat" cmpd="sng" algn="ctr">
+          <a:solidFill>
+            <a:schemeClr val="phClr">
+              <a:shade val="95000"/>
+              <a:satMod val="105000"/>
+            </a:schemeClr>
+          </a:solidFill>
+          <a:prstDash val="solid"/>
+        </a:ln>
+        <a:ln w="25400" cap="flat" cmpd="sng" algn="ctr">
           <a:solidFill>
             <a:schemeClr val="phClr"/>
           </a:solidFill>
           <a:prstDash val="solid"/>
-          <a:miter lim="800000"/>
         </a:ln>
-        <a:ln w="12700" cap="flat" cmpd="sng" algn="ctr">
+        <a:ln w="38100" cap="flat" cmpd="sng" algn="ctr">
           <a:solidFill>
             <a:schemeClr val="phClr"/>
           </a:solidFill>
           <a:prstDash val="solid"/>
-          <a:miter lim="800000"/>
-        </a:ln>
-        <a:ln w="19050" cap="flat" cmpd="sng" algn="ctr">
-          <a:solidFill>
-            <a:schemeClr val="phClr"/>
-          </a:solidFill>
-          <a:prstDash val="solid"/>
-          <a:miter lim="800000"/>
         </a:ln>
       </a:lnStyleLst>
       <a:effectStyleLst>
         <a:effectStyle>
-          <a:effectLst/>
-        </a:effectStyle>
-        <a:effectStyle>
-          <a:effectLst/>
+          <a:effectLst>
+            <a:outerShdw blurRad="40000" dist="20000" dir="5400000" rotWithShape="0">
+              <a:srgbClr val="000000">
+                <a:alpha val="38000"/>
+              </a:srgbClr>
+            </a:outerShdw>
+          </a:effectLst>
         </a:effectStyle>
         <a:effectStyle>
           <a:effectLst>
-            <a:outerShdw blurRad="57150" dist="19050" dir="5400000" algn="ctr" rotWithShape="0">
+            <a:outerShdw blurRad="40000" dist="23000" dir="5400000" rotWithShape="0">
               <a:srgbClr val="000000">
-                <a:alpha val="63000"/>
+                <a:alpha val="35000"/>
               </a:srgbClr>
             </a:outerShdw>
           </a:effectLst>
+        </a:effectStyle>
+        <a:effectStyle>
+          <a:effectLst>
+            <a:outerShdw blurRad="40000" dist="23000" dir="5400000" rotWithShape="0">
+              <a:srgbClr val="000000">
+                <a:alpha val="35000"/>
+              </a:srgbClr>
+            </a:outerShdw>
+          </a:effectLst>
+          <a:scene3d>
+            <a:camera prst="orthographicFront">
+              <a:rot lat="0" lon="0" rev="0"/>
+            </a:camera>
+            <a:lightRig rig="threePt" dir="t">
+              <a:rot lat="0" lon="0" rev="1200000"/>
+            </a:lightRig>
+          </a:scene3d>
+          <a:sp3d>
+            <a:bevelT w="63500" h="25400"/>
+          </a:sp3d>
         </a:effectStyle>
       </a:effectStyleLst>
       <a:bgFillStyleLst>
         <a:solidFill>
           <a:schemeClr val="phClr"/>
         </a:solidFill>
+        <a:gradFill rotWithShape="1">
+          <a:gsLst>
+            <a:gs pos="0">
+              <a:schemeClr val="phClr">
+                <a:tint val="40000"/>
+                <a:satMod val="350000"/>
+              </a:schemeClr>
+            </a:gs>
+            <a:gs pos="40000">
+              <a:schemeClr val="phClr">
+                <a:tint val="45000"/>
+                <a:shade val="99000"/>
+                <a:satMod val="350000"/>
+              </a:schemeClr>
+            </a:gs>
+            <a:gs pos="100000">
+              <a:schemeClr val="phClr">
+                <a:shade val="20000"/>
+                <a:satMod val="255000"/>
+              </a:schemeClr>
+            </a:gs>
+          </a:gsLst>
+          <a:path path="circle">
+            <a:fillToRect l="50000" t="-80000" r="50000" b="180000"/>
+          </a:path>
+        </a:gradFill>
+        <a:gradFill rotWithShape="1">
+          <a:gsLst>
+            <a:gs pos="0">
+              <a:schemeClr val="phClr">
+                <a:tint val="80000"/>
+                <a:satMod val="300000"/>
+              </a:schemeClr>
+            </a:gs>
+            <a:gs pos="100000">
+              <a:schemeClr val="phClr">
+                <a:shade val="30000"/>
+                <a:satMod val="200000"/>
+              </a:schemeClr>
+            </a:gs>
+          </a:gsLst>
+          <a:path path="circle">
+            <a:fillToRect l="50000" t="50000" r="50000" b="50000"/>
+          </a:path>
+        </a:gradFill>
+      </a:bgFillStyleLst>
+    </a:fmtScheme>
+  </a:themeElements>
+  <a:objectDefaults>
+    <a:spDef>
+      <a:spPr/>
+      <a:bodyPr/>
+      <a:lstStyle/>
+      <a:style>
+        <a:lnRef idx="1">
+          <a:schemeClr val="accent1"/>
+        </a:lnRef>
+        <a:fillRef idx="3">
+          <a:schemeClr val="accent1"/>
+        </a:fillRef>
+        <a:effectRef idx="2">
+          <a:schemeClr val="accent1"/>
+        </a:effectRef>
+        <a:fontRef idx="minor">
+          <a:schemeClr val="lt1"/>
+        </a:fontRef>
+      </a:style>
+    </a:spDef>
+    <a:lnDef>
+      <a:spPr/>
+      <a:bodyPr/>
+      <a:lstStyle/>
+      <a:style>
+        <a:lnRef idx="2">
+          <a:schemeClr val="accent1"/>
+        </a:lnRef>
+        <a:fillRef idx="0">
+          <a:schemeClr val="accent1"/>
+        </a:fillRef>
+        <a:effectRef idx="1">
+          <a:schemeClr val="accent1"/>
+        </a:effectRef>
+        <a:fontRef idx="minor">
+          <a:schemeClr val="tx1"/>
+        </a:fontRef>
+      </a:style>
+    </a:lnDef>
+  </a:objectDefaults>
+  <a:extraClrSchemeLst/>
+</a:theme>
+</file>
+
+<file path=ppt/theme/theme2.xml><?xml version="1.0" encoding="utf-8"?>
+<a:theme xmlns:a="http://schemas.openxmlformats.org/drawingml/2006/main" name="Office Theme">
+  <a:themeElements>
+    <a:clrScheme name="Office">
+      <a:dk1>
+        <a:sysClr val="windowText" lastClr="000000"/>
+      </a:dk1>
+      <a:lt1>
+        <a:sysClr val="window" lastClr="FFFFFF"/>
+      </a:lt1>
+      <a:dk2>
+        <a:srgbClr val="1F497D"/>
+      </a:dk2>
+      <a:lt2>
+        <a:srgbClr val="EEECE1"/>
+      </a:lt2>
+      <a:accent1>
+        <a:srgbClr val="4F81BD"/>
+      </a:accent1>
+      <a:accent2>
+        <a:srgbClr val="C0504D"/>
+      </a:accent2>
+      <a:accent3>
+        <a:srgbClr val="9BBB59"/>
+      </a:accent3>
+      <a:accent4>
+        <a:srgbClr val="8064A2"/>
+      </a:accent4>
+      <a:accent5>
+        <a:srgbClr val="4BACC6"/>
+      </a:accent5>
+      <a:accent6>
+        <a:srgbClr val="F79646"/>
+      </a:accent6>
+      <a:hlink>
+        <a:srgbClr val="0000FF"/>
+      </a:hlink>
+      <a:folHlink>
+        <a:srgbClr val="800080"/>
+      </a:folHlink>
+    </a:clrScheme>
+    <a:fontScheme name="Office">
+      <a:majorFont>
+        <a:latin typeface="Calibri"/>
+        <a:ea typeface=""/>
+        <a:cs typeface=""/>
+        <a:font script="Jpan" typeface="ＭＳ Ｐゴシック"/>
+        <a:font script="Hang" typeface="맑은 고딕"/>
+        <a:font script="Hans" typeface="宋体"/>
+        <a:font script="Hant" typeface="新細明體"/>
+        <a:font script="Arab" typeface="Times New Roman"/>
+        <a:font script="Hebr" typeface="Times New Roman"/>
+        <a:font script="Thai" typeface="Angsana New"/>
+        <a:font script="Ethi" typeface="Nyala"/>
+        <a:font script="Beng" typeface="Vrinda"/>
+        <a:font script="Gujr" typeface="Shruti"/>
+        <a:font script="Khmr" typeface="MoolBoran"/>
+        <a:font script="Knda" typeface="Tunga"/>
+        <a:font script="Guru" typeface="Raavi"/>
+        <a:font script="Cans" typeface="Euphemia"/>
+        <a:font script="Cher" typeface="Plantagenet Cherokee"/>
+        <a:font script="Yiii" typeface="Microsoft Yi Baiti"/>
+        <a:font script="Tibt" typeface="Microsoft Himalaya"/>
+        <a:font script="Thaa" typeface="MV Boli"/>
+        <a:font script="Deva" typeface="Mangal"/>
+        <a:font script="Telu" typeface="Gautami"/>
+        <a:font script="Taml" typeface="Latha"/>
+        <a:font script="Syrc" typeface="Estrangelo Edessa"/>
+        <a:font script="Orya" typeface="Kalinga"/>
+        <a:font script="Mlym" typeface="Kartika"/>
+        <a:font script="Laoo" typeface="DokChampa"/>
+        <a:font script="Sinh" typeface="Iskoola Pota"/>
+        <a:font script="Mong" typeface="Mongolian Baiti"/>
+        <a:font script="Viet" typeface="Times New Roman"/>
+        <a:font script="Uigh" typeface="Microsoft Uighur"/>
+        <a:font script="Geor" typeface="Sylfaen"/>
+      </a:majorFont>
+      <a:minorFont>
+        <a:latin typeface="Calibri"/>
+        <a:ea typeface=""/>
+        <a:cs typeface=""/>
+        <a:font script="Jpan" typeface="ＭＳ Ｐゴシック"/>
+        <a:font script="Hang" typeface="맑은 고딕"/>
+        <a:font script="Hans" typeface="宋体"/>
+        <a:font script="Hant" typeface="新細明體"/>
+        <a:font script="Arab" typeface="Arial"/>
+        <a:font script="Hebr" typeface="Arial"/>
+        <a:font script="Thai" typeface="Cordia New"/>
+        <a:font script="Ethi" typeface="Nyala"/>
+        <a:font script="Beng" typeface="Vrinda"/>
+        <a:font script="Gujr" typeface="Shruti"/>
+        <a:font script="Khmr" typeface="DaunPenh"/>
+        <a:font script="Knda" typeface="Tunga"/>
+        <a:font script="Guru" typeface="Raavi"/>
+        <a:font script="Cans" typeface="Euphemia"/>
+        <a:font script="Cher" typeface="Plantagenet Cherokee"/>
+        <a:font script="Yiii" typeface="Microsoft Yi Baiti"/>
+        <a:font script="Tibt" typeface="Microsoft Himalaya"/>
+        <a:font script="Thaa" typeface="MV Boli"/>
+        <a:font script="Deva" typeface="Mangal"/>
+        <a:font script="Telu" typeface="Gautami"/>
+        <a:font script="Taml" typeface="Latha"/>
+        <a:font script="Syrc" typeface="Estrangelo Edessa"/>
+        <a:font script="Orya" typeface="Kalinga"/>
+        <a:font script="Mlym" typeface="Kartika"/>
+        <a:font script="Laoo" typeface="DokChampa"/>
+        <a:font script="Sinh" typeface="Iskoola Pota"/>
+        <a:font script="Mong" typeface="Mongolian Baiti"/>
+        <a:font script="Viet" typeface="Arial"/>
+        <a:font script="Uigh" typeface="Microsoft Uighur"/>
+        <a:font script="Geor" typeface="Sylfaen"/>
+      </a:minorFont>
+    </a:fontScheme>
+    <a:fmtScheme name="Office">
+      <a:fillStyleLst>
         <a:solidFill>
-          <a:schemeClr val="phClr">
-            <a:tint val="95000"/>
-            <a:satMod val="170000"/>
-          </a:schemeClr>
+          <a:schemeClr val="phClr"/>
         </a:solidFill>
         <a:gradFill rotWithShape="1">
           <a:gsLst>
             <a:gs pos="0">
               <a:schemeClr val="phClr">
-                <a:tint val="93000"/>
-                <a:satMod val="150000"/>
-                <a:shade val="98000"/>
-                <a:lumMod val="102000"/>
+                <a:tint val="50000"/>
+                <a:satMod val="300000"/>
               </a:schemeClr>
             </a:gs>
-            <a:gs pos="50000">
+            <a:gs pos="35000">
               <a:schemeClr val="phClr">
-                <a:tint val="98000"/>
-                <a:satMod val="130000"/>
-                <a:shade val="90000"/>
-                <a:lumMod val="103000"/>
+                <a:tint val="37000"/>
+                <a:satMod val="300000"/>
               </a:schemeClr>
             </a:gs>
             <a:gs pos="100000">
               <a:schemeClr val="phClr">
-                <a:shade val="63000"/>
-                <a:satMod val="120000"/>
+                <a:tint val="15000"/>
+                <a:satMod val="350000"/>
               </a:schemeClr>
             </a:gs>
           </a:gsLst>
-          <a:lin ang="5400000" scaled="0"/>
+          <a:lin ang="16200000" scaled="1"/>
+        </a:gradFill>
+        <a:gradFill rotWithShape="1">
+          <a:gsLst>
+            <a:gs pos="0">
+              <a:schemeClr val="phClr">
+                <a:tint val="100000"/>
+                <a:shade val="100000"/>
+                <a:satMod val="130000"/>
+              </a:schemeClr>
+            </a:gs>
+            <a:gs pos="100000">
+              <a:schemeClr val="phClr">
+                <a:tint val="50000"/>
+                <a:shade val="100000"/>
+                <a:satMod val="350000"/>
+              </a:schemeClr>
+            </a:gs>
+          </a:gsLst>
+          <a:lin ang="16200000" scaled="0"/>
+        </a:gradFill>
+      </a:fillStyleLst>
+      <a:lnStyleLst>
+        <a:ln w="9525" cap="flat" cmpd="sng" algn="ctr">
+          <a:solidFill>
+            <a:schemeClr val="phClr">
+              <a:shade val="95000"/>
+              <a:satMod val="105000"/>
+            </a:schemeClr>
+          </a:solidFill>
+          <a:prstDash val="solid"/>
+        </a:ln>
+        <a:ln w="25400" cap="flat" cmpd="sng" algn="ctr">
+          <a:solidFill>
+            <a:schemeClr val="phClr"/>
+          </a:solidFill>
+          <a:prstDash val="solid"/>
+        </a:ln>
+        <a:ln w="38100" cap="flat" cmpd="sng" algn="ctr">
+          <a:solidFill>
+            <a:schemeClr val="phClr"/>
+          </a:solidFill>
+          <a:prstDash val="solid"/>
+        </a:ln>
+      </a:lnStyleLst>
+      <a:effectStyleLst>
+        <a:effectStyle>
+          <a:effectLst>
+            <a:outerShdw blurRad="40000" dist="20000" dir="5400000" rotWithShape="0">
+              <a:srgbClr val="000000">
+                <a:alpha val="38000"/>
+              </a:srgbClr>
+            </a:outerShdw>
+          </a:effectLst>
+        </a:effectStyle>
+        <a:effectStyle>
+          <a:effectLst>
+            <a:outerShdw blurRad="40000" dist="23000" dir="5400000" rotWithShape="0">
+              <a:srgbClr val="000000">
+                <a:alpha val="35000"/>
+              </a:srgbClr>
+            </a:outerShdw>
+          </a:effectLst>
+        </a:effectStyle>
+        <a:effectStyle>
+          <a:effectLst>
+            <a:outerShdw blurRad="40000" dist="23000" dir="5400000" rotWithShape="0">
+              <a:srgbClr val="000000">
+                <a:alpha val="35000"/>
+              </a:srgbClr>
+            </a:outerShdw>
+          </a:effectLst>
+          <a:scene3d>
+            <a:camera prst="orthographicFront">
+              <a:rot lat="0" lon="0" rev="0"/>
+            </a:camera>
+            <a:lightRig rig="threePt" dir="t">
+              <a:rot lat="0" lon="0" rev="1200000"/>
+            </a:lightRig>
+          </a:scene3d>
+          <a:sp3d>
+            <a:bevelT w="63500" h="25400"/>
+          </a:sp3d>
+        </a:effectStyle>
+      </a:effectStyleLst>
+      <a:bgFillStyleLst>
+        <a:solidFill>
+          <a:schemeClr val="phClr"/>
+        </a:solidFill>
+        <a:gradFill rotWithShape="1">
+          <a:gsLst>
+            <a:gs pos="0">
+              <a:schemeClr val="phClr">
+                <a:tint val="40000"/>
+                <a:satMod val="350000"/>
+              </a:schemeClr>
+            </a:gs>
+            <a:gs pos="40000">
+              <a:schemeClr val="phClr">
+                <a:tint val="45000"/>
+                <a:shade val="99000"/>
+                <a:satMod val="350000"/>
+              </a:schemeClr>
+            </a:gs>
+            <a:gs pos="100000">
+              <a:schemeClr val="phClr">
+                <a:shade val="20000"/>
+                <a:satMod val="255000"/>
+              </a:schemeClr>
+            </a:gs>
+          </a:gsLst>
+          <a:path path="circle">
+            <a:fillToRect l="50000" t="-80000" r="50000" b="180000"/>
+          </a:path>
+        </a:gradFill>
+        <a:gradFill rotWithShape="1">
+          <a:gsLst>
+            <a:gs pos="0">
+              <a:schemeClr val="phClr">
+                <a:tint val="80000"/>
+                <a:satMod val="300000"/>
+              </a:schemeClr>
+            </a:gs>
+            <a:gs pos="100000">
+              <a:schemeClr val="phClr">
+                <a:shade val="30000"/>
+                <a:satMod val="200000"/>
+              </a:schemeClr>
+            </a:gs>
+          </a:gsLst>
+          <a:path path="circle">
+            <a:fillToRect l="50000" t="50000" r="50000" b="50000"/>
+          </a:path>
         </a:gradFill>
       </a:bgFillStyleLst>
     </a:fmtScheme>
   </a:themeElements>
-  <a:objectDefaults/>
+  <a:objectDefaults>
+    <a:spDef>
+      <a:spPr/>
+      <a:bodyPr/>
+      <a:lstStyle/>
+      <a:style>
+        <a:lnRef idx="1">
+          <a:schemeClr val="accent1"/>
+        </a:lnRef>
+        <a:fillRef idx="3">
+          <a:schemeClr val="accent1"/>
+        </a:fillRef>
+        <a:effectRef idx="2">
+          <a:schemeClr val="accent1"/>
+        </a:effectRef>
+        <a:fontRef idx="minor">
+          <a:schemeClr val="lt1"/>
+        </a:fontRef>
+      </a:style>
+    </a:spDef>
+    <a:lnDef>
+      <a:spPr/>
+      <a:bodyPr/>
+      <a:lstStyle/>
+      <a:style>
+        <a:lnRef idx="2">
+          <a:schemeClr val="accent1"/>
+        </a:lnRef>
+        <a:fillRef idx="0">
+          <a:schemeClr val="accent1"/>
+        </a:fillRef>
+        <a:effectRef idx="1">
+          <a:schemeClr val="accent1"/>
+        </a:effectRef>
+        <a:fontRef idx="minor">
+          <a:schemeClr val="tx1"/>
+        </a:fontRef>
+      </a:style>
+    </a:lnDef>
+  </a:objectDefaults>
   <a:extraClrSchemeLst/>
-  <a:extLst>
-    <a:ext uri="{05A4C25C-085E-4340-85A3-A5531E510DB2}">
-      <thm15:themeFamily xmlns:thm15="http://schemas.microsoft.com/office/thememl/2012/main" name="Office Theme" id="{62F939B6-93AF-4DB8-9C6B-D6C7DFDC589F}" vid="{4A3C46E8-61CC-4603-A589-7422A47A8E4A}"/>
-    </a:ext>
-  </a:extLst>
 </a:theme>
 </file>
--- a/20191105_CompNetBio_Slides.pptx
+++ b/20191105_CompNetBio_Slides.pptx
@@ -5,7 +5,7 @@
     <p:sldMasterId id="2147483648" r:id="rId1"/>
   </p:sldMasterIdLst>
   <p:notesMasterIdLst>
-    <p:notesMasterId r:id="rId10"/>
+    <p:notesMasterId r:id="rId12"/>
   </p:notesMasterIdLst>
   <p:sldIdLst>
     <p:sldId id="257" r:id="rId2"/>
@@ -16,6 +16,8 @@
     <p:sldId id="386" r:id="rId7"/>
     <p:sldId id="387" r:id="rId8"/>
     <p:sldId id="263" r:id="rId9"/>
+    <p:sldId id="388" r:id="rId10"/>
+    <p:sldId id="389" r:id="rId11"/>
   </p:sldIdLst>
   <p:sldSz cx="9144000" cy="6858000" type="screen4x3"/>
   <p:notesSz cx="6858000" cy="9144000"/>
@@ -3599,6 +3601,138 @@
 </p:sld>
 </file>
 
+<file path=ppt/slides/slide10.xml><?xml version="1.0" encoding="utf-8"?>
+<p:sld xmlns:a="http://schemas.openxmlformats.org/drawingml/2006/main" xmlns:r="http://schemas.openxmlformats.org/officeDocument/2006/relationships" xmlns:p="http://schemas.openxmlformats.org/presentationml/2006/main">
+  <p:cSld>
+    <p:spTree>
+      <p:nvGrpSpPr>
+        <p:cNvPr id="1" name=""/>
+        <p:cNvGrpSpPr/>
+        <p:nvPr/>
+      </p:nvGrpSpPr>
+      <p:grpSpPr>
+        <a:xfrm>
+          <a:off x="0" y="0"/>
+          <a:ext cx="0" cy="0"/>
+          <a:chOff x="0" y="0"/>
+          <a:chExt cx="0" cy="0"/>
+        </a:xfrm>
+      </p:grpSpPr>
+      <p:sp>
+        <p:nvSpPr>
+          <p:cNvPr id="2" name="Title 1"/>
+          <p:cNvSpPr>
+            <a:spLocks noGrp="1"/>
+          </p:cNvSpPr>
+          <p:nvPr>
+            <p:ph type="title"/>
+          </p:nvPr>
+        </p:nvSpPr>
+        <p:spPr/>
+        <p:txBody>
+          <a:bodyPr/>
+          <a:lstStyle/>
+          <a:p>
+            <a:r>
+              <a:rPr lang="en-US" dirty="0"/>
+              <a:t>Takeaway points</a:t>
+            </a:r>
+          </a:p>
+        </p:txBody>
+      </p:sp>
+      <p:sp>
+        <p:nvSpPr>
+          <p:cNvPr id="3" name="Content Placeholder 2"/>
+          <p:cNvSpPr>
+            <a:spLocks noGrp="1"/>
+          </p:cNvSpPr>
+          <p:nvPr>
+            <p:ph idx="1"/>
+          </p:nvPr>
+        </p:nvSpPr>
+        <p:spPr/>
+        <p:txBody>
+          <a:bodyPr>
+            <a:normAutofit/>
+          </a:bodyPr>
+          <a:lstStyle/>
+          <a:p>
+            <a:r>
+              <a:rPr lang="en-US" sz="2000" dirty="0"/>
+              <a:t>As more and more single-cell datasets are generated, integrating them across multiple sources remains an important task for understanding dynamic changes underscoring the heterogeneity of cells.</a:t>
+            </a:r>
+          </a:p>
+          <a:p>
+            <a:r>
+              <a:rPr lang="en-US" sz="2000" dirty="0"/>
+              <a:t>We looked at two different pipelines:</a:t>
+            </a:r>
+          </a:p>
+          <a:p>
+            <a:pPr lvl="1"/>
+            <a:r>
+              <a:rPr lang="en-US" sz="2000" dirty="0" err="1"/>
+              <a:t>Conos</a:t>
+            </a:r>
+            <a:r>
+              <a:rPr lang="en-US" sz="2000" dirty="0"/>
+              <a:t>: joint NMF to project cells to same space, correlation-based nearest neighbor graph to connect cells in common space</a:t>
+            </a:r>
+          </a:p>
+          <a:p>
+            <a:pPr lvl="1"/>
+            <a:r>
+              <a:rPr lang="en-US" sz="2000" dirty="0"/>
+              <a:t>LIGER: </a:t>
+            </a:r>
+            <a:r>
+              <a:rPr lang="en-US" sz="2000" dirty="0" err="1"/>
+              <a:t>intergrative</a:t>
+            </a:r>
+            <a:r>
+              <a:rPr lang="en-US" sz="2000" dirty="0"/>
+              <a:t> NMF to project cells to same space, nearest-neighbor-votes graph to connect cells in common space</a:t>
+            </a:r>
+          </a:p>
+          <a:p>
+            <a:r>
+              <a:rPr lang="en-US" sz="2000" dirty="0"/>
+              <a:t>More challenges/active areas of research:</a:t>
+            </a:r>
+          </a:p>
+          <a:p>
+            <a:pPr lvl="1"/>
+            <a:r>
+              <a:rPr lang="en-US" sz="2000" dirty="0"/>
+              <a:t>How to identify differential gene expression and/or relationships in different groups of cell populations?</a:t>
+            </a:r>
+          </a:p>
+          <a:p>
+            <a:pPr lvl="1"/>
+            <a:r>
+              <a:rPr lang="en-US" sz="2000" dirty="0"/>
+              <a:t>How to integrate known cell type/label information to classify unknown, new cell types?</a:t>
+            </a:r>
+          </a:p>
+          <a:p>
+            <a:pPr lvl="1"/>
+            <a:endParaRPr lang="en-US" sz="2000" dirty="0"/>
+          </a:p>
+        </p:txBody>
+      </p:sp>
+    </p:spTree>
+    <p:extLst>
+      <p:ext uri="{BB962C8B-B14F-4D97-AF65-F5344CB8AC3E}">
+        <p14:creationId xmlns:p14="http://schemas.microsoft.com/office/powerpoint/2010/main" val="4214265565"/>
+      </p:ext>
+    </p:extLst>
+  </p:cSld>
+  <p:clrMapOvr>
+    <a:masterClrMapping/>
+  </p:clrMapOvr>
+</p:sld>
+</file>
+
 <file path=ppt/slides/slide2.xml><?xml version="1.0" encoding="utf-8"?>
 <p:sld xmlns:a="http://schemas.openxmlformats.org/drawingml/2006/main" xmlns:r="http://schemas.openxmlformats.org/officeDocument/2006/relationships" xmlns:p="http://schemas.openxmlformats.org/presentationml/2006/main">
   <p:cSld>
@@ -4613,7 +4747,7 @@
             </a:pPr>
             <a:r>
               <a:rPr lang="en-US" sz="2000" dirty="0"/>
-              <a:t>Open command line/terminal, claim the port:</a:t>
+              <a:t>Open command line/terminal, claim the port</a:t>
             </a:r>
           </a:p>
           <a:p>
@@ -4710,68 +4844,120 @@
               <a:t>As more and more single-cell datasets are generated, integrating them across multiple sources remains an important task for understanding dynamic changes underscoring the heterogeneity of cells.</a:t>
             </a:r>
           </a:p>
-          <a:p>
-            <a:r>
-              <a:rPr lang="en-US" sz="2000" dirty="0"/>
-              <a:t>We looked at two different pipelines:</a:t>
-            </a:r>
-          </a:p>
-          <a:p>
-            <a:pPr lvl="1"/>
-            <a:r>
-              <a:rPr lang="en-US" sz="2000" dirty="0" err="1"/>
-              <a:t>Conos</a:t>
-            </a:r>
-            <a:r>
-              <a:rPr lang="en-US" sz="2000" dirty="0"/>
-              <a:t>: joint NMF to project cells to same space, correlation-based nearest neighbor graph to connect cells in common space</a:t>
-            </a:r>
-          </a:p>
-          <a:p>
-            <a:pPr lvl="1"/>
-            <a:r>
-              <a:rPr lang="en-US" sz="2000" dirty="0"/>
-              <a:t>LIGER: </a:t>
-            </a:r>
-            <a:r>
-              <a:rPr lang="en-US" sz="2000" dirty="0" err="1"/>
-              <a:t>intergrative</a:t>
-            </a:r>
-            <a:r>
-              <a:rPr lang="en-US" sz="2000" dirty="0"/>
-              <a:t> NMF to project cells to same space, nearest-neighbor-votes graph to connect cells in common space</a:t>
-            </a:r>
-          </a:p>
-          <a:p>
-            <a:r>
-              <a:rPr lang="en-US" sz="2000" dirty="0"/>
-              <a:t>More challenges/active areas of research:</a:t>
-            </a:r>
-          </a:p>
-          <a:p>
-            <a:pPr lvl="1"/>
-            <a:r>
-              <a:rPr lang="en-US" sz="2000" dirty="0"/>
-              <a:t>How to identify differential gene expression and/or relationships in different groups of cell populations?</a:t>
-            </a:r>
-          </a:p>
-          <a:p>
-            <a:pPr lvl="1"/>
-            <a:r>
-              <a:rPr lang="en-US" sz="2000" dirty="0"/>
-              <a:t>How to integrate known cell type/label information to classify unknown, new cell types?</a:t>
-            </a:r>
-          </a:p>
-          <a:p>
-            <a:pPr lvl="1"/>
-            <a:endParaRPr lang="en-US" sz="2000" dirty="0"/>
-          </a:p>
         </p:txBody>
       </p:sp>
     </p:spTree>
     <p:extLst>
       <p:ext uri="{BB962C8B-B14F-4D97-AF65-F5344CB8AC3E}">
         <p14:creationId xmlns:p14="http://schemas.microsoft.com/office/powerpoint/2010/main" val="2626791125"/>
+      </p:ext>
+    </p:extLst>
+  </p:cSld>
+  <p:clrMapOvr>
+    <a:masterClrMapping/>
+  </p:clrMapOvr>
+</p:sld>
+</file>
+
+<file path=ppt/slides/slide9.xml><?xml version="1.0" encoding="utf-8"?>
+<p:sld xmlns:a="http://schemas.openxmlformats.org/drawingml/2006/main" xmlns:r="http://schemas.openxmlformats.org/officeDocument/2006/relationships" xmlns:p="http://schemas.openxmlformats.org/presentationml/2006/main">
+  <p:cSld>
+    <p:spTree>
+      <p:nvGrpSpPr>
+        <p:cNvPr id="1" name=""/>
+        <p:cNvGrpSpPr/>
+        <p:nvPr/>
+      </p:nvGrpSpPr>
+      <p:grpSpPr>
+        <a:xfrm>
+          <a:off x="0" y="0"/>
+          <a:ext cx="0" cy="0"/>
+          <a:chOff x="0" y="0"/>
+          <a:chExt cx="0" cy="0"/>
+        </a:xfrm>
+      </p:grpSpPr>
+      <p:sp>
+        <p:nvSpPr>
+          <p:cNvPr id="2" name="Title 1"/>
+          <p:cNvSpPr>
+            <a:spLocks noGrp="1"/>
+          </p:cNvSpPr>
+          <p:nvPr>
+            <p:ph type="title"/>
+          </p:nvPr>
+        </p:nvSpPr>
+        <p:spPr/>
+        <p:txBody>
+          <a:bodyPr/>
+          <a:lstStyle/>
+          <a:p>
+            <a:r>
+              <a:rPr lang="en-US" dirty="0"/>
+              <a:t>Takeaway points</a:t>
+            </a:r>
+          </a:p>
+        </p:txBody>
+      </p:sp>
+      <p:sp>
+        <p:nvSpPr>
+          <p:cNvPr id="3" name="Content Placeholder 2"/>
+          <p:cNvSpPr>
+            <a:spLocks noGrp="1"/>
+          </p:cNvSpPr>
+          <p:nvPr>
+            <p:ph idx="1"/>
+          </p:nvPr>
+        </p:nvSpPr>
+        <p:spPr/>
+        <p:txBody>
+          <a:bodyPr>
+            <a:normAutofit/>
+          </a:bodyPr>
+          <a:lstStyle/>
+          <a:p>
+            <a:r>
+              <a:rPr lang="en-US" sz="2000" dirty="0"/>
+              <a:t>As more and more single-cell datasets are generated, integrating them across multiple sources remains an important task for understanding dynamic changes underscoring the heterogeneity of cells.</a:t>
+            </a:r>
+          </a:p>
+          <a:p>
+            <a:r>
+              <a:rPr lang="en-US" sz="2000" dirty="0"/>
+              <a:t>We looked at two different pipelines:</a:t>
+            </a:r>
+          </a:p>
+          <a:p>
+            <a:pPr lvl="1"/>
+            <a:r>
+              <a:rPr lang="en-US" sz="2000" dirty="0" err="1"/>
+              <a:t>Conos</a:t>
+            </a:r>
+            <a:r>
+              <a:rPr lang="en-US" sz="2000" dirty="0"/>
+              <a:t>: joint NMF to project cells to same space, correlation-based nearest neighbor graph to connect cells in common space</a:t>
+            </a:r>
+          </a:p>
+          <a:p>
+            <a:pPr lvl="1"/>
+            <a:r>
+              <a:rPr lang="en-US" sz="2000" dirty="0"/>
+              <a:t>LIGER: </a:t>
+            </a:r>
+            <a:r>
+              <a:rPr lang="en-US" sz="2000" dirty="0" err="1"/>
+              <a:t>intergrative</a:t>
+            </a:r>
+            <a:r>
+              <a:rPr lang="en-US" sz="2000" dirty="0"/>
+              <a:t> NMF to project cells to same space, nearest-neighbor-votes graph to connect cells in common space</a:t>
+            </a:r>
+          </a:p>
+        </p:txBody>
+      </p:sp>
+    </p:spTree>
+    <p:extLst>
+      <p:ext uri="{BB962C8B-B14F-4D97-AF65-F5344CB8AC3E}">
+        <p14:creationId xmlns:p14="http://schemas.microsoft.com/office/powerpoint/2010/main" val="2424166279"/>
       </p:ext>
     </p:extLst>
   </p:cSld>

--- a/20191105_CompNetBio_Slides.pptx
+++ b/20191105_CompNetBio_Slides.pptx
@@ -5,19 +5,20 @@
     <p:sldMasterId id="2147483648" r:id="rId1"/>
   </p:sldMasterIdLst>
   <p:notesMasterIdLst>
-    <p:notesMasterId r:id="rId12"/>
+    <p:notesMasterId r:id="rId13"/>
   </p:notesMasterIdLst>
   <p:sldIdLst>
     <p:sldId id="257" r:id="rId2"/>
     <p:sldId id="323" r:id="rId3"/>
     <p:sldId id="384" r:id="rId4"/>
     <p:sldId id="385" r:id="rId5"/>
-    <p:sldId id="383" r:id="rId6"/>
-    <p:sldId id="386" r:id="rId7"/>
-    <p:sldId id="387" r:id="rId8"/>
-    <p:sldId id="263" r:id="rId9"/>
-    <p:sldId id="388" r:id="rId10"/>
-    <p:sldId id="389" r:id="rId11"/>
+    <p:sldId id="390" r:id="rId6"/>
+    <p:sldId id="383" r:id="rId7"/>
+    <p:sldId id="386" r:id="rId8"/>
+    <p:sldId id="387" r:id="rId9"/>
+    <p:sldId id="263" r:id="rId10"/>
+    <p:sldId id="388" r:id="rId11"/>
+    <p:sldId id="389" r:id="rId12"/>
   </p:sldIdLst>
   <p:sldSz cx="9144000" cy="6858000" type="screen4x3"/>
   <p:notesSz cx="6858000" cy="9144000"/>
@@ -217,7 +218,7 @@
           <a:p>
             <a:fld id="{DCD45647-0DC1-3245-9BBB-58938104758A}" type="datetimeFigureOut">
               <a:rPr lang="en-US" smtClean="0"/>
-              <a:t>10/29/19</a:t>
+              <a:t>11/5/19</a:t>
             </a:fld>
             <a:endParaRPr lang="en-US"/>
           </a:p>
@@ -663,7 +664,7 @@
           <a:p>
             <a:fld id="{221F168A-3B71-2E47-9461-8E8EEA77D02C}" type="datetimeFigureOut">
               <a:rPr lang="en-US" smtClean="0"/>
-              <a:t>10/29/19</a:t>
+              <a:t>11/5/19</a:t>
             </a:fld>
             <a:endParaRPr lang="en-US"/>
           </a:p>
@@ -831,7 +832,7 @@
           <a:p>
             <a:fld id="{221F168A-3B71-2E47-9461-8E8EEA77D02C}" type="datetimeFigureOut">
               <a:rPr lang="en-US" smtClean="0"/>
-              <a:t>10/29/19</a:t>
+              <a:t>11/5/19</a:t>
             </a:fld>
             <a:endParaRPr lang="en-US"/>
           </a:p>
@@ -1009,7 +1010,7 @@
           <a:p>
             <a:fld id="{221F168A-3B71-2E47-9461-8E8EEA77D02C}" type="datetimeFigureOut">
               <a:rPr lang="en-US" smtClean="0"/>
-              <a:t>10/29/19</a:t>
+              <a:t>11/5/19</a:t>
             </a:fld>
             <a:endParaRPr lang="en-US"/>
           </a:p>
@@ -1177,7 +1178,7 @@
           <a:p>
             <a:fld id="{221F168A-3B71-2E47-9461-8E8EEA77D02C}" type="datetimeFigureOut">
               <a:rPr lang="en-US" smtClean="0"/>
-              <a:t>10/29/19</a:t>
+              <a:t>11/5/19</a:t>
             </a:fld>
             <a:endParaRPr lang="en-US"/>
           </a:p>
@@ -1422,7 +1423,7 @@
           <a:p>
             <a:fld id="{221F168A-3B71-2E47-9461-8E8EEA77D02C}" type="datetimeFigureOut">
               <a:rPr lang="en-US" smtClean="0"/>
-              <a:t>10/29/19</a:t>
+              <a:t>11/5/19</a:t>
             </a:fld>
             <a:endParaRPr lang="en-US"/>
           </a:p>
@@ -1707,7 +1708,7 @@
           <a:p>
             <a:fld id="{221F168A-3B71-2E47-9461-8E8EEA77D02C}" type="datetimeFigureOut">
               <a:rPr lang="en-US" smtClean="0"/>
-              <a:t>10/29/19</a:t>
+              <a:t>11/5/19</a:t>
             </a:fld>
             <a:endParaRPr lang="en-US"/>
           </a:p>
@@ -2126,7 +2127,7 @@
           <a:p>
             <a:fld id="{221F168A-3B71-2E47-9461-8E8EEA77D02C}" type="datetimeFigureOut">
               <a:rPr lang="en-US" smtClean="0"/>
-              <a:t>10/29/19</a:t>
+              <a:t>11/5/19</a:t>
             </a:fld>
             <a:endParaRPr lang="en-US"/>
           </a:p>
@@ -2243,7 +2244,7 @@
           <a:p>
             <a:fld id="{221F168A-3B71-2E47-9461-8E8EEA77D02C}" type="datetimeFigureOut">
               <a:rPr lang="en-US" smtClean="0"/>
-              <a:t>10/29/19</a:t>
+              <a:t>11/5/19</a:t>
             </a:fld>
             <a:endParaRPr lang="en-US"/>
           </a:p>
@@ -2338,7 +2339,7 @@
           <a:p>
             <a:fld id="{221F168A-3B71-2E47-9461-8E8EEA77D02C}" type="datetimeFigureOut">
               <a:rPr lang="en-US" smtClean="0"/>
-              <a:t>10/29/19</a:t>
+              <a:t>11/5/19</a:t>
             </a:fld>
             <a:endParaRPr lang="en-US"/>
           </a:p>
@@ -2613,7 +2614,7 @@
           <a:p>
             <a:fld id="{221F168A-3B71-2E47-9461-8E8EEA77D02C}" type="datetimeFigureOut">
               <a:rPr lang="en-US" smtClean="0"/>
-              <a:t>10/29/19</a:t>
+              <a:t>11/5/19</a:t>
             </a:fld>
             <a:endParaRPr lang="en-US"/>
           </a:p>
@@ -2865,7 +2866,7 @@
           <a:p>
             <a:fld id="{221F168A-3B71-2E47-9461-8E8EEA77D02C}" type="datetimeFigureOut">
               <a:rPr lang="en-US" smtClean="0"/>
-              <a:t>10/29/19</a:t>
+              <a:t>11/5/19</a:t>
             </a:fld>
             <a:endParaRPr lang="en-US"/>
           </a:p>
@@ -3076,7 +3077,7 @@
           <a:p>
             <a:fld id="{221F168A-3B71-2E47-9461-8E8EEA77D02C}" type="datetimeFigureOut">
               <a:rPr lang="en-US" smtClean="0"/>
-              <a:t>10/29/19</a:t>
+              <a:t>11/5/19</a:t>
             </a:fld>
             <a:endParaRPr lang="en-US"/>
           </a:p>
@@ -3694,6 +3695,114 @@
               <a:t> NMF to project cells to same space, nearest-neighbor-votes graph to connect cells in common space</a:t>
             </a:r>
           </a:p>
+        </p:txBody>
+      </p:sp>
+    </p:spTree>
+    <p:extLst>
+      <p:ext uri="{BB962C8B-B14F-4D97-AF65-F5344CB8AC3E}">
+        <p14:creationId xmlns:p14="http://schemas.microsoft.com/office/powerpoint/2010/main" val="2424166279"/>
+      </p:ext>
+    </p:extLst>
+  </p:cSld>
+  <p:clrMapOvr>
+    <a:masterClrMapping/>
+  </p:clrMapOvr>
+</p:sld>
+</file>
+
+<file path=ppt/slides/slide11.xml><?xml version="1.0" encoding="utf-8"?>
+<p:sld xmlns:a="http://schemas.openxmlformats.org/drawingml/2006/main" xmlns:r="http://schemas.openxmlformats.org/officeDocument/2006/relationships" xmlns:p="http://schemas.openxmlformats.org/presentationml/2006/main">
+  <p:cSld>
+    <p:spTree>
+      <p:nvGrpSpPr>
+        <p:cNvPr id="1" name=""/>
+        <p:cNvGrpSpPr/>
+        <p:nvPr/>
+      </p:nvGrpSpPr>
+      <p:grpSpPr>
+        <a:xfrm>
+          <a:off x="0" y="0"/>
+          <a:ext cx="0" cy="0"/>
+          <a:chOff x="0" y="0"/>
+          <a:chExt cx="0" cy="0"/>
+        </a:xfrm>
+      </p:grpSpPr>
+      <p:sp>
+        <p:nvSpPr>
+          <p:cNvPr id="2" name="Title 1"/>
+          <p:cNvSpPr>
+            <a:spLocks noGrp="1"/>
+          </p:cNvSpPr>
+          <p:nvPr>
+            <p:ph type="title"/>
+          </p:nvPr>
+        </p:nvSpPr>
+        <p:spPr/>
+        <p:txBody>
+          <a:bodyPr/>
+          <a:lstStyle/>
+          <a:p>
+            <a:r>
+              <a:rPr lang="en-US" dirty="0"/>
+              <a:t>Takeaway points</a:t>
+            </a:r>
+          </a:p>
+        </p:txBody>
+      </p:sp>
+      <p:sp>
+        <p:nvSpPr>
+          <p:cNvPr id="3" name="Content Placeholder 2"/>
+          <p:cNvSpPr>
+            <a:spLocks noGrp="1"/>
+          </p:cNvSpPr>
+          <p:nvPr>
+            <p:ph idx="1"/>
+          </p:nvPr>
+        </p:nvSpPr>
+        <p:spPr/>
+        <p:txBody>
+          <a:bodyPr>
+            <a:normAutofit/>
+          </a:bodyPr>
+          <a:lstStyle/>
+          <a:p>
+            <a:r>
+              <a:rPr lang="en-US" sz="2000" dirty="0"/>
+              <a:t>As more and more single-cell datasets are generated, integrating them across multiple sources remains an important task for understanding dynamic changes underscoring the heterogeneity of cells.</a:t>
+            </a:r>
+          </a:p>
+          <a:p>
+            <a:r>
+              <a:rPr lang="en-US" sz="2000" dirty="0"/>
+              <a:t>We looked at two different pipelines:</a:t>
+            </a:r>
+          </a:p>
+          <a:p>
+            <a:pPr lvl="1"/>
+            <a:r>
+              <a:rPr lang="en-US" sz="2000" dirty="0" err="1"/>
+              <a:t>Conos</a:t>
+            </a:r>
+            <a:r>
+              <a:rPr lang="en-US" sz="2000" dirty="0"/>
+              <a:t>: joint NMF to project cells to same space, correlation-based nearest neighbor graph to connect cells in common space</a:t>
+            </a:r>
+          </a:p>
+          <a:p>
+            <a:pPr lvl="1"/>
+            <a:r>
+              <a:rPr lang="en-US" sz="2000" dirty="0"/>
+              <a:t>LIGER: </a:t>
+            </a:r>
+            <a:r>
+              <a:rPr lang="en-US" sz="2000" dirty="0" err="1"/>
+              <a:t>intergrative</a:t>
+            </a:r>
+            <a:r>
+              <a:rPr lang="en-US" sz="2000" dirty="0"/>
+              <a:t> NMF to project cells to same space, nearest-neighbor-votes graph to connect cells in common space</a:t>
+            </a:r>
+          </a:p>
           <a:p>
             <a:r>
               <a:rPr lang="en-US" sz="2000" dirty="0"/>
@@ -4109,6 +4218,650 @@
       </p:grpSpPr>
       <p:sp>
         <p:nvSpPr>
+          <p:cNvPr id="2" name="Title 1"/>
+          <p:cNvSpPr>
+            <a:spLocks noGrp="1"/>
+          </p:cNvSpPr>
+          <p:nvPr>
+            <p:ph type="title"/>
+          </p:nvPr>
+        </p:nvSpPr>
+        <p:spPr/>
+        <p:txBody>
+          <a:bodyPr>
+            <a:normAutofit fontScale="90000"/>
+          </a:bodyPr>
+          <a:lstStyle/>
+          <a:p>
+            <a:r>
+              <a:rPr lang="en-US" dirty="0"/>
+              <a:t>Single-cell datasets from pluripotency engineering process</a:t>
+            </a:r>
+          </a:p>
+        </p:txBody>
+      </p:sp>
+      <p:pic>
+        <p:nvPicPr>
+          <p:cNvPr id="5" name="Picture 4">
+            <a:extLst>
+              <a:ext uri="{FF2B5EF4-FFF2-40B4-BE49-F238E27FC236}">
+                <a16:creationId xmlns:a16="http://schemas.microsoft.com/office/drawing/2014/main" id="{5F21C0F7-AF13-8C4D-867F-6CFF86D4E9EA}"/>
+              </a:ext>
+            </a:extLst>
+          </p:cNvPr>
+          <p:cNvPicPr>
+            <a:picLocks noChangeAspect="1"/>
+          </p:cNvPicPr>
+          <p:nvPr/>
+        </p:nvPicPr>
+        <p:blipFill>
+          <a:blip r:embed="rId2"/>
+          <a:stretch>
+            <a:fillRect/>
+          </a:stretch>
+        </p:blipFill>
+        <p:spPr>
+          <a:xfrm>
+            <a:off x="1157350" y="2342926"/>
+            <a:ext cx="6680366" cy="2406896"/>
+          </a:xfrm>
+          <a:prstGeom prst="rect">
+            <a:avLst/>
+          </a:prstGeom>
+        </p:spPr>
+      </p:pic>
+      <p:sp>
+        <p:nvSpPr>
+          <p:cNvPr id="8" name="TextBox 7">
+            <a:extLst>
+              <a:ext uri="{FF2B5EF4-FFF2-40B4-BE49-F238E27FC236}">
+                <a16:creationId xmlns:a16="http://schemas.microsoft.com/office/drawing/2014/main" id="{E446DA22-862F-124E-A6D6-1CA47E84A599}"/>
+              </a:ext>
+            </a:extLst>
+          </p:cNvPr>
+          <p:cNvSpPr txBox="1"/>
+          <p:nvPr/>
+        </p:nvSpPr>
+        <p:spPr>
+          <a:xfrm>
+            <a:off x="3113232" y="5818246"/>
+            <a:ext cx="2917530" cy="369332"/>
+          </a:xfrm>
+          <a:prstGeom prst="rect">
+            <a:avLst/>
+          </a:prstGeom>
+          <a:noFill/>
+        </p:spPr>
+        <p:txBody>
+          <a:bodyPr wrap="none" rtlCol="0">
+            <a:spAutoFit/>
+          </a:bodyPr>
+          <a:lstStyle/>
+          <a:p>
+            <a:r>
+              <a:rPr lang="en-US" dirty="0"/>
+              <a:t>Tran et al. Cell Reports. 2019 </a:t>
+            </a:r>
+          </a:p>
+        </p:txBody>
+      </p:sp>
+      <p:sp>
+        <p:nvSpPr>
+          <p:cNvPr id="6" name="Rectangle 5">
+            <a:extLst>
+              <a:ext uri="{FF2B5EF4-FFF2-40B4-BE49-F238E27FC236}">
+                <a16:creationId xmlns:a16="http://schemas.microsoft.com/office/drawing/2014/main" id="{00206264-D6B8-5444-8E32-20ADB0A2747C}"/>
+              </a:ext>
+            </a:extLst>
+          </p:cNvPr>
+          <p:cNvSpPr/>
+          <p:nvPr/>
+        </p:nvSpPr>
+        <p:spPr>
+          <a:xfrm>
+            <a:off x="959609" y="2733152"/>
+            <a:ext cx="1472089" cy="492369"/>
+          </a:xfrm>
+          <a:prstGeom prst="rect">
+            <a:avLst/>
+          </a:prstGeom>
+          <a:solidFill>
+            <a:schemeClr val="bg1"/>
+          </a:solidFill>
+          <a:ln>
+            <a:noFill/>
+          </a:ln>
+          <a:effectLst/>
+        </p:spPr>
+        <p:style>
+          <a:lnRef idx="1">
+            <a:schemeClr val="accent1"/>
+          </a:lnRef>
+          <a:fillRef idx="3">
+            <a:schemeClr val="accent1"/>
+          </a:fillRef>
+          <a:effectRef idx="2">
+            <a:schemeClr val="accent1"/>
+          </a:effectRef>
+          <a:fontRef idx="minor">
+            <a:schemeClr val="lt1"/>
+          </a:fontRef>
+        </p:style>
+        <p:txBody>
+          <a:bodyPr rot="0" spcFirstLastPara="0" vertOverflow="overflow" horzOverflow="overflow" vert="horz" wrap="square" lIns="91440" tIns="45720" rIns="91440" bIns="45720" numCol="1" spcCol="0" rtlCol="0" fromWordArt="0" anchor="ctr" anchorCtr="0" forceAA="0" compatLnSpc="1">
+            <a:prstTxWarp prst="textNoShape">
+              <a:avLst/>
+            </a:prstTxWarp>
+            <a:noAutofit/>
+          </a:bodyPr>
+          <a:lstStyle/>
+          <a:p>
+            <a:pPr algn="ctr"/>
+            <a:r>
+              <a:rPr lang="en-US" sz="1500" dirty="0">
+                <a:ln w="0"/>
+                <a:solidFill>
+                  <a:schemeClr val="tx1"/>
+                </a:solidFill>
+              </a:rPr>
+              <a:t>308 MEF cells</a:t>
+            </a:r>
+          </a:p>
+          <a:p>
+            <a:pPr algn="ctr"/>
+            <a:r>
+              <a:rPr lang="en-US" sz="1500" dirty="0">
+                <a:ln w="0"/>
+                <a:solidFill>
+                  <a:srgbClr val="C00000"/>
+                </a:solidFill>
+              </a:rPr>
+              <a:t>MEF-Day0-Rep1</a:t>
+            </a:r>
+          </a:p>
+        </p:txBody>
+      </p:sp>
+      <p:sp>
+        <p:nvSpPr>
+          <p:cNvPr id="10" name="Rectangle 9">
+            <a:extLst>
+              <a:ext uri="{FF2B5EF4-FFF2-40B4-BE49-F238E27FC236}">
+                <a16:creationId xmlns:a16="http://schemas.microsoft.com/office/drawing/2014/main" id="{6E2F18CA-D95C-5E42-AC79-B0CB2CF3E5D3}"/>
+              </a:ext>
+            </a:extLst>
+          </p:cNvPr>
+          <p:cNvSpPr/>
+          <p:nvPr/>
+        </p:nvSpPr>
+        <p:spPr>
+          <a:xfrm>
+            <a:off x="2733144" y="1949379"/>
+            <a:ext cx="1949387" cy="1029959"/>
+          </a:xfrm>
+          <a:prstGeom prst="rect">
+            <a:avLst/>
+          </a:prstGeom>
+          <a:solidFill>
+            <a:schemeClr val="bg1"/>
+          </a:solidFill>
+          <a:ln>
+            <a:noFill/>
+          </a:ln>
+          <a:effectLst/>
+        </p:spPr>
+        <p:style>
+          <a:lnRef idx="1">
+            <a:schemeClr val="accent1"/>
+          </a:lnRef>
+          <a:fillRef idx="3">
+            <a:schemeClr val="accent1"/>
+          </a:fillRef>
+          <a:effectRef idx="2">
+            <a:schemeClr val="accent1"/>
+          </a:effectRef>
+          <a:fontRef idx="minor">
+            <a:schemeClr val="lt1"/>
+          </a:fontRef>
+        </p:style>
+        <p:txBody>
+          <a:bodyPr rot="0" spcFirstLastPara="0" vertOverflow="overflow" horzOverflow="overflow" vert="horz" wrap="square" lIns="91440" tIns="45720" rIns="91440" bIns="45720" numCol="1" spcCol="0" rtlCol="0" fromWordArt="0" anchor="ctr" anchorCtr="0" forceAA="0" compatLnSpc="1">
+            <a:prstTxWarp prst="textNoShape">
+              <a:avLst/>
+            </a:prstTxWarp>
+            <a:noAutofit/>
+          </a:bodyPr>
+          <a:lstStyle/>
+          <a:p>
+            <a:pPr algn="ctr"/>
+            <a:r>
+              <a:rPr lang="en-US" sz="1500" dirty="0">
+                <a:ln w="0"/>
+                <a:solidFill>
+                  <a:schemeClr val="tx1"/>
+                </a:solidFill>
+              </a:rPr>
+              <a:t>389 transitioning cells, 6 days into FBS treatment</a:t>
+            </a:r>
+          </a:p>
+          <a:p>
+            <a:pPr algn="ctr"/>
+            <a:r>
+              <a:rPr lang="en-US" sz="1500" dirty="0">
+                <a:ln w="0"/>
+                <a:solidFill>
+                  <a:srgbClr val="C00000"/>
+                </a:solidFill>
+              </a:rPr>
+              <a:t>FBS-Day6-Rep1</a:t>
+            </a:r>
+          </a:p>
+        </p:txBody>
+      </p:sp>
+      <p:sp>
+        <p:nvSpPr>
+          <p:cNvPr id="11" name="Rectangle 10">
+            <a:extLst>
+              <a:ext uri="{FF2B5EF4-FFF2-40B4-BE49-F238E27FC236}">
+                <a16:creationId xmlns:a16="http://schemas.microsoft.com/office/drawing/2014/main" id="{BA04D774-FB5C-5749-9139-D233F05F394B}"/>
+              </a:ext>
+            </a:extLst>
+          </p:cNvPr>
+          <p:cNvSpPr/>
+          <p:nvPr/>
+        </p:nvSpPr>
+        <p:spPr>
+          <a:xfrm>
+            <a:off x="2769995" y="4176765"/>
+            <a:ext cx="1962780" cy="1078523"/>
+          </a:xfrm>
+          <a:prstGeom prst="rect">
+            <a:avLst/>
+          </a:prstGeom>
+          <a:solidFill>
+            <a:schemeClr val="bg1"/>
+          </a:solidFill>
+          <a:ln>
+            <a:noFill/>
+          </a:ln>
+          <a:effectLst/>
+        </p:spPr>
+        <p:style>
+          <a:lnRef idx="1">
+            <a:schemeClr val="accent1"/>
+          </a:lnRef>
+          <a:fillRef idx="3">
+            <a:schemeClr val="accent1"/>
+          </a:fillRef>
+          <a:effectRef idx="2">
+            <a:schemeClr val="accent1"/>
+          </a:effectRef>
+          <a:fontRef idx="minor">
+            <a:schemeClr val="lt1"/>
+          </a:fontRef>
+        </p:style>
+        <p:txBody>
+          <a:bodyPr rot="0" spcFirstLastPara="0" vertOverflow="overflow" horzOverflow="overflow" vert="horz" wrap="square" lIns="91440" tIns="45720" rIns="91440" bIns="45720" numCol="1" spcCol="0" rtlCol="0" fromWordArt="0" anchor="ctr" anchorCtr="0" forceAA="0" compatLnSpc="1">
+            <a:prstTxWarp prst="textNoShape">
+              <a:avLst/>
+            </a:prstTxWarp>
+            <a:noAutofit/>
+          </a:bodyPr>
+          <a:lstStyle/>
+          <a:p>
+            <a:pPr algn="ctr"/>
+            <a:r>
+              <a:rPr lang="en-US" sz="1500" dirty="0">
+                <a:ln w="0"/>
+                <a:solidFill>
+                  <a:schemeClr val="tx1"/>
+                </a:solidFill>
+              </a:rPr>
+              <a:t>223 transitioning cells, 6 days into A2S treatment</a:t>
+            </a:r>
+          </a:p>
+          <a:p>
+            <a:pPr algn="ctr"/>
+            <a:r>
+              <a:rPr lang="en-US" sz="1500" dirty="0">
+                <a:ln w="0"/>
+                <a:solidFill>
+                  <a:srgbClr val="C00000"/>
+                </a:solidFill>
+              </a:rPr>
+              <a:t>A2S-Day6-Rep1</a:t>
+            </a:r>
+          </a:p>
+        </p:txBody>
+      </p:sp>
+      <p:sp>
+        <p:nvSpPr>
+          <p:cNvPr id="14" name="Rectangle 13">
+            <a:extLst>
+              <a:ext uri="{FF2B5EF4-FFF2-40B4-BE49-F238E27FC236}">
+                <a16:creationId xmlns:a16="http://schemas.microsoft.com/office/drawing/2014/main" id="{98952BBC-F7E1-FB4D-8D6E-14B1CEA63134}"/>
+              </a:ext>
+            </a:extLst>
+          </p:cNvPr>
+          <p:cNvSpPr/>
+          <p:nvPr/>
+        </p:nvSpPr>
+        <p:spPr>
+          <a:xfrm>
+            <a:off x="5151569" y="2454310"/>
+            <a:ext cx="1312907" cy="332434"/>
+          </a:xfrm>
+          <a:prstGeom prst="rect">
+            <a:avLst/>
+          </a:prstGeom>
+          <a:solidFill>
+            <a:schemeClr val="bg1"/>
+          </a:solidFill>
+          <a:ln>
+            <a:noFill/>
+          </a:ln>
+          <a:effectLst/>
+        </p:spPr>
+        <p:style>
+          <a:lnRef idx="1">
+            <a:schemeClr val="accent1"/>
+          </a:lnRef>
+          <a:fillRef idx="3">
+            <a:schemeClr val="accent1"/>
+          </a:fillRef>
+          <a:effectRef idx="2">
+            <a:schemeClr val="accent1"/>
+          </a:effectRef>
+          <a:fontRef idx="minor">
+            <a:schemeClr val="lt1"/>
+          </a:fontRef>
+        </p:style>
+        <p:txBody>
+          <a:bodyPr rot="0" spcFirstLastPara="0" vertOverflow="overflow" horzOverflow="overflow" vert="horz" wrap="square" lIns="91440" tIns="45720" rIns="91440" bIns="45720" numCol="1" spcCol="0" rtlCol="0" fromWordArt="0" anchor="ctr" anchorCtr="0" forceAA="0" compatLnSpc="1">
+            <a:prstTxWarp prst="textNoShape">
+              <a:avLst/>
+            </a:prstTxWarp>
+            <a:noAutofit/>
+          </a:bodyPr>
+          <a:lstStyle/>
+          <a:p>
+            <a:pPr algn="ctr"/>
+            <a:endParaRPr lang="en-US" dirty="0">
+              <a:ln w="0"/>
+              <a:solidFill>
+                <a:srgbClr val="C00000"/>
+              </a:solidFill>
+            </a:endParaRPr>
+          </a:p>
+        </p:txBody>
+      </p:sp>
+      <p:sp>
+        <p:nvSpPr>
+          <p:cNvPr id="13" name="Rectangle 12">
+            <a:extLst>
+              <a:ext uri="{FF2B5EF4-FFF2-40B4-BE49-F238E27FC236}">
+                <a16:creationId xmlns:a16="http://schemas.microsoft.com/office/drawing/2014/main" id="{786844B2-FCE8-D44B-A307-319BB79AE75D}"/>
+              </a:ext>
+            </a:extLst>
+          </p:cNvPr>
+          <p:cNvSpPr/>
+          <p:nvPr/>
+        </p:nvSpPr>
+        <p:spPr>
+          <a:xfrm>
+            <a:off x="6010666" y="3670475"/>
+            <a:ext cx="2148596" cy="1029959"/>
+          </a:xfrm>
+          <a:prstGeom prst="rect">
+            <a:avLst/>
+          </a:prstGeom>
+          <a:solidFill>
+            <a:schemeClr val="bg1"/>
+          </a:solidFill>
+          <a:ln>
+            <a:noFill/>
+          </a:ln>
+          <a:effectLst/>
+        </p:spPr>
+        <p:style>
+          <a:lnRef idx="1">
+            <a:schemeClr val="accent1"/>
+          </a:lnRef>
+          <a:fillRef idx="3">
+            <a:schemeClr val="accent1"/>
+          </a:fillRef>
+          <a:effectRef idx="2">
+            <a:schemeClr val="accent1"/>
+          </a:effectRef>
+          <a:fontRef idx="minor">
+            <a:schemeClr val="lt1"/>
+          </a:fontRef>
+        </p:style>
+        <p:txBody>
+          <a:bodyPr rot="0" spcFirstLastPara="0" vertOverflow="overflow" horzOverflow="overflow" vert="horz" wrap="square" lIns="91440" tIns="45720" rIns="91440" bIns="45720" numCol="1" spcCol="0" rtlCol="0" fromWordArt="0" anchor="ctr" anchorCtr="0" forceAA="0" compatLnSpc="1">
+            <a:prstTxWarp prst="textNoShape">
+              <a:avLst/>
+            </a:prstTxWarp>
+            <a:noAutofit/>
+          </a:bodyPr>
+          <a:lstStyle/>
+          <a:p>
+            <a:pPr algn="ctr"/>
+            <a:r>
+              <a:rPr lang="en-US" sz="1500" dirty="0">
+                <a:ln w="0"/>
+                <a:solidFill>
+                  <a:schemeClr val="tx1"/>
+                </a:solidFill>
+              </a:rPr>
+              <a:t>436 pluripotent cells induced from A2S system </a:t>
+            </a:r>
+          </a:p>
+          <a:p>
+            <a:pPr algn="ctr"/>
+            <a:r>
+              <a:rPr lang="en-US" sz="1500" dirty="0">
+                <a:ln w="0"/>
+                <a:solidFill>
+                  <a:srgbClr val="C00000"/>
+                </a:solidFill>
+              </a:rPr>
+              <a:t>A2S-mESCs-Rep1</a:t>
+            </a:r>
+          </a:p>
+        </p:txBody>
+      </p:sp>
+      <p:sp>
+        <p:nvSpPr>
+          <p:cNvPr id="12" name="Rectangle 11">
+            <a:extLst>
+              <a:ext uri="{FF2B5EF4-FFF2-40B4-BE49-F238E27FC236}">
+                <a16:creationId xmlns:a16="http://schemas.microsoft.com/office/drawing/2014/main" id="{7F84898D-EA81-574F-9880-2425E7FE2A57}"/>
+              </a:ext>
+            </a:extLst>
+          </p:cNvPr>
+          <p:cNvSpPr/>
+          <p:nvPr/>
+        </p:nvSpPr>
+        <p:spPr>
+          <a:xfrm>
+            <a:off x="5749410" y="2514600"/>
+            <a:ext cx="2158644" cy="1029959"/>
+          </a:xfrm>
+          <a:prstGeom prst="rect">
+            <a:avLst/>
+          </a:prstGeom>
+          <a:solidFill>
+            <a:schemeClr val="bg1"/>
+          </a:solidFill>
+          <a:ln>
+            <a:noFill/>
+          </a:ln>
+          <a:effectLst/>
+        </p:spPr>
+        <p:style>
+          <a:lnRef idx="1">
+            <a:schemeClr val="accent1"/>
+          </a:lnRef>
+          <a:fillRef idx="3">
+            <a:schemeClr val="accent1"/>
+          </a:fillRef>
+          <a:effectRef idx="2">
+            <a:schemeClr val="accent1"/>
+          </a:effectRef>
+          <a:fontRef idx="minor">
+            <a:schemeClr val="lt1"/>
+          </a:fontRef>
+        </p:style>
+        <p:txBody>
+          <a:bodyPr rot="0" spcFirstLastPara="0" vertOverflow="overflow" horzOverflow="overflow" vert="horz" wrap="square" lIns="91440" tIns="45720" rIns="91440" bIns="45720" numCol="1" spcCol="0" rtlCol="0" fromWordArt="0" anchor="ctr" anchorCtr="0" forceAA="0" compatLnSpc="1">
+            <a:prstTxWarp prst="textNoShape">
+              <a:avLst/>
+            </a:prstTxWarp>
+            <a:noAutofit/>
+          </a:bodyPr>
+          <a:lstStyle/>
+          <a:p>
+            <a:pPr algn="ctr"/>
+            <a:r>
+              <a:rPr lang="en-US" sz="1500" dirty="0">
+                <a:ln w="0"/>
+                <a:solidFill>
+                  <a:schemeClr val="tx1"/>
+                </a:solidFill>
+              </a:rPr>
+              <a:t>144 pluripotent cells induced from FBS system </a:t>
+            </a:r>
+          </a:p>
+          <a:p>
+            <a:pPr algn="ctr"/>
+            <a:r>
+              <a:rPr lang="en-US" sz="1500" dirty="0">
+                <a:ln w="0"/>
+                <a:solidFill>
+                  <a:srgbClr val="C00000"/>
+                </a:solidFill>
+              </a:rPr>
+              <a:t>FBS-mESCs-Rep1</a:t>
+            </a:r>
+          </a:p>
+        </p:txBody>
+      </p:sp>
+      <p:cxnSp>
+        <p:nvCxnSpPr>
+          <p:cNvPr id="19" name="Straight Connector 18">
+            <a:extLst>
+              <a:ext uri="{FF2B5EF4-FFF2-40B4-BE49-F238E27FC236}">
+                <a16:creationId xmlns:a16="http://schemas.microsoft.com/office/drawing/2014/main" id="{06A8BADE-C7BF-5E43-8250-727F9451DD81}"/>
+              </a:ext>
+            </a:extLst>
+          </p:cNvPr>
+          <p:cNvCxnSpPr/>
+          <p:nvPr/>
+        </p:nvCxnSpPr>
+        <p:spPr>
+          <a:xfrm>
+            <a:off x="3697793" y="2969290"/>
+            <a:ext cx="0" cy="148519"/>
+          </a:xfrm>
+          <a:prstGeom prst="line">
+            <a:avLst/>
+          </a:prstGeom>
+          <a:ln>
+            <a:solidFill>
+              <a:schemeClr val="tx1"/>
+            </a:solidFill>
+          </a:ln>
+          <a:effectLst/>
+        </p:spPr>
+        <p:style>
+          <a:lnRef idx="2">
+            <a:schemeClr val="accent1"/>
+          </a:lnRef>
+          <a:fillRef idx="0">
+            <a:schemeClr val="accent1"/>
+          </a:fillRef>
+          <a:effectRef idx="1">
+            <a:schemeClr val="accent1"/>
+          </a:effectRef>
+          <a:fontRef idx="minor">
+            <a:schemeClr val="tx1"/>
+          </a:fontRef>
+        </p:style>
+      </p:cxnSp>
+      <p:cxnSp>
+        <p:nvCxnSpPr>
+          <p:cNvPr id="20" name="Straight Connector 19">
+            <a:extLst>
+              <a:ext uri="{FF2B5EF4-FFF2-40B4-BE49-F238E27FC236}">
+                <a16:creationId xmlns:a16="http://schemas.microsoft.com/office/drawing/2014/main" id="{10B8FC2F-1A39-0045-B29D-7E7B94214E83}"/>
+              </a:ext>
+            </a:extLst>
+          </p:cNvPr>
+          <p:cNvCxnSpPr/>
+          <p:nvPr/>
+        </p:nvCxnSpPr>
+        <p:spPr>
+          <a:xfrm>
+            <a:off x="3709518" y="4046132"/>
+            <a:ext cx="0" cy="148519"/>
+          </a:xfrm>
+          <a:prstGeom prst="line">
+            <a:avLst/>
+          </a:prstGeom>
+          <a:ln>
+            <a:solidFill>
+              <a:schemeClr val="tx1"/>
+            </a:solidFill>
+          </a:ln>
+          <a:effectLst/>
+        </p:spPr>
+        <p:style>
+          <a:lnRef idx="2">
+            <a:schemeClr val="accent1"/>
+          </a:lnRef>
+          <a:fillRef idx="0">
+            <a:schemeClr val="accent1"/>
+          </a:fillRef>
+          <a:effectRef idx="1">
+            <a:schemeClr val="accent1"/>
+          </a:effectRef>
+          <a:fontRef idx="minor">
+            <a:schemeClr val="tx1"/>
+          </a:fontRef>
+        </p:style>
+      </p:cxnSp>
+    </p:spTree>
+    <p:extLst>
+      <p:ext uri="{BB962C8B-B14F-4D97-AF65-F5344CB8AC3E}">
+        <p14:creationId xmlns:p14="http://schemas.microsoft.com/office/powerpoint/2010/main" val="2865716101"/>
+      </p:ext>
+    </p:extLst>
+  </p:cSld>
+  <p:clrMapOvr>
+    <a:masterClrMapping/>
+  </p:clrMapOvr>
+</p:sld>
+</file>
+
+<file path=ppt/slides/slide6.xml><?xml version="1.0" encoding="utf-8"?>
+<p:sld xmlns:a="http://schemas.openxmlformats.org/drawingml/2006/main" xmlns:r="http://schemas.openxmlformats.org/officeDocument/2006/relationships" xmlns:p="http://schemas.openxmlformats.org/presentationml/2006/main">
+  <p:cSld>
+    <p:spTree>
+      <p:nvGrpSpPr>
+        <p:cNvPr id="1" name=""/>
+        <p:cNvGrpSpPr/>
+        <p:nvPr/>
+      </p:nvGrpSpPr>
+      <p:grpSpPr>
+        <a:xfrm>
+          <a:off x="0" y="0"/>
+          <a:ext cx="0" cy="0"/>
+          <a:chOff x="0" y="0"/>
+          <a:chExt cx="0" cy="0"/>
+        </a:xfrm>
+      </p:grpSpPr>
+      <p:sp>
+        <p:nvSpPr>
           <p:cNvPr id="2" name="Title 1">
             <a:extLst>
               <a:ext uri="{FF2B5EF4-FFF2-40B4-BE49-F238E27FC236}">
@@ -4258,7 +5011,7 @@
 </p:sld>
 </file>
 
-<file path=ppt/slides/slide6.xml><?xml version="1.0" encoding="utf-8"?>
+<file path=ppt/slides/slide7.xml><?xml version="1.0" encoding="utf-8"?>
 <p:sld xmlns:a="http://schemas.openxmlformats.org/drawingml/2006/main" xmlns:r="http://schemas.openxmlformats.org/officeDocument/2006/relationships" xmlns:p="http://schemas.openxmlformats.org/presentationml/2006/main">
   <p:cSld>
     <p:spTree>
@@ -4587,202 +5340,6 @@
 </p:sld>
 </file>
 
-<file path=ppt/slides/slide7.xml><?xml version="1.0" encoding="utf-8"?>
-<p:sld xmlns:a="http://schemas.openxmlformats.org/drawingml/2006/main" xmlns:r="http://schemas.openxmlformats.org/officeDocument/2006/relationships" xmlns:p="http://schemas.openxmlformats.org/presentationml/2006/main">
-  <p:cSld>
-    <p:spTree>
-      <p:nvGrpSpPr>
-        <p:cNvPr id="1" name=""/>
-        <p:cNvGrpSpPr/>
-        <p:nvPr/>
-      </p:nvGrpSpPr>
-      <p:grpSpPr>
-        <a:xfrm>
-          <a:off x="0" y="0"/>
-          <a:ext cx="0" cy="0"/>
-          <a:chOff x="0" y="0"/>
-          <a:chExt cx="0" cy="0"/>
-        </a:xfrm>
-      </p:grpSpPr>
-      <p:sp>
-        <p:nvSpPr>
-          <p:cNvPr id="2" name="Title 1">
-            <a:extLst>
-              <a:ext uri="{FF2B5EF4-FFF2-40B4-BE49-F238E27FC236}">
-                <a16:creationId xmlns:a16="http://schemas.microsoft.com/office/drawing/2014/main" id="{7537878D-A28F-4F45-8488-0341AE0631E3}"/>
-              </a:ext>
-            </a:extLst>
-          </p:cNvPr>
-          <p:cNvSpPr>
-            <a:spLocks noGrp="1"/>
-          </p:cNvSpPr>
-          <p:nvPr>
-            <p:ph type="title"/>
-          </p:nvPr>
-        </p:nvSpPr>
-        <p:spPr>
-          <a:xfrm>
-            <a:off x="457200" y="334928"/>
-            <a:ext cx="8229600" cy="1143000"/>
-          </a:xfrm>
-        </p:spPr>
-        <p:txBody>
-          <a:bodyPr>
-            <a:normAutofit/>
-          </a:bodyPr>
-          <a:lstStyle/>
-          <a:p>
-            <a:r>
-              <a:rPr lang="en-US" dirty="0"/>
-              <a:t>Let’s get started…</a:t>
-            </a:r>
-          </a:p>
-        </p:txBody>
-      </p:sp>
-      <p:sp>
-        <p:nvSpPr>
-          <p:cNvPr id="5" name="Rectangle 4">
-            <a:extLst>
-              <a:ext uri="{FF2B5EF4-FFF2-40B4-BE49-F238E27FC236}">
-                <a16:creationId xmlns:a16="http://schemas.microsoft.com/office/drawing/2014/main" id="{B7AA35B0-4216-D14C-9B10-96D45BDE1655}"/>
-              </a:ext>
-            </a:extLst>
-          </p:cNvPr>
-          <p:cNvSpPr/>
-          <p:nvPr/>
-        </p:nvSpPr>
-        <p:spPr>
-          <a:xfrm>
-            <a:off x="688313" y="1789427"/>
-            <a:ext cx="7551336" cy="3170099"/>
-          </a:xfrm>
-          <a:prstGeom prst="rect">
-            <a:avLst/>
-          </a:prstGeom>
-        </p:spPr>
-        <p:txBody>
-          <a:bodyPr wrap="square">
-            <a:spAutoFit/>
-          </a:bodyPr>
-          <a:lstStyle/>
-          <a:p>
-            <a:pPr marL="514350" indent="-514350">
-              <a:buAutoNum type="arabicPeriod"/>
-            </a:pPr>
-            <a:r>
-              <a:rPr lang="en-US" sz="2000" dirty="0"/>
-              <a:t>Get materials: </a:t>
-            </a:r>
-            <a:r>
-              <a:rPr lang="en-US" sz="2000" dirty="0">
-                <a:hlinkClick r:id="rId2"/>
-              </a:rPr>
-              <a:t>https://github.com/Roy-lab/compnetbio-singlecell-integration</a:t>
-            </a:r>
-            <a:endParaRPr lang="en-US" sz="2000" dirty="0"/>
-          </a:p>
-          <a:p>
-            <a:pPr marL="514350" indent="-514350">
-              <a:buAutoNum type="arabicPeriod"/>
-            </a:pPr>
-            <a:endParaRPr lang="en-US" sz="2000" dirty="0"/>
-          </a:p>
-          <a:p>
-            <a:pPr marL="514350" indent="-514350">
-              <a:buAutoNum type="arabicPeriod"/>
-            </a:pPr>
-            <a:r>
-              <a:rPr lang="en-US" sz="2000" dirty="0"/>
-              <a:t>ON THE BIOSTAT SERVER</a:t>
-            </a:r>
-          </a:p>
-          <a:p>
-            <a:pPr marL="971550" lvl="1" indent="-514350">
-              <a:buFont typeface="+mj-lt"/>
-              <a:buAutoNum type="arabicParenR"/>
-            </a:pPr>
-            <a:r>
-              <a:rPr lang="en-US" sz="2000" dirty="0"/>
-              <a:t>cd to the directory with notebook and datasets</a:t>
-            </a:r>
-          </a:p>
-          <a:p>
-            <a:pPr marL="971550" lvl="1" indent="-514350">
-              <a:buFont typeface="+mj-lt"/>
-              <a:buAutoNum type="arabicParenR"/>
-            </a:pPr>
-            <a:r>
-              <a:rPr lang="en-US" sz="2000" dirty="0"/>
-              <a:t>Start up </a:t>
-            </a:r>
-            <a:r>
-              <a:rPr lang="en-US" sz="2000" dirty="0" err="1"/>
-              <a:t>Jupyter</a:t>
-            </a:r>
-            <a:r>
-              <a:rPr lang="en-US" sz="2000" dirty="0"/>
-              <a:t> notebook using specified environment</a:t>
-            </a:r>
-          </a:p>
-          <a:p>
-            <a:pPr marL="971550" lvl="1" indent="-514350">
-              <a:buFont typeface="+mj-lt"/>
-              <a:buAutoNum type="arabicParenR"/>
-            </a:pPr>
-            <a:endParaRPr lang="en-US" sz="2000" dirty="0"/>
-          </a:p>
-          <a:p>
-            <a:pPr marL="514350" indent="-514350">
-              <a:buAutoNum type="arabicPeriod"/>
-            </a:pPr>
-            <a:r>
-              <a:rPr lang="en-US" sz="2000" dirty="0"/>
-              <a:t>BACK ON YOUR COMPUTER</a:t>
-            </a:r>
-          </a:p>
-          <a:p>
-            <a:pPr marL="971550" lvl="1" indent="-514350">
-              <a:buFont typeface="+mj-lt"/>
-              <a:buAutoNum type="arabicParenR"/>
-            </a:pPr>
-            <a:r>
-              <a:rPr lang="en-US" sz="2000" dirty="0"/>
-              <a:t>Open command line/terminal, claim the port</a:t>
-            </a:r>
-          </a:p>
-          <a:p>
-            <a:pPr marL="971550" lvl="1" indent="-514350">
-              <a:buFont typeface="+mj-lt"/>
-              <a:buAutoNum type="arabicParenR"/>
-            </a:pPr>
-            <a:r>
-              <a:rPr lang="en-US" sz="2000" dirty="0"/>
-              <a:t>Copy and paste the </a:t>
-            </a:r>
-            <a:r>
-              <a:rPr lang="en-US" sz="2000" dirty="0" err="1"/>
-              <a:t>localhost:port</a:t>
-            </a:r>
-            <a:r>
-              <a:rPr lang="en-US" sz="2000" dirty="0"/>
-              <a:t> URL into a browser</a:t>
-            </a:r>
-          </a:p>
-        </p:txBody>
-      </p:sp>
-    </p:spTree>
-    <p:extLst>
-      <p:ext uri="{BB962C8B-B14F-4D97-AF65-F5344CB8AC3E}">
-        <p14:creationId xmlns:p14="http://schemas.microsoft.com/office/powerpoint/2010/main" val="152285534"/>
-      </p:ext>
-    </p:extLst>
-  </p:cSld>
-  <p:clrMapOvr>
-    <a:masterClrMapping/>
-  </p:clrMapOvr>
-</p:sld>
-</file>
-
 <file path=ppt/slides/slide8.xml><?xml version="1.0" encoding="utf-8"?>
 <p:sld xmlns:a="http://schemas.openxmlformats.org/drawingml/2006/main" xmlns:r="http://schemas.openxmlformats.org/officeDocument/2006/relationships" xmlns:p="http://schemas.openxmlformats.org/presentationml/2006/main">
   <p:cSld>
@@ -4802,7 +5359,13 @@
       </p:grpSpPr>
       <p:sp>
         <p:nvSpPr>
-          <p:cNvPr id="2" name="Title 1"/>
+          <p:cNvPr id="2" name="Title 1">
+            <a:extLst>
+              <a:ext uri="{FF2B5EF4-FFF2-40B4-BE49-F238E27FC236}">
+                <a16:creationId xmlns:a16="http://schemas.microsoft.com/office/drawing/2014/main" id="{7537878D-A28F-4F45-8488-0341AE0631E3}"/>
+              </a:ext>
+            </a:extLst>
+          </p:cNvPr>
           <p:cNvSpPr>
             <a:spLocks noGrp="1"/>
           </p:cNvSpPr>
@@ -4810,29 +5373,12 @@
             <p:ph type="title"/>
           </p:nvPr>
         </p:nvSpPr>
-        <p:spPr/>
-        <p:txBody>
-          <a:bodyPr/>
-          <a:lstStyle/>
-          <a:p>
-            <a:r>
-              <a:rPr lang="en-US" dirty="0"/>
-              <a:t>Takeaway points</a:t>
-            </a:r>
-          </a:p>
-        </p:txBody>
-      </p:sp>
-      <p:sp>
-        <p:nvSpPr>
-          <p:cNvPr id="3" name="Content Placeholder 2"/>
-          <p:cNvSpPr>
-            <a:spLocks noGrp="1"/>
-          </p:cNvSpPr>
-          <p:nvPr>
-            <p:ph idx="1"/>
-          </p:nvPr>
-        </p:nvSpPr>
-        <p:spPr/>
+        <p:spPr>
+          <a:xfrm>
+            <a:off x="457200" y="334928"/>
+            <a:ext cx="8229600" cy="1143000"/>
+          </a:xfrm>
+        </p:spPr>
         <p:txBody>
           <a:bodyPr>
             <a:normAutofit/>
@@ -4840,8 +5386,139 @@
           <a:lstStyle/>
           <a:p>
             <a:r>
+              <a:rPr lang="en-US" dirty="0"/>
+              <a:t>Let’s get started…</a:t>
+            </a:r>
+          </a:p>
+        </p:txBody>
+      </p:sp>
+      <p:sp>
+        <p:nvSpPr>
+          <p:cNvPr id="5" name="Rectangle 4">
+            <a:extLst>
+              <a:ext uri="{FF2B5EF4-FFF2-40B4-BE49-F238E27FC236}">
+                <a16:creationId xmlns:a16="http://schemas.microsoft.com/office/drawing/2014/main" id="{B7AA35B0-4216-D14C-9B10-96D45BDE1655}"/>
+              </a:ext>
+            </a:extLst>
+          </p:cNvPr>
+          <p:cNvSpPr/>
+          <p:nvPr/>
+        </p:nvSpPr>
+        <p:spPr>
+          <a:xfrm>
+            <a:off x="688313" y="1789427"/>
+            <a:ext cx="7551336" cy="3170099"/>
+          </a:xfrm>
+          <a:prstGeom prst="rect">
+            <a:avLst/>
+          </a:prstGeom>
+        </p:spPr>
+        <p:txBody>
+          <a:bodyPr wrap="square">
+            <a:spAutoFit/>
+          </a:bodyPr>
+          <a:lstStyle/>
+          <a:p>
+            <a:pPr marL="514350" indent="-514350">
+              <a:buAutoNum type="arabicPeriod"/>
+            </a:pPr>
+            <a:r>
               <a:rPr lang="en-US" sz="2000" dirty="0"/>
-              <a:t>As more and more single-cell datasets are generated, integrating them across multiple sources remains an important task for understanding dynamic changes underscoring the heterogeneity of cells.</a:t>
+              <a:t>Get materials: </a:t>
+            </a:r>
+            <a:r>
+              <a:rPr lang="en-US" sz="2000" dirty="0">
+                <a:hlinkClick r:id="rId2"/>
+              </a:rPr>
+              <a:t>https://github.com/Roy-lab/compnetbio-singlecell-integration</a:t>
+            </a:r>
+            <a:endParaRPr lang="en-US" sz="2000" dirty="0"/>
+          </a:p>
+          <a:p>
+            <a:pPr marL="514350" indent="-514350">
+              <a:buAutoNum type="arabicPeriod"/>
+            </a:pPr>
+            <a:endParaRPr lang="en-US" sz="2000" dirty="0"/>
+          </a:p>
+          <a:p>
+            <a:pPr marL="514350" indent="-514350">
+              <a:buAutoNum type="arabicPeriod"/>
+            </a:pPr>
+            <a:r>
+              <a:rPr lang="en-US" sz="2000" dirty="0"/>
+              <a:t>ON THE BIOSTAT SERVER</a:t>
+            </a:r>
+          </a:p>
+          <a:p>
+            <a:pPr marL="971550" lvl="1" indent="-514350">
+              <a:buFont typeface="+mj-lt"/>
+              <a:buAutoNum type="arabicParenR"/>
+            </a:pPr>
+            <a:r>
+              <a:rPr lang="en-US" sz="2000" dirty="0"/>
+              <a:t>cd to the directory with notebook and datasets</a:t>
+            </a:r>
+          </a:p>
+          <a:p>
+            <a:pPr marL="971550" lvl="1" indent="-514350">
+              <a:buFont typeface="+mj-lt"/>
+              <a:buAutoNum type="arabicParenR"/>
+            </a:pPr>
+            <a:r>
+              <a:rPr lang="en-US" sz="2000" dirty="0"/>
+              <a:t>Start up </a:t>
+            </a:r>
+            <a:r>
+              <a:rPr lang="en-US" sz="2000" dirty="0" err="1"/>
+              <a:t>Jupyter</a:t>
+            </a:r>
+            <a:r>
+              <a:rPr lang="en-US" sz="2000" dirty="0"/>
+              <a:t> notebook using specified environment</a:t>
+            </a:r>
+          </a:p>
+          <a:p>
+            <a:pPr marL="971550" lvl="1" indent="-514350">
+              <a:buFont typeface="+mj-lt"/>
+              <a:buAutoNum type="arabicParenR"/>
+            </a:pPr>
+            <a:endParaRPr lang="en-US" sz="2000" dirty="0"/>
+          </a:p>
+          <a:p>
+            <a:pPr marL="514350" indent="-514350">
+              <a:buAutoNum type="arabicPeriod"/>
+            </a:pPr>
+            <a:r>
+              <a:rPr lang="en-US" sz="2000" dirty="0"/>
+              <a:t>BACK ON YOUR COMPUTER</a:t>
+            </a:r>
+          </a:p>
+          <a:p>
+            <a:pPr marL="971550" lvl="1" indent="-514350">
+              <a:buFont typeface="+mj-lt"/>
+              <a:buAutoNum type="arabicParenR"/>
+            </a:pPr>
+            <a:r>
+              <a:rPr lang="en-US" sz="2000" dirty="0"/>
+              <a:t>Open command line/terminal, claim the port</a:t>
+            </a:r>
+          </a:p>
+          <a:p>
+            <a:pPr marL="971550" lvl="1" indent="-514350">
+              <a:buFont typeface="+mj-lt"/>
+              <a:buAutoNum type="arabicParenR"/>
+            </a:pPr>
+            <a:r>
+              <a:rPr lang="en-US" sz="2000" dirty="0"/>
+              <a:t>Copy and paste the </a:t>
+            </a:r>
+            <a:r>
+              <a:rPr lang="en-US" sz="2000" dirty="0" err="1"/>
+              <a:t>localhost:port</a:t>
+            </a:r>
+            <a:r>
+              <a:rPr lang="en-US" sz="2000" dirty="0"/>
+              <a:t> URL into a browser</a:t>
             </a:r>
           </a:p>
         </p:txBody>
@@ -4849,7 +5526,7 @@
     </p:spTree>
     <p:extLst>
       <p:ext uri="{BB962C8B-B14F-4D97-AF65-F5344CB8AC3E}">
-        <p14:creationId xmlns:p14="http://schemas.microsoft.com/office/powerpoint/2010/main" val="2626791125"/>
+        <p14:creationId xmlns:p14="http://schemas.microsoft.com/office/powerpoint/2010/main" val="152285534"/>
       </p:ext>
     </p:extLst>
   </p:cSld>
@@ -4920,44 +5597,12 @@
               <a:t>As more and more single-cell datasets are generated, integrating them across multiple sources remains an important task for understanding dynamic changes underscoring the heterogeneity of cells.</a:t>
             </a:r>
           </a:p>
-          <a:p>
-            <a:r>
-              <a:rPr lang="en-US" sz="2000" dirty="0"/>
-              <a:t>We looked at two different pipelines:</a:t>
-            </a:r>
-          </a:p>
-          <a:p>
-            <a:pPr lvl="1"/>
-            <a:r>
-              <a:rPr lang="en-US" sz="2000" dirty="0" err="1"/>
-              <a:t>Conos</a:t>
-            </a:r>
-            <a:r>
-              <a:rPr lang="en-US" sz="2000" dirty="0"/>
-              <a:t>: joint NMF to project cells to same space, correlation-based nearest neighbor graph to connect cells in common space</a:t>
-            </a:r>
-          </a:p>
-          <a:p>
-            <a:pPr lvl="1"/>
-            <a:r>
-              <a:rPr lang="en-US" sz="2000" dirty="0"/>
-              <a:t>LIGER: </a:t>
-            </a:r>
-            <a:r>
-              <a:rPr lang="en-US" sz="2000" dirty="0" err="1"/>
-              <a:t>intergrative</a:t>
-            </a:r>
-            <a:r>
-              <a:rPr lang="en-US" sz="2000" dirty="0"/>
-              <a:t> NMF to project cells to same space, nearest-neighbor-votes graph to connect cells in common space</a:t>
-            </a:r>
-          </a:p>
         </p:txBody>
       </p:sp>
     </p:spTree>
     <p:extLst>
       <p:ext uri="{BB962C8B-B14F-4D97-AF65-F5344CB8AC3E}">
-        <p14:creationId xmlns:p14="http://schemas.microsoft.com/office/powerpoint/2010/main" val="2424166279"/>
+        <p14:creationId xmlns:p14="http://schemas.microsoft.com/office/powerpoint/2010/main" val="2626791125"/>
       </p:ext>
     </p:extLst>
   </p:cSld>
